--- a/sql/lectures/13_constraints_and_triggers.pptx
+++ b/sql/lectures/13_constraints_and_triggers.pptx
@@ -5,20 +5,21 @@
     <p:sldMasterId id="2147483668" r:id="rId1"/>
   </p:sldMasterIdLst>
   <p:notesMasterIdLst>
-    <p:notesMasterId r:id="rId13"/>
+    <p:notesMasterId r:id="rId14"/>
   </p:notesMasterIdLst>
   <p:sldIdLst>
     <p:sldId id="256" r:id="rId2"/>
-    <p:sldId id="260" r:id="rId3"/>
-    <p:sldId id="259" r:id="rId4"/>
-    <p:sldId id="258" r:id="rId5"/>
-    <p:sldId id="261" r:id="rId6"/>
-    <p:sldId id="262" r:id="rId7"/>
-    <p:sldId id="263" r:id="rId8"/>
-    <p:sldId id="264" r:id="rId9"/>
-    <p:sldId id="266" r:id="rId10"/>
-    <p:sldId id="267" r:id="rId11"/>
-    <p:sldId id="268" r:id="rId12"/>
+    <p:sldId id="268" r:id="rId3"/>
+    <p:sldId id="269" r:id="rId4"/>
+    <p:sldId id="270" r:id="rId5"/>
+    <p:sldId id="271" r:id="rId6"/>
+    <p:sldId id="272" r:id="rId7"/>
+    <p:sldId id="273" r:id="rId8"/>
+    <p:sldId id="274" r:id="rId9"/>
+    <p:sldId id="275" r:id="rId10"/>
+    <p:sldId id="276" r:id="rId11"/>
+    <p:sldId id="277" r:id="rId12"/>
+    <p:sldId id="278" r:id="rId13"/>
   </p:sldIdLst>
   <p:sldSz cx="9144000" cy="6858000" type="screen4x3"/>
   <p:notesSz cx="6858000" cy="9144000"/>
@@ -119,7 +120,7 @@
   </p:defaultTextStyle>
   <p:extLst>
     <p:ext uri="{EFAFB233-063F-42B5-8137-9DF3F51BA10A}">
-      <p15:sldGuideLst xmlns:p15="http://schemas.microsoft.com/office/powerpoint/2012/main">
+      <p15:sldGuideLst xmlns:p15="http://schemas.microsoft.com/office/powerpoint/2012/main" xmlns="">
         <p15:guide id="1" orient="horz" pos="2160">
           <p15:clr>
             <a:srgbClr val="A4A3A4"/>
@@ -219,7 +220,7 @@
             <a:fld id="{1C0777A7-133F-4858-8AB3-833D62427676}" type="datetimeFigureOut">
               <a:rPr lang="en-US" smtClean="0"/>
               <a:pPr/>
-              <a:t>11/23/2013</a:t>
+              <a:t>11/30/2013</a:t>
             </a:fld>
             <a:endParaRPr lang="en-US"/>
           </a:p>
@@ -388,7 +389,7 @@
     </p:spTree>
     <p:extLst>
       <p:ext uri="{BB962C8B-B14F-4D97-AF65-F5344CB8AC3E}">
-        <p14:creationId xmlns:p14="http://schemas.microsoft.com/office/powerpoint/2010/main" val="2408685227"/>
+        <p14:creationId xmlns:p14="http://schemas.microsoft.com/office/powerpoint/2010/main" xmlns="" val="2408685227"/>
       </p:ext>
     </p:extLst>
   </p:cSld>
@@ -702,7 +703,7 @@
             <a:fld id="{B61BEF0D-F0BB-DE4B-95CE-6DB70DBA9567}" type="datetimeFigureOut">
               <a:rPr lang="en-US" smtClean="0"/>
               <a:pPr/>
-              <a:t>11/23/2013</a:t>
+              <a:t>11/30/2013</a:t>
             </a:fld>
             <a:endParaRPr lang="en-US" dirty="0"/>
           </a:p>
@@ -754,7 +755,7 @@
     </p:spTree>
     <p:extLst>
       <p:ext uri="{BB962C8B-B14F-4D97-AF65-F5344CB8AC3E}">
-        <p14:creationId xmlns:p14="http://schemas.microsoft.com/office/powerpoint/2010/main" val="201764440"/>
+        <p14:creationId xmlns:p14="http://schemas.microsoft.com/office/powerpoint/2010/main" xmlns="" val="201764440"/>
       </p:ext>
     </p:extLst>
   </p:cSld>
@@ -995,7 +996,7 @@
             <a:fld id="{B61BEF0D-F0BB-DE4B-95CE-6DB70DBA9567}" type="datetimeFigureOut">
               <a:rPr lang="en-US" smtClean="0"/>
               <a:pPr/>
-              <a:t>11/23/2013</a:t>
+              <a:t>11/30/2013</a:t>
             </a:fld>
             <a:endParaRPr lang="en-US" dirty="0"/>
           </a:p>
@@ -1052,7 +1053,7 @@
     </p:spTree>
     <p:extLst>
       <p:ext uri="{BB962C8B-B14F-4D97-AF65-F5344CB8AC3E}">
-        <p14:creationId xmlns:p14="http://schemas.microsoft.com/office/powerpoint/2010/main" val="3783072073"/>
+        <p14:creationId xmlns:p14="http://schemas.microsoft.com/office/powerpoint/2010/main" xmlns="" val="3783072073"/>
       </p:ext>
     </p:extLst>
   </p:cSld>
@@ -1261,7 +1262,7 @@
             <a:fld id="{B61BEF0D-F0BB-DE4B-95CE-6DB70DBA9567}" type="datetimeFigureOut">
               <a:rPr lang="en-US" smtClean="0"/>
               <a:pPr/>
-              <a:t>11/23/2013</a:t>
+              <a:t>11/30/2013</a:t>
             </a:fld>
             <a:endParaRPr lang="en-US" dirty="0"/>
           </a:p>
@@ -1313,7 +1314,7 @@
     </p:spTree>
     <p:extLst>
       <p:ext uri="{BB962C8B-B14F-4D97-AF65-F5344CB8AC3E}">
-        <p14:creationId xmlns:p14="http://schemas.microsoft.com/office/powerpoint/2010/main" val="1595295306"/>
+        <p14:creationId xmlns:p14="http://schemas.microsoft.com/office/powerpoint/2010/main" xmlns="" val="1595295306"/>
       </p:ext>
     </p:extLst>
   </p:cSld>
@@ -1823,7 +1824,7 @@
             <a:fld id="{B61BEF0D-F0BB-DE4B-95CE-6DB70DBA9567}" type="datetimeFigureOut">
               <a:rPr lang="en-US" smtClean="0"/>
               <a:pPr/>
-              <a:t>11/23/2013</a:t>
+              <a:t>11/30/2013</a:t>
             </a:fld>
             <a:endParaRPr lang="en-US" dirty="0"/>
           </a:p>
@@ -1875,7 +1876,7 @@
     </p:spTree>
     <p:extLst>
       <p:ext uri="{BB962C8B-B14F-4D97-AF65-F5344CB8AC3E}">
-        <p14:creationId xmlns:p14="http://schemas.microsoft.com/office/powerpoint/2010/main" val="3337821985"/>
+        <p14:creationId xmlns:p14="http://schemas.microsoft.com/office/powerpoint/2010/main" xmlns="" val="3337821985"/>
       </p:ext>
     </p:extLst>
   </p:cSld>
@@ -2084,7 +2085,7 @@
             <a:fld id="{B61BEF0D-F0BB-DE4B-95CE-6DB70DBA9567}" type="datetimeFigureOut">
               <a:rPr lang="en-US" smtClean="0"/>
               <a:pPr/>
-              <a:t>11/23/2013</a:t>
+              <a:t>11/30/2013</a:t>
             </a:fld>
             <a:endParaRPr lang="en-US" dirty="0"/>
           </a:p>
@@ -2136,7 +2137,7 @@
     </p:spTree>
     <p:extLst>
       <p:ext uri="{BB962C8B-B14F-4D97-AF65-F5344CB8AC3E}">
-        <p14:creationId xmlns:p14="http://schemas.microsoft.com/office/powerpoint/2010/main" val="886269531"/>
+        <p14:creationId xmlns:p14="http://schemas.microsoft.com/office/powerpoint/2010/main" xmlns="" val="886269531"/>
       </p:ext>
     </p:extLst>
   </p:cSld>
@@ -2662,7 +2663,7 @@
             <a:fld id="{B61BEF0D-F0BB-DE4B-95CE-6DB70DBA9567}" type="datetimeFigureOut">
               <a:rPr lang="en-US" smtClean="0"/>
               <a:pPr/>
-              <a:t>11/23/2013</a:t>
+              <a:t>11/30/2013</a:t>
             </a:fld>
             <a:endParaRPr lang="en-US" dirty="0"/>
           </a:p>
@@ -2714,7 +2715,7 @@
     </p:spTree>
     <p:extLst>
       <p:ext uri="{BB962C8B-B14F-4D97-AF65-F5344CB8AC3E}">
-        <p14:creationId xmlns:p14="http://schemas.microsoft.com/office/powerpoint/2010/main" val="2590523876"/>
+        <p14:creationId xmlns:p14="http://schemas.microsoft.com/office/powerpoint/2010/main" xmlns="" val="2590523876"/>
       </p:ext>
     </p:extLst>
   </p:cSld>
@@ -2996,7 +2997,7 @@
             <a:fld id="{B61BEF0D-F0BB-DE4B-95CE-6DB70DBA9567}" type="datetimeFigureOut">
               <a:rPr lang="en-US" smtClean="0"/>
               <a:pPr/>
-              <a:t>11/23/2013</a:t>
+              <a:t>11/30/2013</a:t>
             </a:fld>
             <a:endParaRPr lang="en-US" dirty="0"/>
           </a:p>
@@ -3048,7 +3049,7 @@
     </p:spTree>
     <p:extLst>
       <p:ext uri="{BB962C8B-B14F-4D97-AF65-F5344CB8AC3E}">
-        <p14:creationId xmlns:p14="http://schemas.microsoft.com/office/powerpoint/2010/main" val="2759155521"/>
+        <p14:creationId xmlns:p14="http://schemas.microsoft.com/office/powerpoint/2010/main" xmlns="" val="2759155521"/>
       </p:ext>
     </p:extLst>
   </p:cSld>
@@ -3173,7 +3174,7 @@
             <a:fld id="{B61BEF0D-F0BB-DE4B-95CE-6DB70DBA9567}" type="datetimeFigureOut">
               <a:rPr lang="en-US" smtClean="0"/>
               <a:pPr/>
-              <a:t>11/23/2013</a:t>
+              <a:t>11/30/2013</a:t>
             </a:fld>
             <a:endParaRPr lang="en-US" dirty="0"/>
           </a:p>
@@ -3225,7 +3226,7 @@
     </p:spTree>
     <p:extLst>
       <p:ext uri="{BB962C8B-B14F-4D97-AF65-F5344CB8AC3E}">
-        <p14:creationId xmlns:p14="http://schemas.microsoft.com/office/powerpoint/2010/main" val="1435342287"/>
+        <p14:creationId xmlns:p14="http://schemas.microsoft.com/office/powerpoint/2010/main" xmlns="" val="1435342287"/>
       </p:ext>
     </p:extLst>
   </p:cSld>
@@ -3355,7 +3356,7 @@
             <a:fld id="{B61BEF0D-F0BB-DE4B-95CE-6DB70DBA9567}" type="datetimeFigureOut">
               <a:rPr lang="en-US" smtClean="0"/>
               <a:pPr/>
-              <a:t>11/23/2013</a:t>
+              <a:t>11/30/2013</a:t>
             </a:fld>
             <a:endParaRPr lang="en-US" dirty="0"/>
           </a:p>
@@ -3407,7 +3408,7 @@
     </p:spTree>
     <p:extLst>
       <p:ext uri="{BB962C8B-B14F-4D97-AF65-F5344CB8AC3E}">
-        <p14:creationId xmlns:p14="http://schemas.microsoft.com/office/powerpoint/2010/main" val="681154642"/>
+        <p14:creationId xmlns:p14="http://schemas.microsoft.com/office/powerpoint/2010/main" xmlns="" val="681154642"/>
       </p:ext>
     </p:extLst>
   </p:cSld>
@@ -3527,7 +3528,7 @@
             <a:fld id="{B61BEF0D-F0BB-DE4B-95CE-6DB70DBA9567}" type="datetimeFigureOut">
               <a:rPr lang="en-US" smtClean="0"/>
               <a:pPr/>
-              <a:t>11/23/2013</a:t>
+              <a:t>11/30/2013</a:t>
             </a:fld>
             <a:endParaRPr lang="en-US" dirty="0"/>
           </a:p>
@@ -3579,7 +3580,7 @@
     </p:spTree>
     <p:extLst>
       <p:ext uri="{BB962C8B-B14F-4D97-AF65-F5344CB8AC3E}">
-        <p14:creationId xmlns:p14="http://schemas.microsoft.com/office/powerpoint/2010/main" val="4245128215"/>
+        <p14:creationId xmlns:p14="http://schemas.microsoft.com/office/powerpoint/2010/main" xmlns="" val="4245128215"/>
       </p:ext>
     </p:extLst>
   </p:cSld>
@@ -3788,7 +3789,7 @@
             <a:fld id="{B61BEF0D-F0BB-DE4B-95CE-6DB70DBA9567}" type="datetimeFigureOut">
               <a:rPr lang="en-US" smtClean="0"/>
               <a:pPr/>
-              <a:t>11/23/2013</a:t>
+              <a:t>11/30/2013</a:t>
             </a:fld>
             <a:endParaRPr lang="en-US" dirty="0"/>
           </a:p>
@@ -3840,7 +3841,7 @@
     </p:spTree>
     <p:extLst>
       <p:ext uri="{BB962C8B-B14F-4D97-AF65-F5344CB8AC3E}">
-        <p14:creationId xmlns:p14="http://schemas.microsoft.com/office/powerpoint/2010/main" val="2266164164"/>
+        <p14:creationId xmlns:p14="http://schemas.microsoft.com/office/powerpoint/2010/main" xmlns="" val="2266164164"/>
       </p:ext>
     </p:extLst>
   </p:cSld>
@@ -4082,7 +4083,7 @@
             <a:fld id="{B61BEF0D-F0BB-DE4B-95CE-6DB70DBA9567}" type="datetimeFigureOut">
               <a:rPr lang="en-US" smtClean="0"/>
               <a:pPr/>
-              <a:t>11/23/2013</a:t>
+              <a:t>11/30/2013</a:t>
             </a:fld>
             <a:endParaRPr lang="en-US" dirty="0"/>
           </a:p>
@@ -4134,7 +4135,7 @@
     </p:spTree>
     <p:extLst>
       <p:ext uri="{BB962C8B-B14F-4D97-AF65-F5344CB8AC3E}">
-        <p14:creationId xmlns:p14="http://schemas.microsoft.com/office/powerpoint/2010/main" val="148630802"/>
+        <p14:creationId xmlns:p14="http://schemas.microsoft.com/office/powerpoint/2010/main" xmlns="" val="148630802"/>
       </p:ext>
     </p:extLst>
   </p:cSld>
@@ -4514,7 +4515,7 @@
             <a:fld id="{B61BEF0D-F0BB-DE4B-95CE-6DB70DBA9567}" type="datetimeFigureOut">
               <a:rPr lang="en-US" smtClean="0"/>
               <a:pPr/>
-              <a:t>11/23/2013</a:t>
+              <a:t>11/30/2013</a:t>
             </a:fld>
             <a:endParaRPr lang="en-US" dirty="0"/>
           </a:p>
@@ -4566,7 +4567,7 @@
     </p:spTree>
     <p:extLst>
       <p:ext uri="{BB962C8B-B14F-4D97-AF65-F5344CB8AC3E}">
-        <p14:creationId xmlns:p14="http://schemas.microsoft.com/office/powerpoint/2010/main" val="563240317"/>
+        <p14:creationId xmlns:p14="http://schemas.microsoft.com/office/powerpoint/2010/main" xmlns="" val="563240317"/>
       </p:ext>
     </p:extLst>
   </p:cSld>
@@ -4640,7 +4641,7 @@
             <a:fld id="{B61BEF0D-F0BB-DE4B-95CE-6DB70DBA9567}" type="datetimeFigureOut">
               <a:rPr lang="en-US" smtClean="0"/>
               <a:pPr/>
-              <a:t>11/23/2013</a:t>
+              <a:t>11/30/2013</a:t>
             </a:fld>
             <a:endParaRPr lang="en-US" dirty="0"/>
           </a:p>
@@ -4692,7 +4693,7 @@
     </p:spTree>
     <p:extLst>
       <p:ext uri="{BB962C8B-B14F-4D97-AF65-F5344CB8AC3E}">
-        <p14:creationId xmlns:p14="http://schemas.microsoft.com/office/powerpoint/2010/main" val="3238447542"/>
+        <p14:creationId xmlns:p14="http://schemas.microsoft.com/office/powerpoint/2010/main" xmlns="" val="3238447542"/>
       </p:ext>
     </p:extLst>
   </p:cSld>
@@ -4737,7 +4738,7 @@
             <a:fld id="{B61BEF0D-F0BB-DE4B-95CE-6DB70DBA9567}" type="datetimeFigureOut">
               <a:rPr lang="en-US" smtClean="0"/>
               <a:pPr/>
-              <a:t>11/23/2013</a:t>
+              <a:t>11/30/2013</a:t>
             </a:fld>
             <a:endParaRPr lang="en-US" dirty="0"/>
           </a:p>
@@ -4789,7 +4790,7 @@
     </p:spTree>
     <p:extLst>
       <p:ext uri="{BB962C8B-B14F-4D97-AF65-F5344CB8AC3E}">
-        <p14:creationId xmlns:p14="http://schemas.microsoft.com/office/powerpoint/2010/main" val="2027820632"/>
+        <p14:creationId xmlns:p14="http://schemas.microsoft.com/office/powerpoint/2010/main" xmlns="" val="2027820632"/>
       </p:ext>
     </p:extLst>
   </p:cSld>
@@ -5022,7 +5023,7 @@
             <a:fld id="{B61BEF0D-F0BB-DE4B-95CE-6DB70DBA9567}" type="datetimeFigureOut">
               <a:rPr lang="en-US" smtClean="0"/>
               <a:pPr/>
-              <a:t>11/23/2013</a:t>
+              <a:t>11/30/2013</a:t>
             </a:fld>
             <a:endParaRPr lang="en-US" dirty="0"/>
           </a:p>
@@ -5074,7 +5075,7 @@
     </p:spTree>
     <p:extLst>
       <p:ext uri="{BB962C8B-B14F-4D97-AF65-F5344CB8AC3E}">
-        <p14:creationId xmlns:p14="http://schemas.microsoft.com/office/powerpoint/2010/main" val="712994137"/>
+        <p14:creationId xmlns:p14="http://schemas.microsoft.com/office/powerpoint/2010/main" xmlns="" val="712994137"/>
       </p:ext>
     </p:extLst>
   </p:cSld>
@@ -5315,7 +5316,7 @@
             <a:fld id="{B61BEF0D-F0BB-DE4B-95CE-6DB70DBA9567}" type="datetimeFigureOut">
               <a:rPr lang="en-US" smtClean="0"/>
               <a:pPr/>
-              <a:t>11/23/2013</a:t>
+              <a:t>11/30/2013</a:t>
             </a:fld>
             <a:endParaRPr lang="en-US" dirty="0"/>
           </a:p>
@@ -5377,7 +5378,7 @@
     </p:spTree>
     <p:extLst>
       <p:ext uri="{BB962C8B-B14F-4D97-AF65-F5344CB8AC3E}">
-        <p14:creationId xmlns:p14="http://schemas.microsoft.com/office/powerpoint/2010/main" val="2328979833"/>
+        <p14:creationId xmlns:p14="http://schemas.microsoft.com/office/powerpoint/2010/main" xmlns="" val="2328979833"/>
       </p:ext>
     </p:extLst>
   </p:cSld>
@@ -5548,7 +5549,7 @@
             <a:fld id="{B61BEF0D-F0BB-DE4B-95CE-6DB70DBA9567}" type="datetimeFigureOut">
               <a:rPr lang="en-US" smtClean="0"/>
               <a:pPr/>
-              <a:t>11/23/2013</a:t>
+              <a:t>11/30/2013</a:t>
             </a:fld>
             <a:endParaRPr lang="en-US" dirty="0"/>
           </a:p>
@@ -5652,7 +5653,7 @@
     </p:spTree>
     <p:extLst>
       <p:ext uri="{BB962C8B-B14F-4D97-AF65-F5344CB8AC3E}">
-        <p14:creationId xmlns:p14="http://schemas.microsoft.com/office/powerpoint/2010/main" val="1737108718"/>
+        <p14:creationId xmlns:p14="http://schemas.microsoft.com/office/powerpoint/2010/main" xmlns="" val="1737108718"/>
       </p:ext>
     </p:extLst>
   </p:cSld>
@@ -6335,7 +6336,11 @@
           <a:p>
             <a:r>
               <a:rPr lang="ru-RU" dirty="0" smtClean="0"/>
-              <a:t>Ограничения и триггеры</a:t>
+              <a:t>Ограничения </a:t>
+            </a:r>
+            <a:r>
+              <a:rPr lang="ru-RU" dirty="0" smtClean="0"/>
+              <a:t>типов</a:t>
             </a:r>
             <a:r>
               <a:rPr lang="ru-RU" dirty="0" smtClean="0"/>
@@ -6386,7 +6391,7 @@
     </p:spTree>
     <p:extLst>
       <p:ext uri="{BB962C8B-B14F-4D97-AF65-F5344CB8AC3E}">
-        <p14:creationId xmlns:p14="http://schemas.microsoft.com/office/powerpoint/2010/main" val="3831373085"/>
+        <p14:creationId xmlns:p14="http://schemas.microsoft.com/office/powerpoint/2010/main" xmlns="" val="3831373085"/>
       </p:ext>
     </p:extLst>
   </p:cSld>
@@ -6422,7 +6427,7 @@
       </p:grpSpPr>
       <p:sp>
         <p:nvSpPr>
-          <p:cNvPr id="2" name="Title 1"/>
+          <p:cNvPr id="2" name="Заголовок 1"/>
           <p:cNvSpPr>
             <a:spLocks noGrp="1"/>
           </p:cNvSpPr>
@@ -6437,19 +6442,15 @@
           <a:p>
             <a:r>
               <a:rPr lang="ru-RU" dirty="0" smtClean="0"/>
-              <a:t>Триггер в </a:t>
-            </a:r>
-            <a:r>
-              <a:rPr lang="en-US" dirty="0" smtClean="0"/>
-              <a:t>SQL</a:t>
-            </a:r>
-            <a:endParaRPr lang="en-US" dirty="0"/>
-          </a:p>
-        </p:txBody>
-      </p:sp>
-      <p:sp>
-        <p:nvSpPr>
-          <p:cNvPr id="3" name="Content Placeholder 2"/>
+              <a:t>Пример 4</a:t>
+            </a:r>
+            <a:endParaRPr lang="ru-RU" dirty="0"/>
+          </a:p>
+        </p:txBody>
+      </p:sp>
+      <p:sp>
+        <p:nvSpPr>
+          <p:cNvPr id="3" name="Содержимое 2"/>
           <p:cNvSpPr>
             <a:spLocks noGrp="1"/>
           </p:cNvSpPr>
@@ -6462,112 +6463,581 @@
           <a:bodyPr/>
           <a:lstStyle/>
           <a:p>
-            <a:pPr marL="0" indent="0">
+            <a:pPr>
               <a:buNone/>
             </a:pPr>
             <a:r>
-              <a:rPr lang="en-US" dirty="0" smtClean="0"/>
-              <a:t>CREATE TRIGGER </a:t>
-            </a:r>
-            <a:r>
-              <a:rPr lang="en-US" dirty="0" smtClean="0">
-                <a:solidFill>
-                  <a:srgbClr val="00B0F0"/>
-                </a:solidFill>
-              </a:rPr>
-              <a:t>name</a:t>
-            </a:r>
-          </a:p>
-          <a:p>
-            <a:pPr marL="0" indent="0">
+              <a:rPr lang="en-US" dirty="0" smtClean="0">
+                <a:solidFill>
+                  <a:srgbClr val="00B0F0"/>
+                </a:solidFill>
+              </a:rPr>
+              <a:t>CREATE</a:t>
+            </a:r>
+            <a:r>
+              <a:rPr lang="en-US" dirty="0" smtClean="0"/>
+              <a:t> </a:t>
+            </a:r>
+            <a:r>
+              <a:rPr lang="en-US" dirty="0" smtClean="0">
+                <a:solidFill>
+                  <a:srgbClr val="00B0F0"/>
+                </a:solidFill>
+              </a:rPr>
+              <a:t>TABLE</a:t>
+            </a:r>
+            <a:r>
+              <a:rPr lang="en-US" dirty="0" smtClean="0"/>
+              <a:t> University</a:t>
+            </a:r>
+            <a:r>
+              <a:rPr lang="en-US" dirty="0" smtClean="0">
+                <a:solidFill>
+                  <a:srgbClr val="00B050"/>
+                </a:solidFill>
+              </a:rPr>
+              <a:t>(</a:t>
+            </a:r>
+            <a:r>
+              <a:rPr lang="en-US" dirty="0" err="1" smtClean="0"/>
+              <a:t>uName</a:t>
+            </a:r>
+            <a:r>
+              <a:rPr lang="en-US" dirty="0" smtClean="0"/>
+              <a:t> </a:t>
+            </a:r>
+            <a:r>
+              <a:rPr lang="en-US" dirty="0" smtClean="0">
+                <a:solidFill>
+                  <a:srgbClr val="00B0F0"/>
+                </a:solidFill>
+              </a:rPr>
+              <a:t>TEXT</a:t>
+            </a:r>
+            <a:r>
+              <a:rPr lang="en-US" dirty="0" smtClean="0">
+                <a:solidFill>
+                  <a:srgbClr val="00B050"/>
+                </a:solidFill>
+              </a:rPr>
+              <a:t>,</a:t>
+            </a:r>
+            <a:r>
+              <a:rPr lang="en-US" dirty="0" smtClean="0"/>
+              <a:t> region </a:t>
+            </a:r>
+            <a:r>
+              <a:rPr lang="en-US" dirty="0" smtClean="0">
+                <a:solidFill>
+                  <a:srgbClr val="00B0F0"/>
+                </a:solidFill>
+              </a:rPr>
+              <a:t>TEXT</a:t>
+            </a:r>
+            <a:r>
+              <a:rPr lang="en-US" dirty="0" smtClean="0">
+                <a:solidFill>
+                  <a:srgbClr val="00B050"/>
+                </a:solidFill>
+              </a:rPr>
+              <a:t>,</a:t>
+            </a:r>
+            <a:r>
+              <a:rPr lang="en-US" dirty="0" smtClean="0"/>
+              <a:t> enrollment </a:t>
+            </a:r>
+            <a:r>
+              <a:rPr lang="en-US" dirty="0" smtClean="0">
+                <a:solidFill>
+                  <a:srgbClr val="00B0F0"/>
+                </a:solidFill>
+              </a:rPr>
+              <a:t>INT</a:t>
+            </a:r>
+            <a:r>
+              <a:rPr lang="en-US" dirty="0" smtClean="0">
+                <a:solidFill>
+                  <a:srgbClr val="00B050"/>
+                </a:solidFill>
+              </a:rPr>
+              <a:t>,</a:t>
+            </a:r>
+            <a:r>
+              <a:rPr lang="en-US" dirty="0" smtClean="0"/>
+              <a:t> </a:t>
+            </a:r>
+            <a:r>
+              <a:rPr lang="en-US" dirty="0" smtClean="0">
+                <a:solidFill>
+                  <a:srgbClr val="00B0F0"/>
+                </a:solidFill>
+              </a:rPr>
+              <a:t>PRIMARY KEY </a:t>
+            </a:r>
+            <a:r>
+              <a:rPr lang="en-US" dirty="0" smtClean="0">
+                <a:solidFill>
+                  <a:srgbClr val="00B050"/>
+                </a:solidFill>
+              </a:rPr>
+              <a:t>(</a:t>
+            </a:r>
+            <a:r>
+              <a:rPr lang="en-US" dirty="0" err="1" smtClean="0"/>
+              <a:t>uName</a:t>
+            </a:r>
+            <a:r>
+              <a:rPr lang="en-US" dirty="0" smtClean="0">
+                <a:solidFill>
+                  <a:srgbClr val="00B050"/>
+                </a:solidFill>
+              </a:rPr>
+              <a:t>,</a:t>
+            </a:r>
+            <a:r>
+              <a:rPr lang="en-US" dirty="0" smtClean="0"/>
+              <a:t> region</a:t>
+            </a:r>
+            <a:r>
+              <a:rPr lang="en-US" dirty="0" smtClean="0">
+                <a:solidFill>
+                  <a:srgbClr val="00B050"/>
+                </a:solidFill>
+              </a:rPr>
+              <a:t>));</a:t>
+            </a:r>
+          </a:p>
+          <a:p>
+            <a:pPr>
               <a:buNone/>
             </a:pPr>
-            <a:r>
-              <a:rPr lang="en-US" dirty="0" smtClean="0"/>
-              <a:t>BEFORE | AFTER | INSTEADOF </a:t>
-            </a:r>
-            <a:r>
-              <a:rPr lang="en-US" dirty="0" smtClean="0">
-                <a:solidFill>
-                  <a:srgbClr val="00B0F0"/>
-                </a:solidFill>
-              </a:rPr>
-              <a:t>events</a:t>
-            </a:r>
-          </a:p>
-          <a:p>
-            <a:pPr marL="0" indent="0">
-              <a:buNone/>
-            </a:pPr>
-            <a:r>
-              <a:rPr lang="en-US" dirty="0" smtClean="0">
-                <a:solidFill>
-                  <a:srgbClr val="00B0F0"/>
-                </a:solidFill>
-              </a:rPr>
-              <a:t>[referencing-variables]</a:t>
-            </a:r>
-          </a:p>
-          <a:p>
-            <a:pPr marL="0" indent="0">
-              <a:buNone/>
-            </a:pPr>
-            <a:r>
-              <a:rPr lang="en-US" dirty="0" smtClean="0"/>
-              <a:t>[FOR EACH ROW]</a:t>
-            </a:r>
-          </a:p>
-          <a:p>
-            <a:pPr marL="0" indent="0">
-              <a:buNone/>
-            </a:pPr>
-            <a:r>
-              <a:rPr lang="en-US" dirty="0" smtClean="0"/>
-              <a:t>WHEN (</a:t>
-            </a:r>
-            <a:r>
-              <a:rPr lang="en-US" dirty="0" smtClean="0">
-                <a:solidFill>
-                  <a:srgbClr val="00B0F0"/>
-                </a:solidFill>
-              </a:rPr>
-              <a:t>condition</a:t>
-            </a:r>
-            <a:r>
-              <a:rPr lang="en-US" dirty="0" smtClean="0"/>
-              <a:t>)</a:t>
-            </a:r>
-          </a:p>
-          <a:p>
-            <a:pPr marL="0" indent="0">
-              <a:buNone/>
-            </a:pPr>
-            <a:r>
-              <a:rPr lang="en-US" dirty="0" smtClean="0">
-                <a:solidFill>
-                  <a:srgbClr val="00B0F0"/>
-                </a:solidFill>
-              </a:rPr>
-              <a:t>action</a:t>
-            </a:r>
-            <a:endParaRPr lang="en-US" dirty="0">
+            <a:endParaRPr lang="en-US" dirty="0" smtClean="0">
               <a:solidFill>
-                <a:srgbClr val="00B0F0"/>
+                <a:srgbClr val="00B050"/>
               </a:solidFill>
             </a:endParaRPr>
           </a:p>
+          <a:p>
+            <a:pPr>
+              <a:buNone/>
+            </a:pPr>
+            <a:r>
+              <a:rPr lang="en-US" dirty="0" smtClean="0">
+                <a:solidFill>
+                  <a:srgbClr val="00B0F0"/>
+                </a:solidFill>
+              </a:rPr>
+              <a:t>INSERT INTO </a:t>
+            </a:r>
+            <a:r>
+              <a:rPr lang="en-US" dirty="0" smtClean="0"/>
+              <a:t>University </a:t>
+            </a:r>
+            <a:r>
+              <a:rPr lang="en-US" dirty="0" smtClean="0">
+                <a:solidFill>
+                  <a:srgbClr val="00B0F0"/>
+                </a:solidFill>
+              </a:rPr>
+              <a:t>VALUES</a:t>
+            </a:r>
+            <a:r>
+              <a:rPr lang="en-US" dirty="0" smtClean="0">
+                <a:solidFill>
+                  <a:srgbClr val="00B050"/>
+                </a:solidFill>
+              </a:rPr>
+              <a:t>(</a:t>
+            </a:r>
+            <a:r>
+              <a:rPr lang="en-US" dirty="0" smtClean="0">
+                <a:solidFill>
+                  <a:srgbClr val="FF0000"/>
+                </a:solidFill>
+              </a:rPr>
+              <a:t>‘</a:t>
+            </a:r>
+            <a:r>
+              <a:rPr lang="en-US" dirty="0" err="1" smtClean="0">
+                <a:solidFill>
+                  <a:srgbClr val="FF0000"/>
+                </a:solidFill>
+              </a:rPr>
+              <a:t>MEPhI</a:t>
+            </a:r>
+            <a:r>
+              <a:rPr lang="en-US" dirty="0" smtClean="0">
+                <a:solidFill>
+                  <a:srgbClr val="FF0000"/>
+                </a:solidFill>
+              </a:rPr>
+              <a:t>’</a:t>
+            </a:r>
+            <a:r>
+              <a:rPr lang="en-US" dirty="0" smtClean="0">
+                <a:solidFill>
+                  <a:srgbClr val="00B050"/>
+                </a:solidFill>
+              </a:rPr>
+              <a:t>,</a:t>
+            </a:r>
+            <a:r>
+              <a:rPr lang="en-US" dirty="0" smtClean="0"/>
+              <a:t> </a:t>
+            </a:r>
+            <a:r>
+              <a:rPr lang="en-US" dirty="0" smtClean="0">
+                <a:solidFill>
+                  <a:srgbClr val="FF0000"/>
+                </a:solidFill>
+              </a:rPr>
+              <a:t>‘Moscow’</a:t>
+            </a:r>
+            <a:r>
+              <a:rPr lang="en-US" dirty="0" smtClean="0">
+                <a:solidFill>
+                  <a:srgbClr val="00B050"/>
+                </a:solidFill>
+              </a:rPr>
+              <a:t>,</a:t>
+            </a:r>
+            <a:r>
+              <a:rPr lang="en-US" dirty="0" smtClean="0"/>
+              <a:t> 10000</a:t>
+            </a:r>
+            <a:r>
+              <a:rPr lang="en-US" dirty="0" smtClean="0">
+                <a:solidFill>
+                  <a:srgbClr val="00B050"/>
+                </a:solidFill>
+              </a:rPr>
+              <a:t>);</a:t>
+            </a:r>
+          </a:p>
+          <a:p>
+            <a:pPr>
+              <a:buNone/>
+            </a:pPr>
+            <a:r>
+              <a:rPr lang="en-US" dirty="0" smtClean="0">
+                <a:solidFill>
+                  <a:srgbClr val="00B0F0"/>
+                </a:solidFill>
+              </a:rPr>
+              <a:t>INSERT INTO </a:t>
+            </a:r>
+            <a:r>
+              <a:rPr lang="en-US" dirty="0" smtClean="0"/>
+              <a:t>University </a:t>
+            </a:r>
+            <a:r>
+              <a:rPr lang="en-US" dirty="0" smtClean="0">
+                <a:solidFill>
+                  <a:srgbClr val="00B0F0"/>
+                </a:solidFill>
+              </a:rPr>
+              <a:t>VALUES</a:t>
+            </a:r>
+            <a:r>
+              <a:rPr lang="en-US" dirty="0" smtClean="0">
+                <a:solidFill>
+                  <a:srgbClr val="00B050"/>
+                </a:solidFill>
+              </a:rPr>
+              <a:t>(</a:t>
+            </a:r>
+            <a:r>
+              <a:rPr lang="en-US" dirty="0" smtClean="0">
+                <a:solidFill>
+                  <a:srgbClr val="FF0000"/>
+                </a:solidFill>
+              </a:rPr>
+              <a:t>‘</a:t>
+            </a:r>
+            <a:r>
+              <a:rPr lang="en-US" dirty="0" err="1" smtClean="0">
+                <a:solidFill>
+                  <a:srgbClr val="FF0000"/>
+                </a:solidFill>
+              </a:rPr>
+              <a:t>MEPhI</a:t>
+            </a:r>
+            <a:r>
+              <a:rPr lang="en-US" dirty="0" smtClean="0">
+                <a:solidFill>
+                  <a:srgbClr val="FF0000"/>
+                </a:solidFill>
+              </a:rPr>
+              <a:t>’</a:t>
+            </a:r>
+            <a:r>
+              <a:rPr lang="en-US" dirty="0" smtClean="0">
+                <a:solidFill>
+                  <a:srgbClr val="00B050"/>
+                </a:solidFill>
+              </a:rPr>
+              <a:t>,</a:t>
+            </a:r>
+            <a:r>
+              <a:rPr lang="en-US" dirty="0" smtClean="0"/>
+              <a:t> </a:t>
+            </a:r>
+            <a:r>
+              <a:rPr lang="en-US" dirty="0" smtClean="0">
+                <a:solidFill>
+                  <a:srgbClr val="FF0000"/>
+                </a:solidFill>
+              </a:rPr>
+              <a:t>‘Saratov’</a:t>
+            </a:r>
+            <a:r>
+              <a:rPr lang="en-US" dirty="0" smtClean="0">
+                <a:solidFill>
+                  <a:srgbClr val="00B050"/>
+                </a:solidFill>
+              </a:rPr>
+              <a:t>,</a:t>
+            </a:r>
+            <a:r>
+              <a:rPr lang="en-US" dirty="0" smtClean="0"/>
+              <a:t> 5000</a:t>
+            </a:r>
+            <a:r>
+              <a:rPr lang="en-US" dirty="0" smtClean="0">
+                <a:solidFill>
+                  <a:srgbClr val="00B050"/>
+                </a:solidFill>
+              </a:rPr>
+              <a:t>);</a:t>
+            </a:r>
+          </a:p>
+          <a:p>
+            <a:pPr>
+              <a:buNone/>
+            </a:pPr>
+            <a:r>
+              <a:rPr lang="en-US" dirty="0" smtClean="0">
+                <a:solidFill>
+                  <a:srgbClr val="00B0F0"/>
+                </a:solidFill>
+              </a:rPr>
+              <a:t>INSERT INTO </a:t>
+            </a:r>
+            <a:r>
+              <a:rPr lang="en-US" dirty="0" smtClean="0"/>
+              <a:t>University </a:t>
+            </a:r>
+            <a:r>
+              <a:rPr lang="en-US" dirty="0" smtClean="0">
+                <a:solidFill>
+                  <a:srgbClr val="00B0F0"/>
+                </a:solidFill>
+              </a:rPr>
+              <a:t>VALUES</a:t>
+            </a:r>
+            <a:r>
+              <a:rPr lang="en-US" dirty="0" smtClean="0">
+                <a:solidFill>
+                  <a:srgbClr val="00B050"/>
+                </a:solidFill>
+              </a:rPr>
+              <a:t>(</a:t>
+            </a:r>
+            <a:r>
+              <a:rPr lang="en-US" dirty="0" smtClean="0">
+                <a:solidFill>
+                  <a:srgbClr val="FF0000"/>
+                </a:solidFill>
+              </a:rPr>
+              <a:t>‘</a:t>
+            </a:r>
+            <a:r>
+              <a:rPr lang="en-US" dirty="0" err="1" smtClean="0">
+                <a:solidFill>
+                  <a:srgbClr val="FF0000"/>
+                </a:solidFill>
+              </a:rPr>
+              <a:t>MEPhI</a:t>
+            </a:r>
+            <a:r>
+              <a:rPr lang="en-US" dirty="0" smtClean="0">
+                <a:solidFill>
+                  <a:srgbClr val="FF0000"/>
+                </a:solidFill>
+              </a:rPr>
+              <a:t>’</a:t>
+            </a:r>
+            <a:r>
+              <a:rPr lang="en-US" dirty="0" smtClean="0">
+                <a:solidFill>
+                  <a:srgbClr val="00B050"/>
+                </a:solidFill>
+              </a:rPr>
+              <a:t>,</a:t>
+            </a:r>
+            <a:r>
+              <a:rPr lang="en-US" dirty="0" smtClean="0"/>
+              <a:t> </a:t>
+            </a:r>
+            <a:r>
+              <a:rPr lang="en-US" dirty="0" smtClean="0">
+                <a:solidFill>
+                  <a:srgbClr val="FF0000"/>
+                </a:solidFill>
+              </a:rPr>
+              <a:t>‘Vladivostok’</a:t>
+            </a:r>
+            <a:r>
+              <a:rPr lang="en-US" dirty="0" smtClean="0">
+                <a:solidFill>
+                  <a:srgbClr val="00B050"/>
+                </a:solidFill>
+              </a:rPr>
+              <a:t>,</a:t>
+            </a:r>
+            <a:r>
+              <a:rPr lang="en-US" dirty="0" smtClean="0"/>
+              <a:t> 2000</a:t>
+            </a:r>
+            <a:r>
+              <a:rPr lang="en-US" dirty="0" smtClean="0">
+                <a:solidFill>
+                  <a:srgbClr val="00B050"/>
+                </a:solidFill>
+              </a:rPr>
+              <a:t>);</a:t>
+            </a:r>
+          </a:p>
+          <a:p>
+            <a:pPr>
+              <a:buNone/>
+            </a:pPr>
+            <a:endParaRPr lang="en-US" dirty="0" smtClean="0">
+              <a:solidFill>
+                <a:srgbClr val="00B050"/>
+              </a:solidFill>
+            </a:endParaRPr>
+          </a:p>
+          <a:p>
+            <a:pPr>
+              <a:buNone/>
+            </a:pPr>
+            <a:r>
+              <a:rPr lang="en-US" dirty="0" smtClean="0">
+                <a:solidFill>
+                  <a:srgbClr val="00B0F0"/>
+                </a:solidFill>
+              </a:rPr>
+              <a:t>INSERT INTO </a:t>
+            </a:r>
+            <a:r>
+              <a:rPr lang="en-US" dirty="0" smtClean="0"/>
+              <a:t>University </a:t>
+            </a:r>
+            <a:r>
+              <a:rPr lang="en-US" dirty="0" smtClean="0">
+                <a:solidFill>
+                  <a:srgbClr val="00B0F0"/>
+                </a:solidFill>
+              </a:rPr>
+              <a:t>VALUES</a:t>
+            </a:r>
+            <a:r>
+              <a:rPr lang="en-US" dirty="0" smtClean="0">
+                <a:solidFill>
+                  <a:srgbClr val="00B050"/>
+                </a:solidFill>
+              </a:rPr>
+              <a:t>(</a:t>
+            </a:r>
+            <a:r>
+              <a:rPr lang="en-US" dirty="0" smtClean="0">
+                <a:solidFill>
+                  <a:srgbClr val="FF0000"/>
+                </a:solidFill>
+              </a:rPr>
+              <a:t>‘</a:t>
+            </a:r>
+            <a:r>
+              <a:rPr lang="en-US" dirty="0" err="1" smtClean="0">
+                <a:solidFill>
+                  <a:srgbClr val="FF0000"/>
+                </a:solidFill>
+              </a:rPr>
+              <a:t>MEPhI</a:t>
+            </a:r>
+            <a:r>
+              <a:rPr lang="en-US" dirty="0" smtClean="0">
+                <a:solidFill>
+                  <a:srgbClr val="FF0000"/>
+                </a:solidFill>
+              </a:rPr>
+              <a:t>’</a:t>
+            </a:r>
+            <a:r>
+              <a:rPr lang="en-US" dirty="0" smtClean="0">
+                <a:solidFill>
+                  <a:srgbClr val="00B050"/>
+                </a:solidFill>
+              </a:rPr>
+              <a:t>,</a:t>
+            </a:r>
+            <a:r>
+              <a:rPr lang="en-US" dirty="0" smtClean="0"/>
+              <a:t> </a:t>
+            </a:r>
+            <a:r>
+              <a:rPr lang="en-US" dirty="0" smtClean="0">
+                <a:solidFill>
+                  <a:srgbClr val="FF0000"/>
+                </a:solidFill>
+              </a:rPr>
+              <a:t>‘Moscow’</a:t>
+            </a:r>
+            <a:r>
+              <a:rPr lang="en-US" dirty="0" smtClean="0">
+                <a:solidFill>
+                  <a:srgbClr val="00B050"/>
+                </a:solidFill>
+              </a:rPr>
+              <a:t>,</a:t>
+            </a:r>
+            <a:r>
+              <a:rPr lang="en-US" dirty="0" smtClean="0"/>
+              <a:t> 5</a:t>
+            </a:r>
+            <a:r>
+              <a:rPr lang="en-US" dirty="0" smtClean="0"/>
+              <a:t>000</a:t>
+            </a:r>
+            <a:r>
+              <a:rPr lang="en-US" dirty="0" smtClean="0">
+                <a:solidFill>
+                  <a:srgbClr val="00B050"/>
+                </a:solidFill>
+              </a:rPr>
+              <a:t>);</a:t>
+            </a:r>
+            <a:endParaRPr lang="en-US" dirty="0" smtClean="0">
+              <a:solidFill>
+                <a:srgbClr val="00B050"/>
+              </a:solidFill>
+            </a:endParaRPr>
+          </a:p>
         </p:txBody>
       </p:sp>
     </p:spTree>
-    <p:extLst>
-      <p:ext uri="{BB962C8B-B14F-4D97-AF65-F5344CB8AC3E}">
-        <p14:creationId xmlns:p14="http://schemas.microsoft.com/office/powerpoint/2010/main" val="4270714566"/>
-      </p:ext>
-    </p:extLst>
   </p:cSld>
   <p:clrMapOvr>
     <a:masterClrMapping/>
   </p:clrMapOvr>
+  <p:timing>
+    <p:tnLst>
+      <p:par>
+        <p:cTn id="1" dur="indefinite" restart="never" nodeType="tmRoot"/>
+      </p:par>
+    </p:tnLst>
+  </p:timing>
 </p:sld>
 </file>
 
@@ -6590,7 +7060,7 @@
       </p:grpSpPr>
       <p:sp>
         <p:nvSpPr>
-          <p:cNvPr id="2" name="Title 1"/>
+          <p:cNvPr id="2" name="Заголовок 1"/>
           <p:cNvSpPr>
             <a:spLocks noGrp="1"/>
           </p:cNvSpPr>
@@ -6605,15 +7075,15 @@
           <a:p>
             <a:r>
               <a:rPr lang="ru-RU" dirty="0" smtClean="0"/>
-              <a:t>резюме</a:t>
-            </a:r>
-            <a:endParaRPr lang="en-US" dirty="0"/>
-          </a:p>
-        </p:txBody>
-      </p:sp>
-      <p:sp>
-        <p:nvSpPr>
-          <p:cNvPr id="3" name="Content Placeholder 2"/>
+              <a:t>ПРИМЕР 5</a:t>
+            </a:r>
+            <a:endParaRPr lang="ru-RU" dirty="0"/>
+          </a:p>
+        </p:txBody>
+      </p:sp>
+      <p:sp>
+        <p:nvSpPr>
+          <p:cNvPr id="3" name="Содержимое 2"/>
           <p:cNvSpPr>
             <a:spLocks noGrp="1"/>
           </p:cNvSpPr>
@@ -6621,124 +7091,1401 @@
             <p:ph idx="1"/>
           </p:nvPr>
         </p:nvSpPr>
-        <p:spPr/>
+        <p:spPr>
+          <a:xfrm>
+            <a:off x="818348" y="1653437"/>
+            <a:ext cx="7511472" cy="5022936"/>
+          </a:xfrm>
+        </p:spPr>
         <p:txBody>
           <a:bodyPr>
             <a:normAutofit lnSpcReduction="10000"/>
           </a:bodyPr>
           <a:lstStyle/>
           <a:p>
-            <a:pPr marL="0" indent="0">
+            <a:pPr>
               <a:buNone/>
             </a:pPr>
             <a:r>
-              <a:rPr lang="ru-RU" dirty="0" smtClean="0"/>
-              <a:t>Ограничения и триггеры</a:t>
+              <a:rPr lang="en-US" dirty="0" smtClean="0">
+                <a:solidFill>
+                  <a:srgbClr val="00B0F0"/>
+                </a:solidFill>
+              </a:rPr>
+              <a:t>CREATE</a:t>
+            </a:r>
+            <a:r>
+              <a:rPr lang="en-US" dirty="0" smtClean="0"/>
+              <a:t> </a:t>
+            </a:r>
+            <a:r>
+              <a:rPr lang="en-US" dirty="0" smtClean="0">
+                <a:solidFill>
+                  <a:srgbClr val="00B0F0"/>
+                </a:solidFill>
+              </a:rPr>
+              <a:t>TABLE</a:t>
+            </a:r>
+            <a:r>
+              <a:rPr lang="en-US" dirty="0" smtClean="0"/>
+              <a:t> </a:t>
+            </a:r>
+            <a:r>
+              <a:rPr lang="en-US" dirty="0" smtClean="0"/>
+              <a:t>Apply</a:t>
+            </a:r>
+            <a:r>
+              <a:rPr lang="en-US" dirty="0" smtClean="0">
+                <a:solidFill>
+                  <a:srgbClr val="00B050"/>
+                </a:solidFill>
+              </a:rPr>
+              <a:t>(</a:t>
+            </a:r>
+            <a:r>
+              <a:rPr lang="en-US" dirty="0" err="1" smtClean="0"/>
+              <a:t>sID</a:t>
+            </a:r>
+            <a:r>
+              <a:rPr lang="en-US" dirty="0" smtClean="0">
+                <a:solidFill>
+                  <a:srgbClr val="00B050"/>
+                </a:solidFill>
+              </a:rPr>
+              <a:t> </a:t>
+            </a:r>
+            <a:r>
+              <a:rPr lang="en-US" dirty="0" smtClean="0">
+                <a:solidFill>
+                  <a:srgbClr val="00B0F0"/>
+                </a:solidFill>
+              </a:rPr>
+              <a:t>INT</a:t>
+            </a:r>
+            <a:r>
+              <a:rPr lang="en-US" dirty="0" smtClean="0">
+                <a:solidFill>
+                  <a:srgbClr val="00B050"/>
+                </a:solidFill>
+              </a:rPr>
+              <a:t>,</a:t>
+            </a:r>
+            <a:r>
+              <a:rPr lang="en-US" dirty="0" smtClean="0"/>
+              <a:t> </a:t>
+            </a:r>
+            <a:r>
+              <a:rPr lang="en-US" dirty="0" err="1" smtClean="0"/>
+              <a:t>uName</a:t>
+            </a:r>
+            <a:r>
+              <a:rPr lang="en-US" dirty="0" smtClean="0"/>
+              <a:t>  </a:t>
+            </a:r>
+            <a:r>
+              <a:rPr lang="en-US" dirty="0" smtClean="0">
+                <a:solidFill>
+                  <a:srgbClr val="00B0F0"/>
+                </a:solidFill>
+              </a:rPr>
+              <a:t>TEXT</a:t>
+            </a:r>
+            <a:r>
+              <a:rPr lang="en-US" dirty="0" smtClean="0">
+                <a:solidFill>
+                  <a:srgbClr val="00B050"/>
+                </a:solidFill>
+              </a:rPr>
+              <a:t>,</a:t>
+            </a:r>
+            <a:r>
+              <a:rPr lang="en-US" dirty="0" smtClean="0"/>
+              <a:t> </a:t>
+            </a:r>
+            <a:r>
+              <a:rPr lang="en-US" dirty="0" smtClean="0"/>
+              <a:t>major </a:t>
+            </a:r>
+            <a:r>
+              <a:rPr lang="en-US" dirty="0" smtClean="0">
+                <a:solidFill>
+                  <a:srgbClr val="00B0F0"/>
+                </a:solidFill>
+              </a:rPr>
+              <a:t>TEXT</a:t>
+            </a:r>
+            <a:r>
+              <a:rPr lang="en-US" dirty="0" smtClean="0">
+                <a:solidFill>
+                  <a:srgbClr val="00B050"/>
+                </a:solidFill>
+              </a:rPr>
+              <a:t>,</a:t>
+            </a:r>
+            <a:r>
+              <a:rPr lang="en-US" dirty="0" smtClean="0"/>
+              <a:t> </a:t>
+            </a:r>
+            <a:r>
+              <a:rPr lang="en-US" dirty="0" smtClean="0"/>
+              <a:t>decision </a:t>
+            </a:r>
+            <a:r>
+              <a:rPr lang="en-US" dirty="0" smtClean="0">
+                <a:solidFill>
+                  <a:srgbClr val="00B0F0"/>
+                </a:solidFill>
+              </a:rPr>
+              <a:t>TEXT</a:t>
+            </a:r>
+            <a:r>
+              <a:rPr lang="en-US" dirty="0" smtClean="0">
+                <a:solidFill>
+                  <a:srgbClr val="00B050"/>
+                </a:solidFill>
+              </a:rPr>
+              <a:t>,</a:t>
+            </a:r>
+            <a:r>
+              <a:rPr lang="en-US" dirty="0" smtClean="0"/>
+              <a:t> </a:t>
+            </a:r>
+            <a:r>
+              <a:rPr lang="en-US" dirty="0" smtClean="0">
+                <a:solidFill>
+                  <a:srgbClr val="00B0F0"/>
+                </a:solidFill>
+              </a:rPr>
+              <a:t>UNIQUE </a:t>
+            </a:r>
+            <a:r>
+              <a:rPr lang="en-US" dirty="0" smtClean="0">
+                <a:solidFill>
+                  <a:srgbClr val="00B050"/>
+                </a:solidFill>
+              </a:rPr>
+              <a:t>(</a:t>
+            </a:r>
+            <a:r>
+              <a:rPr lang="en-US" dirty="0" err="1" smtClean="0"/>
+              <a:t>sID</a:t>
+            </a:r>
+            <a:r>
+              <a:rPr lang="en-US" dirty="0" smtClean="0">
+                <a:solidFill>
+                  <a:srgbClr val="00B050"/>
+                </a:solidFill>
+              </a:rPr>
+              <a:t>,</a:t>
+            </a:r>
+            <a:r>
+              <a:rPr lang="en-US" dirty="0" smtClean="0"/>
+              <a:t> </a:t>
+            </a:r>
+            <a:r>
+              <a:rPr lang="en-US" dirty="0" err="1" smtClean="0"/>
+              <a:t>uName</a:t>
+            </a:r>
+            <a:r>
+              <a:rPr lang="en-US" dirty="0" smtClean="0">
+                <a:solidFill>
+                  <a:srgbClr val="00B050"/>
+                </a:solidFill>
+              </a:rPr>
+              <a:t>), </a:t>
+            </a:r>
+            <a:r>
+              <a:rPr lang="en-US" dirty="0" smtClean="0">
+                <a:solidFill>
+                  <a:srgbClr val="00B0F0"/>
+                </a:solidFill>
+              </a:rPr>
+              <a:t>UNIQUE </a:t>
+            </a:r>
+            <a:r>
+              <a:rPr lang="en-US" dirty="0" smtClean="0">
+                <a:solidFill>
+                  <a:srgbClr val="00B050"/>
+                </a:solidFill>
+              </a:rPr>
+              <a:t>(</a:t>
+            </a:r>
+            <a:r>
+              <a:rPr lang="en-US" dirty="0" err="1" smtClean="0"/>
+              <a:t>sID</a:t>
+            </a:r>
+            <a:r>
+              <a:rPr lang="en-US" dirty="0" smtClean="0">
+                <a:solidFill>
+                  <a:srgbClr val="00B050"/>
+                </a:solidFill>
+              </a:rPr>
+              <a:t>,</a:t>
+            </a:r>
+            <a:r>
+              <a:rPr lang="en-US" dirty="0" smtClean="0"/>
+              <a:t> </a:t>
+            </a:r>
+            <a:r>
+              <a:rPr lang="en-US" dirty="0" smtClean="0"/>
+              <a:t>major</a:t>
+            </a:r>
+            <a:r>
+              <a:rPr lang="en-US" dirty="0" smtClean="0">
+                <a:solidFill>
+                  <a:srgbClr val="00B050"/>
+                </a:solidFill>
+              </a:rPr>
+              <a:t>));</a:t>
             </a:r>
           </a:p>
           <a:p>
             <a:pPr>
-              <a:buFont typeface="Arial" panose="020B0604020202020204" pitchFamily="34" charset="0"/>
-              <a:buChar char="•"/>
+              <a:buNone/>
             </a:pPr>
-            <a:r>
-              <a:rPr lang="ru-RU" dirty="0" smtClean="0"/>
-              <a:t>Для реляционных баз данных определяют возможные состояния</a:t>
-            </a:r>
+            <a:endParaRPr lang="en-US" dirty="0" smtClean="0">
+              <a:solidFill>
+                <a:srgbClr val="00B050"/>
+              </a:solidFill>
+            </a:endParaRPr>
           </a:p>
           <a:p>
             <a:pPr>
-              <a:buFont typeface="Arial" panose="020B0604020202020204" pitchFamily="34" charset="0"/>
-              <a:buChar char="•"/>
+              <a:buNone/>
             </a:pPr>
             <a:r>
-              <a:rPr lang="en-US" dirty="0" smtClean="0"/>
-              <a:t>SQL </a:t>
-            </a:r>
-            <a:r>
-              <a:rPr lang="ru-RU" dirty="0" smtClean="0"/>
-              <a:t>стандарт реализован по разному</a:t>
-            </a:r>
-          </a:p>
-          <a:p>
-            <a:pPr marL="0" indent="0">
+              <a:rPr lang="en-US" dirty="0" smtClean="0">
+                <a:solidFill>
+                  <a:srgbClr val="00B0F0"/>
+                </a:solidFill>
+              </a:rPr>
+              <a:t>INSERT INTO </a:t>
+            </a:r>
+            <a:r>
+              <a:rPr lang="en-US" dirty="0" smtClean="0"/>
+              <a:t>Apply </a:t>
+            </a:r>
+            <a:r>
+              <a:rPr lang="en-US" dirty="0" smtClean="0">
+                <a:solidFill>
+                  <a:srgbClr val="00B0F0"/>
+                </a:solidFill>
+              </a:rPr>
+              <a:t>VALUES</a:t>
+            </a:r>
+            <a:r>
+              <a:rPr lang="en-US" dirty="0" smtClean="0">
+                <a:solidFill>
+                  <a:srgbClr val="00B050"/>
+                </a:solidFill>
+              </a:rPr>
+              <a:t>(</a:t>
+            </a:r>
+            <a:r>
+              <a:rPr lang="en-US" dirty="0" smtClean="0"/>
+              <a:t>123</a:t>
+            </a:r>
+            <a:r>
+              <a:rPr lang="en-US" dirty="0" smtClean="0">
+                <a:solidFill>
+                  <a:srgbClr val="00B050"/>
+                </a:solidFill>
+              </a:rPr>
+              <a:t>,</a:t>
+            </a:r>
+            <a:r>
+              <a:rPr lang="en-US" dirty="0" smtClean="0"/>
+              <a:t> </a:t>
+            </a:r>
+            <a:r>
+              <a:rPr lang="en-US" dirty="0" smtClean="0">
+                <a:solidFill>
+                  <a:srgbClr val="FF0000"/>
+                </a:solidFill>
+              </a:rPr>
+              <a:t>‘</a:t>
+            </a:r>
+            <a:r>
+              <a:rPr lang="en-US" dirty="0" err="1" smtClean="0">
+                <a:solidFill>
+                  <a:srgbClr val="FF0000"/>
+                </a:solidFill>
+              </a:rPr>
+              <a:t>MEPhI</a:t>
+            </a:r>
+            <a:r>
+              <a:rPr lang="en-US" dirty="0" smtClean="0">
+                <a:solidFill>
+                  <a:srgbClr val="FF0000"/>
+                </a:solidFill>
+              </a:rPr>
+              <a:t>’</a:t>
+            </a:r>
+            <a:r>
+              <a:rPr lang="en-US" dirty="0" smtClean="0">
+                <a:solidFill>
+                  <a:srgbClr val="00B050"/>
+                </a:solidFill>
+              </a:rPr>
+              <a:t>,</a:t>
+            </a:r>
+            <a:r>
+              <a:rPr lang="en-US" dirty="0" smtClean="0"/>
+              <a:t> </a:t>
+            </a:r>
+            <a:r>
+              <a:rPr lang="en-US" dirty="0" smtClean="0">
+                <a:solidFill>
+                  <a:srgbClr val="FF0000"/>
+                </a:solidFill>
+              </a:rPr>
+              <a:t>‘CS’</a:t>
+            </a:r>
+            <a:r>
+              <a:rPr lang="en-US" dirty="0" smtClean="0">
+                <a:solidFill>
+                  <a:srgbClr val="00B050"/>
+                </a:solidFill>
+              </a:rPr>
+              <a:t>,</a:t>
+            </a:r>
+            <a:r>
+              <a:rPr lang="en-US" dirty="0" smtClean="0"/>
+              <a:t> NULL</a:t>
+            </a:r>
+            <a:r>
+              <a:rPr lang="en-US" dirty="0" smtClean="0">
+                <a:solidFill>
+                  <a:srgbClr val="00B050"/>
+                </a:solidFill>
+              </a:rPr>
+              <a:t>);</a:t>
+            </a:r>
+            <a:endParaRPr lang="en-US" dirty="0" smtClean="0">
+              <a:solidFill>
+                <a:srgbClr val="00B050"/>
+              </a:solidFill>
+            </a:endParaRPr>
+          </a:p>
+          <a:p>
+            <a:pPr>
               <a:buNone/>
             </a:pPr>
-            <a:endParaRPr lang="ru-RU" dirty="0" smtClean="0"/>
-          </a:p>
-          <a:p>
-            <a:pPr marL="0" indent="0">
+            <a:r>
+              <a:rPr lang="en-US" dirty="0" smtClean="0">
+                <a:solidFill>
+                  <a:srgbClr val="00B0F0"/>
+                </a:solidFill>
+              </a:rPr>
+              <a:t>INSERT INTO </a:t>
+            </a:r>
+            <a:r>
+              <a:rPr lang="en-US" dirty="0" smtClean="0"/>
+              <a:t>Apply </a:t>
+            </a:r>
+            <a:r>
+              <a:rPr lang="en-US" dirty="0" smtClean="0">
+                <a:solidFill>
+                  <a:srgbClr val="00B0F0"/>
+                </a:solidFill>
+              </a:rPr>
+              <a:t>VALUES</a:t>
+            </a:r>
+            <a:r>
+              <a:rPr lang="en-US" dirty="0" smtClean="0">
+                <a:solidFill>
+                  <a:srgbClr val="00B050"/>
+                </a:solidFill>
+              </a:rPr>
+              <a:t>(</a:t>
+            </a:r>
+            <a:r>
+              <a:rPr lang="en-US" dirty="0" smtClean="0"/>
+              <a:t>123</a:t>
+            </a:r>
+            <a:r>
+              <a:rPr lang="en-US" dirty="0" smtClean="0">
+                <a:solidFill>
+                  <a:srgbClr val="00B050"/>
+                </a:solidFill>
+              </a:rPr>
+              <a:t>,</a:t>
+            </a:r>
+            <a:r>
+              <a:rPr lang="en-US" dirty="0" smtClean="0"/>
+              <a:t> </a:t>
+            </a:r>
+            <a:r>
+              <a:rPr lang="en-US" dirty="0" smtClean="0">
+                <a:solidFill>
+                  <a:srgbClr val="FF0000"/>
+                </a:solidFill>
+              </a:rPr>
+              <a:t>‘</a:t>
+            </a:r>
+            <a:r>
+              <a:rPr lang="en-US" dirty="0" smtClean="0">
+                <a:solidFill>
+                  <a:srgbClr val="FF0000"/>
+                </a:solidFill>
+              </a:rPr>
+              <a:t>MSU’</a:t>
+            </a:r>
+            <a:r>
+              <a:rPr lang="en-US" dirty="0" smtClean="0">
+                <a:solidFill>
+                  <a:srgbClr val="00B050"/>
+                </a:solidFill>
+              </a:rPr>
+              <a:t>,</a:t>
+            </a:r>
+            <a:r>
+              <a:rPr lang="en-US" dirty="0" smtClean="0"/>
+              <a:t> </a:t>
+            </a:r>
+            <a:r>
+              <a:rPr lang="en-US" dirty="0" smtClean="0">
+                <a:solidFill>
+                  <a:srgbClr val="FF0000"/>
+                </a:solidFill>
+              </a:rPr>
+              <a:t>‘biology’</a:t>
+            </a:r>
+            <a:r>
+              <a:rPr lang="en-US" dirty="0" smtClean="0">
+                <a:solidFill>
+                  <a:srgbClr val="00B050"/>
+                </a:solidFill>
+              </a:rPr>
+              <a:t>,</a:t>
+            </a:r>
+            <a:r>
+              <a:rPr lang="en-US" dirty="0" smtClean="0"/>
+              <a:t> </a:t>
+            </a:r>
+            <a:r>
+              <a:rPr lang="en-US" dirty="0" smtClean="0"/>
+              <a:t>NULL</a:t>
+            </a:r>
+            <a:r>
+              <a:rPr lang="en-US" dirty="0" smtClean="0">
+                <a:solidFill>
+                  <a:srgbClr val="00B050"/>
+                </a:solidFill>
+              </a:rPr>
+              <a:t>);</a:t>
+            </a:r>
+          </a:p>
+          <a:p>
+            <a:pPr>
               <a:buNone/>
             </a:pPr>
             <a:r>
-              <a:rPr lang="ru-RU" dirty="0" smtClean="0"/>
-              <a:t>Ограничения (целостности)</a:t>
+              <a:rPr lang="en-US" dirty="0" smtClean="0">
+                <a:solidFill>
+                  <a:srgbClr val="00B0F0"/>
+                </a:solidFill>
+              </a:rPr>
+              <a:t>INSERT INTO </a:t>
+            </a:r>
+            <a:r>
+              <a:rPr lang="en-US" dirty="0" smtClean="0"/>
+              <a:t>Apply </a:t>
+            </a:r>
+            <a:r>
+              <a:rPr lang="en-US" dirty="0" smtClean="0">
+                <a:solidFill>
+                  <a:srgbClr val="00B0F0"/>
+                </a:solidFill>
+              </a:rPr>
+              <a:t>VALUES</a:t>
+            </a:r>
+            <a:r>
+              <a:rPr lang="en-US" dirty="0" smtClean="0">
+                <a:solidFill>
+                  <a:srgbClr val="00B050"/>
+                </a:solidFill>
+              </a:rPr>
+              <a:t>(</a:t>
+            </a:r>
+            <a:r>
+              <a:rPr lang="en-US" dirty="0" smtClean="0"/>
+              <a:t>234</a:t>
+            </a:r>
+            <a:r>
+              <a:rPr lang="en-US" dirty="0" smtClean="0">
+                <a:solidFill>
+                  <a:srgbClr val="00B050"/>
+                </a:solidFill>
+              </a:rPr>
+              <a:t>,</a:t>
+            </a:r>
+            <a:r>
+              <a:rPr lang="en-US" dirty="0" smtClean="0"/>
+              <a:t> </a:t>
+            </a:r>
+            <a:r>
+              <a:rPr lang="en-US" dirty="0" smtClean="0">
+                <a:solidFill>
+                  <a:srgbClr val="FF0000"/>
+                </a:solidFill>
+              </a:rPr>
+              <a:t>‘MSU’</a:t>
+            </a:r>
+            <a:r>
+              <a:rPr lang="en-US" dirty="0" smtClean="0">
+                <a:solidFill>
+                  <a:srgbClr val="00B050"/>
+                </a:solidFill>
+              </a:rPr>
+              <a:t>,</a:t>
+            </a:r>
+            <a:r>
+              <a:rPr lang="en-US" dirty="0" smtClean="0"/>
+              <a:t> </a:t>
+            </a:r>
+            <a:r>
+              <a:rPr lang="en-US" dirty="0" smtClean="0">
+                <a:solidFill>
+                  <a:srgbClr val="FF0000"/>
+                </a:solidFill>
+              </a:rPr>
+              <a:t>‘biology’</a:t>
+            </a:r>
+            <a:r>
+              <a:rPr lang="en-US" dirty="0" smtClean="0">
+                <a:solidFill>
+                  <a:srgbClr val="00B050"/>
+                </a:solidFill>
+              </a:rPr>
+              <a:t>,</a:t>
+            </a:r>
+            <a:r>
+              <a:rPr lang="en-US" dirty="0" smtClean="0"/>
+              <a:t> </a:t>
+            </a:r>
+            <a:r>
+              <a:rPr lang="en-US" dirty="0" smtClean="0"/>
+              <a:t>NULL</a:t>
+            </a:r>
+            <a:r>
+              <a:rPr lang="en-US" dirty="0" smtClean="0">
+                <a:solidFill>
+                  <a:srgbClr val="00B050"/>
+                </a:solidFill>
+              </a:rPr>
+              <a:t>);</a:t>
             </a:r>
           </a:p>
           <a:p>
             <a:pPr>
-              <a:buFont typeface="Arial" panose="020B0604020202020204" pitchFamily="34" charset="0"/>
-              <a:buChar char="•"/>
+              <a:buNone/>
             </a:pPr>
             <a:r>
-              <a:rPr lang="ru-RU" dirty="0" smtClean="0"/>
-              <a:t>Определяют возможные состояние базы данных</a:t>
-            </a:r>
-          </a:p>
-          <a:p>
-            <a:pPr marL="0" indent="0">
+              <a:rPr lang="en-US" dirty="0" smtClean="0">
+                <a:solidFill>
+                  <a:srgbClr val="00B0F0"/>
+                </a:solidFill>
+              </a:rPr>
+              <a:t>INSERT INTO </a:t>
+            </a:r>
+            <a:r>
+              <a:rPr lang="en-US" dirty="0" smtClean="0"/>
+              <a:t>Apply </a:t>
+            </a:r>
+            <a:r>
+              <a:rPr lang="en-US" dirty="0" smtClean="0">
+                <a:solidFill>
+                  <a:srgbClr val="00B0F0"/>
+                </a:solidFill>
+              </a:rPr>
+              <a:t>VALUES</a:t>
+            </a:r>
+            <a:r>
+              <a:rPr lang="en-US" dirty="0" smtClean="0">
+                <a:solidFill>
+                  <a:srgbClr val="00B050"/>
+                </a:solidFill>
+              </a:rPr>
+              <a:t>(</a:t>
+            </a:r>
+            <a:r>
+              <a:rPr lang="en-US" dirty="0" smtClean="0"/>
+              <a:t>123</a:t>
+            </a:r>
+            <a:r>
+              <a:rPr lang="en-US" dirty="0" smtClean="0">
+                <a:solidFill>
+                  <a:srgbClr val="00B050"/>
+                </a:solidFill>
+              </a:rPr>
+              <a:t>,</a:t>
+            </a:r>
+            <a:r>
+              <a:rPr lang="en-US" dirty="0" smtClean="0"/>
+              <a:t> </a:t>
+            </a:r>
+            <a:r>
+              <a:rPr lang="en-US" dirty="0" smtClean="0">
+                <a:solidFill>
+                  <a:srgbClr val="FF0000"/>
+                </a:solidFill>
+              </a:rPr>
+              <a:t>‘NSU’</a:t>
+            </a:r>
+            <a:r>
+              <a:rPr lang="en-US" dirty="0" smtClean="0">
+                <a:solidFill>
+                  <a:srgbClr val="00B050"/>
+                </a:solidFill>
+              </a:rPr>
+              <a:t>,</a:t>
+            </a:r>
+            <a:r>
+              <a:rPr lang="en-US" dirty="0" smtClean="0"/>
+              <a:t> </a:t>
+            </a:r>
+            <a:r>
+              <a:rPr lang="en-US" dirty="0" smtClean="0">
+                <a:solidFill>
+                  <a:srgbClr val="FF0000"/>
+                </a:solidFill>
+              </a:rPr>
+              <a:t>‘CS’</a:t>
+            </a:r>
+            <a:r>
+              <a:rPr lang="en-US" dirty="0" smtClean="0">
+                <a:solidFill>
+                  <a:srgbClr val="00B050"/>
+                </a:solidFill>
+              </a:rPr>
+              <a:t>,</a:t>
+            </a:r>
+            <a:r>
+              <a:rPr lang="en-US" dirty="0" smtClean="0"/>
+              <a:t> </a:t>
+            </a:r>
+            <a:r>
+              <a:rPr lang="en-US" dirty="0" smtClean="0"/>
+              <a:t>NULL</a:t>
+            </a:r>
+            <a:r>
+              <a:rPr lang="en-US" dirty="0" smtClean="0">
+                <a:solidFill>
+                  <a:srgbClr val="00B050"/>
+                </a:solidFill>
+              </a:rPr>
+              <a:t>);</a:t>
+            </a:r>
+          </a:p>
+          <a:p>
+            <a:pPr>
               <a:buNone/>
             </a:pPr>
-            <a:endParaRPr lang="ru-RU" dirty="0"/>
-          </a:p>
-          <a:p>
-            <a:pPr marL="0" indent="0">
+            <a:r>
+              <a:rPr lang="en-US" dirty="0" smtClean="0">
+                <a:solidFill>
+                  <a:srgbClr val="00B0F0"/>
+                </a:solidFill>
+              </a:rPr>
+              <a:t>INSERT INTO </a:t>
+            </a:r>
+            <a:r>
+              <a:rPr lang="en-US" dirty="0" smtClean="0"/>
+              <a:t>Apply </a:t>
+            </a:r>
+            <a:r>
+              <a:rPr lang="en-US" dirty="0" smtClean="0">
+                <a:solidFill>
+                  <a:srgbClr val="00B0F0"/>
+                </a:solidFill>
+              </a:rPr>
+              <a:t>VALUES</a:t>
+            </a:r>
+            <a:r>
+              <a:rPr lang="en-US" dirty="0" smtClean="0">
+                <a:solidFill>
+                  <a:srgbClr val="00B050"/>
+                </a:solidFill>
+              </a:rPr>
+              <a:t>(</a:t>
+            </a:r>
+            <a:r>
+              <a:rPr lang="en-US" dirty="0" smtClean="0"/>
+              <a:t>123</a:t>
+            </a:r>
+            <a:r>
+              <a:rPr lang="en-US" dirty="0" smtClean="0">
+                <a:solidFill>
+                  <a:srgbClr val="00B050"/>
+                </a:solidFill>
+              </a:rPr>
+              <a:t>,</a:t>
+            </a:r>
+            <a:r>
+              <a:rPr lang="en-US" dirty="0" smtClean="0"/>
+              <a:t> </a:t>
+            </a:r>
+            <a:r>
+              <a:rPr lang="en-US" dirty="0" smtClean="0">
+                <a:solidFill>
+                  <a:srgbClr val="FF0000"/>
+                </a:solidFill>
+              </a:rPr>
+              <a:t>‘NSU’</a:t>
+            </a:r>
+            <a:r>
+              <a:rPr lang="en-US" dirty="0" smtClean="0">
+                <a:solidFill>
+                  <a:srgbClr val="00B050"/>
+                </a:solidFill>
+              </a:rPr>
+              <a:t>,</a:t>
+            </a:r>
+            <a:r>
+              <a:rPr lang="en-US" dirty="0" smtClean="0"/>
+              <a:t> </a:t>
+            </a:r>
+            <a:r>
+              <a:rPr lang="en-US" dirty="0" smtClean="0">
+                <a:solidFill>
+                  <a:srgbClr val="FF0000"/>
+                </a:solidFill>
+              </a:rPr>
+              <a:t>‘biology’</a:t>
+            </a:r>
+            <a:r>
+              <a:rPr lang="en-US" dirty="0" smtClean="0">
+                <a:solidFill>
+                  <a:srgbClr val="00B050"/>
+                </a:solidFill>
+              </a:rPr>
+              <a:t>,</a:t>
+            </a:r>
+            <a:r>
+              <a:rPr lang="en-US" dirty="0" smtClean="0"/>
+              <a:t> </a:t>
+            </a:r>
+            <a:r>
+              <a:rPr lang="en-US" dirty="0" smtClean="0"/>
+              <a:t>NULL</a:t>
+            </a:r>
+            <a:r>
+              <a:rPr lang="en-US" dirty="0" smtClean="0">
+                <a:solidFill>
+                  <a:srgbClr val="00B050"/>
+                </a:solidFill>
+              </a:rPr>
+              <a:t>);</a:t>
+            </a:r>
+          </a:p>
+          <a:p>
+            <a:pPr>
               <a:buNone/>
             </a:pPr>
-            <a:r>
-              <a:rPr lang="ru-RU" dirty="0" smtClean="0"/>
-              <a:t>Триггеры</a:t>
-            </a:r>
+            <a:endParaRPr lang="en-US" dirty="0" smtClean="0">
+              <a:solidFill>
+                <a:srgbClr val="00B050"/>
+              </a:solidFill>
+            </a:endParaRPr>
           </a:p>
           <a:p>
             <a:pPr>
-              <a:buFont typeface="Arial" panose="020B0604020202020204" pitchFamily="34" charset="0"/>
-              <a:buChar char="•"/>
+              <a:buNone/>
             </a:pPr>
             <a:r>
-              <a:rPr lang="ru-RU" dirty="0" smtClean="0"/>
-              <a:t>Отслеживают изменения в базе данных</a:t>
+              <a:rPr lang="en-US" dirty="0" smtClean="0">
+                <a:solidFill>
+                  <a:srgbClr val="00B0F0"/>
+                </a:solidFill>
+              </a:rPr>
+              <a:t>UPDATE</a:t>
+            </a:r>
+            <a:r>
+              <a:rPr lang="en-US" dirty="0" smtClean="0"/>
+              <a:t> </a:t>
+            </a:r>
+            <a:r>
+              <a:rPr lang="en-US" dirty="0" smtClean="0"/>
+              <a:t>Apply </a:t>
+            </a:r>
+            <a:r>
+              <a:rPr lang="en-US" dirty="0" smtClean="0">
+                <a:solidFill>
+                  <a:srgbClr val="00B0F0"/>
+                </a:solidFill>
+              </a:rPr>
+              <a:t>SET</a:t>
+            </a:r>
+            <a:r>
+              <a:rPr lang="en-US" dirty="0" smtClean="0"/>
+              <a:t> </a:t>
+            </a:r>
+            <a:r>
+              <a:rPr lang="en-US" dirty="0" smtClean="0"/>
+              <a:t>major=</a:t>
+            </a:r>
+            <a:r>
+              <a:rPr lang="en-US" dirty="0" smtClean="0">
+                <a:solidFill>
+                  <a:srgbClr val="FF0000"/>
+                </a:solidFill>
+              </a:rPr>
+              <a:t>‘CS’</a:t>
+            </a:r>
+            <a:r>
+              <a:rPr lang="en-US" dirty="0" smtClean="0"/>
+              <a:t> </a:t>
+            </a:r>
+            <a:r>
+              <a:rPr lang="en-US" dirty="0" smtClean="0">
+                <a:solidFill>
+                  <a:srgbClr val="00B0F0"/>
+                </a:solidFill>
+              </a:rPr>
+              <a:t>WHERE</a:t>
+            </a:r>
+            <a:r>
+              <a:rPr lang="en-US" dirty="0" smtClean="0"/>
+              <a:t> </a:t>
+            </a:r>
+            <a:r>
+              <a:rPr lang="en-US" dirty="0" err="1" smtClean="0"/>
+              <a:t>uName</a:t>
+            </a:r>
+            <a:r>
+              <a:rPr lang="en-US" dirty="0" smtClean="0"/>
+              <a:t>=</a:t>
+            </a:r>
+            <a:r>
+              <a:rPr lang="en-US" dirty="0" smtClean="0">
+                <a:solidFill>
+                  <a:srgbClr val="FF0000"/>
+                </a:solidFill>
+              </a:rPr>
+              <a:t>‘NSU’</a:t>
+            </a:r>
+            <a:r>
+              <a:rPr lang="en-US" dirty="0" smtClean="0"/>
+              <a:t>;</a:t>
             </a:r>
           </a:p>
           <a:p>
             <a:pPr>
-              <a:buFont typeface="Arial" panose="020B0604020202020204" pitchFamily="34" charset="0"/>
-              <a:buChar char="•"/>
+              <a:buNone/>
             </a:pPr>
-            <a:r>
-              <a:rPr lang="ru-RU" dirty="0" smtClean="0"/>
-              <a:t>Проверяют условия и инициируют действия</a:t>
-            </a:r>
+            <a:endParaRPr lang="en-US" dirty="0" smtClean="0"/>
           </a:p>
           <a:p>
             <a:pPr>
-              <a:buFont typeface="Arial" panose="020B0604020202020204" pitchFamily="34" charset="0"/>
-              <a:buChar char="•"/>
+              <a:buNone/>
             </a:pPr>
-            <a:endParaRPr lang="en-US" dirty="0"/>
+            <a:r>
+              <a:rPr lang="en-US" dirty="0" smtClean="0">
+                <a:solidFill>
+                  <a:srgbClr val="00B0F0"/>
+                </a:solidFill>
+              </a:rPr>
+              <a:t>INSERT INTO </a:t>
+            </a:r>
+            <a:r>
+              <a:rPr lang="en-US" dirty="0" smtClean="0"/>
+              <a:t>Apply </a:t>
+            </a:r>
+            <a:r>
+              <a:rPr lang="en-US" dirty="0" smtClean="0">
+                <a:solidFill>
+                  <a:srgbClr val="00B0F0"/>
+                </a:solidFill>
+              </a:rPr>
+              <a:t>VALUES</a:t>
+            </a:r>
+            <a:r>
+              <a:rPr lang="en-US" dirty="0" smtClean="0">
+                <a:solidFill>
+                  <a:srgbClr val="00B050"/>
+                </a:solidFill>
+              </a:rPr>
+              <a:t>(</a:t>
+            </a:r>
+            <a:r>
+              <a:rPr lang="en-US" dirty="0" smtClean="0"/>
+              <a:t>123</a:t>
+            </a:r>
+            <a:r>
+              <a:rPr lang="en-US" dirty="0" smtClean="0">
+                <a:solidFill>
+                  <a:srgbClr val="00B050"/>
+                </a:solidFill>
+              </a:rPr>
+              <a:t>, </a:t>
+            </a:r>
+            <a:r>
+              <a:rPr lang="en-US" dirty="0" smtClean="0"/>
+              <a:t>NULL</a:t>
+            </a:r>
+            <a:r>
+              <a:rPr lang="en-US" dirty="0" smtClean="0">
+                <a:solidFill>
+                  <a:srgbClr val="00B050"/>
+                </a:solidFill>
+              </a:rPr>
+              <a:t>,</a:t>
+            </a:r>
+            <a:r>
+              <a:rPr lang="en-US" dirty="0" smtClean="0"/>
+              <a:t> NULL</a:t>
+            </a:r>
+            <a:r>
+              <a:rPr lang="en-US" dirty="0" smtClean="0">
+                <a:solidFill>
+                  <a:srgbClr val="00B050"/>
+                </a:solidFill>
+              </a:rPr>
+              <a:t>,</a:t>
+            </a:r>
+            <a:r>
+              <a:rPr lang="en-US" dirty="0" smtClean="0"/>
+              <a:t> </a:t>
+            </a:r>
+            <a:r>
+              <a:rPr lang="en-US" dirty="0" smtClean="0">
+                <a:solidFill>
+                  <a:srgbClr val="FF0000"/>
+                </a:solidFill>
+              </a:rPr>
+              <a:t>‘</a:t>
+            </a:r>
+            <a:r>
+              <a:rPr lang="en-US" dirty="0" smtClean="0">
+                <a:solidFill>
+                  <a:srgbClr val="FF0000"/>
+                </a:solidFill>
+              </a:rPr>
+              <a:t>Y</a:t>
+            </a:r>
+            <a:r>
+              <a:rPr lang="en-US" dirty="0" smtClean="0">
+                <a:solidFill>
+                  <a:srgbClr val="FF0000"/>
+                </a:solidFill>
+              </a:rPr>
+              <a:t>’</a:t>
+            </a:r>
+            <a:r>
+              <a:rPr lang="en-US" dirty="0" smtClean="0">
+                <a:solidFill>
+                  <a:srgbClr val="00B050"/>
+                </a:solidFill>
+              </a:rPr>
+              <a:t>);</a:t>
+            </a:r>
+          </a:p>
+          <a:p>
+            <a:pPr>
+              <a:buNone/>
+            </a:pPr>
+            <a:r>
+              <a:rPr lang="en-US" dirty="0" smtClean="0">
+                <a:solidFill>
+                  <a:srgbClr val="00B0F0"/>
+                </a:solidFill>
+              </a:rPr>
+              <a:t>INSERT INTO </a:t>
+            </a:r>
+            <a:r>
+              <a:rPr lang="en-US" dirty="0" smtClean="0"/>
+              <a:t>Apply </a:t>
+            </a:r>
+            <a:r>
+              <a:rPr lang="en-US" dirty="0" smtClean="0">
+                <a:solidFill>
+                  <a:srgbClr val="00B0F0"/>
+                </a:solidFill>
+              </a:rPr>
+              <a:t>VALUES</a:t>
+            </a:r>
+            <a:r>
+              <a:rPr lang="en-US" dirty="0" smtClean="0">
+                <a:solidFill>
+                  <a:srgbClr val="00B050"/>
+                </a:solidFill>
+              </a:rPr>
+              <a:t>(</a:t>
+            </a:r>
+            <a:r>
+              <a:rPr lang="en-US" dirty="0" smtClean="0"/>
+              <a:t>123</a:t>
+            </a:r>
+            <a:r>
+              <a:rPr lang="en-US" dirty="0" smtClean="0">
+                <a:solidFill>
+                  <a:srgbClr val="00B050"/>
+                </a:solidFill>
+              </a:rPr>
+              <a:t>, </a:t>
+            </a:r>
+            <a:r>
+              <a:rPr lang="en-US" dirty="0" smtClean="0"/>
+              <a:t>NULL</a:t>
+            </a:r>
+            <a:r>
+              <a:rPr lang="en-US" dirty="0" smtClean="0">
+                <a:solidFill>
+                  <a:srgbClr val="00B050"/>
+                </a:solidFill>
+              </a:rPr>
+              <a:t>,</a:t>
+            </a:r>
+            <a:r>
+              <a:rPr lang="en-US" dirty="0" smtClean="0"/>
+              <a:t> NULL</a:t>
+            </a:r>
+            <a:r>
+              <a:rPr lang="en-US" dirty="0" smtClean="0">
+                <a:solidFill>
+                  <a:srgbClr val="00B050"/>
+                </a:solidFill>
+              </a:rPr>
+              <a:t>,</a:t>
+            </a:r>
+            <a:r>
+              <a:rPr lang="en-US" dirty="0" smtClean="0"/>
+              <a:t> </a:t>
+            </a:r>
+            <a:r>
+              <a:rPr lang="en-US" dirty="0" smtClean="0">
+                <a:solidFill>
+                  <a:srgbClr val="FF0000"/>
+                </a:solidFill>
+              </a:rPr>
+              <a:t>‘N’</a:t>
+            </a:r>
+            <a:r>
+              <a:rPr lang="en-US" dirty="0" smtClean="0">
+                <a:solidFill>
+                  <a:srgbClr val="00B050"/>
+                </a:solidFill>
+              </a:rPr>
+              <a:t>);</a:t>
+            </a:r>
+            <a:endParaRPr lang="en-US" dirty="0" smtClean="0"/>
           </a:p>
         </p:txBody>
       </p:sp>
     </p:spTree>
-    <p:extLst>
-      <p:ext uri="{BB962C8B-B14F-4D97-AF65-F5344CB8AC3E}">
-        <p14:creationId xmlns:p14="http://schemas.microsoft.com/office/powerpoint/2010/main" val="2523498874"/>
-      </p:ext>
-    </p:extLst>
   </p:cSld>
   <p:clrMapOvr>
     <a:masterClrMapping/>
   </p:clrMapOvr>
+  <p:timing>
+    <p:tnLst>
+      <p:par>
+        <p:cTn id="1" dur="indefinite" restart="never" nodeType="tmRoot"/>
+      </p:par>
+    </p:tnLst>
+  </p:timing>
+</p:sld>
+</file>
+
+<file path=ppt/slides/slide12.xml><?xml version="1.0" encoding="utf-8"?>
+<p:sld xmlns:a="http://schemas.openxmlformats.org/drawingml/2006/main" xmlns:r="http://schemas.openxmlformats.org/officeDocument/2006/relationships" xmlns:p="http://schemas.openxmlformats.org/presentationml/2006/main">
+  <p:cSld>
+    <p:spTree>
+      <p:nvGrpSpPr>
+        <p:cNvPr id="1" name=""/>
+        <p:cNvGrpSpPr/>
+        <p:nvPr/>
+      </p:nvGrpSpPr>
+      <p:grpSpPr>
+        <a:xfrm>
+          <a:off x="0" y="0"/>
+          <a:ext cx="0" cy="0"/>
+          <a:chOff x="0" y="0"/>
+          <a:chExt cx="0" cy="0"/>
+        </a:xfrm>
+      </p:grpSpPr>
+      <p:sp>
+        <p:nvSpPr>
+          <p:cNvPr id="2" name="Заголовок 1"/>
+          <p:cNvSpPr>
+            <a:spLocks noGrp="1"/>
+          </p:cNvSpPr>
+          <p:nvPr>
+            <p:ph type="title"/>
+          </p:nvPr>
+        </p:nvSpPr>
+        <p:spPr/>
+        <p:txBody>
+          <a:bodyPr/>
+          <a:lstStyle/>
+          <a:p>
+            <a:r>
+              <a:rPr lang="ru-RU" dirty="0" smtClean="0"/>
+              <a:t>ПРИМЕР 6</a:t>
+            </a:r>
+            <a:endParaRPr lang="ru-RU" dirty="0"/>
+          </a:p>
+        </p:txBody>
+      </p:sp>
+      <p:sp>
+        <p:nvSpPr>
+          <p:cNvPr id="3" name="Содержимое 2"/>
+          <p:cNvSpPr>
+            <a:spLocks noGrp="1"/>
+          </p:cNvSpPr>
+          <p:nvPr>
+            <p:ph idx="1"/>
+          </p:nvPr>
+        </p:nvSpPr>
+        <p:spPr/>
+        <p:txBody>
+          <a:bodyPr/>
+          <a:lstStyle/>
+          <a:p>
+            <a:pPr>
+              <a:buNone/>
+            </a:pPr>
+            <a:r>
+              <a:rPr lang="en-US" dirty="0" smtClean="0">
+                <a:solidFill>
+                  <a:srgbClr val="00B0F0"/>
+                </a:solidFill>
+              </a:rPr>
+              <a:t>CREATE</a:t>
+            </a:r>
+            <a:r>
+              <a:rPr lang="en-US" dirty="0" smtClean="0"/>
+              <a:t> </a:t>
+            </a:r>
+            <a:r>
+              <a:rPr lang="en-US" dirty="0" smtClean="0">
+                <a:solidFill>
+                  <a:srgbClr val="00B0F0"/>
+                </a:solidFill>
+              </a:rPr>
+              <a:t>TABLE</a:t>
+            </a:r>
+            <a:r>
+              <a:rPr lang="en-US" dirty="0" smtClean="0"/>
+              <a:t> Apply</a:t>
+            </a:r>
+            <a:r>
+              <a:rPr lang="en-US" dirty="0" smtClean="0">
+                <a:solidFill>
+                  <a:srgbClr val="00B050"/>
+                </a:solidFill>
+              </a:rPr>
+              <a:t>(</a:t>
+            </a:r>
+            <a:r>
+              <a:rPr lang="en-US" dirty="0" err="1" smtClean="0"/>
+              <a:t>sID</a:t>
+            </a:r>
+            <a:r>
+              <a:rPr lang="en-US" dirty="0" smtClean="0">
+                <a:solidFill>
+                  <a:srgbClr val="00B050"/>
+                </a:solidFill>
+              </a:rPr>
+              <a:t> </a:t>
+            </a:r>
+            <a:r>
+              <a:rPr lang="en-US" dirty="0" smtClean="0">
+                <a:solidFill>
+                  <a:srgbClr val="00B0F0"/>
+                </a:solidFill>
+              </a:rPr>
+              <a:t>INT</a:t>
+            </a:r>
+            <a:r>
+              <a:rPr lang="en-US" dirty="0" smtClean="0">
+                <a:solidFill>
+                  <a:srgbClr val="00B050"/>
+                </a:solidFill>
+              </a:rPr>
+              <a:t>,</a:t>
+            </a:r>
+            <a:r>
+              <a:rPr lang="en-US" dirty="0" smtClean="0"/>
+              <a:t> </a:t>
+            </a:r>
+            <a:r>
+              <a:rPr lang="en-US" dirty="0" err="1" smtClean="0"/>
+              <a:t>s</a:t>
+            </a:r>
+            <a:r>
+              <a:rPr lang="en-US" dirty="0" err="1" smtClean="0"/>
+              <a:t>Name</a:t>
+            </a:r>
+            <a:r>
+              <a:rPr lang="en-US" dirty="0" smtClean="0"/>
+              <a:t>  </a:t>
+            </a:r>
+            <a:r>
+              <a:rPr lang="en-US" dirty="0" smtClean="0">
+                <a:solidFill>
+                  <a:srgbClr val="00B0F0"/>
+                </a:solidFill>
+              </a:rPr>
+              <a:t>TEXT</a:t>
+            </a:r>
+            <a:r>
+              <a:rPr lang="en-US" dirty="0" smtClean="0">
+                <a:solidFill>
+                  <a:srgbClr val="00B050"/>
+                </a:solidFill>
+              </a:rPr>
+              <a:t>,</a:t>
+            </a:r>
+            <a:r>
+              <a:rPr lang="en-US" dirty="0" smtClean="0"/>
+              <a:t> </a:t>
+            </a:r>
+            <a:r>
+              <a:rPr lang="en-US" dirty="0" smtClean="0"/>
+              <a:t>GPA REAL</a:t>
+            </a:r>
+            <a:r>
+              <a:rPr lang="en-US" dirty="0" smtClean="0">
+                <a:solidFill>
+                  <a:srgbClr val="00B0F0"/>
+                </a:solidFill>
+              </a:rPr>
+              <a:t> CHECK</a:t>
+            </a:r>
+            <a:r>
+              <a:rPr lang="en-US" dirty="0" smtClean="0">
+                <a:solidFill>
+                  <a:srgbClr val="00B050"/>
+                </a:solidFill>
+              </a:rPr>
+              <a:t> </a:t>
+            </a:r>
+            <a:r>
+              <a:rPr lang="en-US" dirty="0" smtClean="0">
+                <a:solidFill>
+                  <a:srgbClr val="00B050"/>
+                </a:solidFill>
+              </a:rPr>
+              <a:t>(</a:t>
+            </a:r>
+            <a:r>
+              <a:rPr lang="en-US" dirty="0" smtClean="0"/>
+              <a:t>GPA </a:t>
+            </a:r>
+            <a:r>
+              <a:rPr lang="en-US" dirty="0" smtClean="0">
+                <a:solidFill>
+                  <a:srgbClr val="00B050"/>
+                </a:solidFill>
+              </a:rPr>
+              <a:t>&lt;=</a:t>
+            </a:r>
+            <a:r>
+              <a:rPr lang="en-US" dirty="0" smtClean="0"/>
+              <a:t> 4.0 and GPA </a:t>
+            </a:r>
+            <a:r>
+              <a:rPr lang="en-US" dirty="0" smtClean="0">
+                <a:solidFill>
+                  <a:srgbClr val="00B050"/>
+                </a:solidFill>
+              </a:rPr>
+              <a:t>&gt;</a:t>
+            </a:r>
+            <a:r>
+              <a:rPr lang="en-US" dirty="0" smtClean="0"/>
+              <a:t> 0.0</a:t>
+            </a:r>
+            <a:r>
+              <a:rPr lang="en-US" dirty="0" smtClean="0">
+                <a:solidFill>
+                  <a:srgbClr val="00B050"/>
+                </a:solidFill>
+              </a:rPr>
+              <a:t>)</a:t>
+            </a:r>
+            <a:r>
+              <a:rPr lang="en-US" dirty="0" smtClean="0"/>
+              <a:t>, </a:t>
+            </a:r>
+            <a:r>
+              <a:rPr lang="en-US" dirty="0" err="1" smtClean="0"/>
+              <a:t>sizeHS</a:t>
+            </a:r>
+            <a:r>
+              <a:rPr lang="en-US" dirty="0" smtClean="0"/>
+              <a:t> </a:t>
+            </a:r>
+            <a:r>
+              <a:rPr lang="en-US" dirty="0" smtClean="0">
+                <a:solidFill>
+                  <a:srgbClr val="00B0F0"/>
+                </a:solidFill>
+              </a:rPr>
+              <a:t>INT</a:t>
+            </a:r>
+            <a:r>
+              <a:rPr lang="en-US" dirty="0" smtClean="0"/>
+              <a:t> CHECK</a:t>
+            </a:r>
+            <a:r>
+              <a:rPr lang="en-US" dirty="0" smtClean="0">
+                <a:solidFill>
+                  <a:srgbClr val="00B050"/>
+                </a:solidFill>
+              </a:rPr>
+              <a:t>(</a:t>
+            </a:r>
+            <a:r>
+              <a:rPr lang="en-US" dirty="0" err="1" smtClean="0"/>
+              <a:t>sizeHS</a:t>
+            </a:r>
+            <a:r>
+              <a:rPr lang="en-US" dirty="0" smtClean="0"/>
+              <a:t> </a:t>
+            </a:r>
+            <a:r>
+              <a:rPr lang="en-US" dirty="0" smtClean="0">
+                <a:solidFill>
+                  <a:srgbClr val="00B050"/>
+                </a:solidFill>
+              </a:rPr>
+              <a:t>&lt;</a:t>
+            </a:r>
+            <a:r>
+              <a:rPr lang="en-US" dirty="0" smtClean="0"/>
+              <a:t> 5000</a:t>
+            </a:r>
+            <a:r>
+              <a:rPr lang="en-US" dirty="0" smtClean="0">
+                <a:solidFill>
+                  <a:srgbClr val="00B050"/>
+                </a:solidFill>
+              </a:rPr>
+              <a:t>));</a:t>
+            </a:r>
+            <a:endParaRPr lang="en-US" dirty="0" smtClean="0">
+              <a:solidFill>
+                <a:srgbClr val="00B050"/>
+              </a:solidFill>
+            </a:endParaRPr>
+          </a:p>
+        </p:txBody>
+      </p:sp>
+    </p:spTree>
+  </p:cSld>
+  <p:clrMapOvr>
+    <a:masterClrMapping/>
+  </p:clrMapOvr>
+  <p:timing>
+    <p:tnLst>
+      <p:par>
+        <p:cTn id="1" dur="indefinite" restart="never" nodeType="tmRoot"/>
+      </p:par>
+    </p:tnLst>
+  </p:timing>
 </p:sld>
 </file>
 
@@ -6776,7 +8523,7 @@
           <a:p>
             <a:r>
               <a:rPr lang="ru-RU" dirty="0" smtClean="0"/>
-              <a:t>Ограничения и триггеры</a:t>
+              <a:t>Ограничения целостности</a:t>
             </a:r>
             <a:endParaRPr lang="en-US" dirty="0"/>
           </a:p>
@@ -6792,93 +8539,110 @@
             <p:ph idx="1"/>
           </p:nvPr>
         </p:nvSpPr>
-        <p:spPr>
-          <a:xfrm>
-            <a:off x="593124" y="2060898"/>
-            <a:ext cx="8316098" cy="4041162"/>
-          </a:xfrm>
-        </p:spPr>
-        <p:txBody>
-          <a:bodyPr/>
+        <p:spPr/>
+        <p:txBody>
+          <a:bodyPr>
+            <a:normAutofit/>
+          </a:bodyPr>
           <a:lstStyle/>
           <a:p>
+            <a:pPr marL="0" indent="0">
+              <a:buNone/>
+            </a:pPr>
             <a:r>
               <a:rPr lang="ru-RU" dirty="0" smtClean="0"/>
-              <a:t>Для реляционных баз</a:t>
-            </a:r>
-          </a:p>
-          <a:p>
+              <a:t>Ограничения на допустимые данные, помимо тех, которые устанавливаются схемой или типами </a:t>
+            </a:r>
             <a:r>
               <a:rPr lang="ru-RU" dirty="0" smtClean="0"/>
-              <a:t>Входят в стандарт </a:t>
-            </a:r>
-            <a:r>
-              <a:rPr lang="en-US" dirty="0" smtClean="0"/>
-              <a:t>SQL, </a:t>
-            </a:r>
+              <a:t>атрибутов.</a:t>
+            </a:r>
+            <a:endParaRPr lang="ru-RU" dirty="0" smtClean="0"/>
+          </a:p>
+          <a:p>
+            <a:pPr marL="0" indent="0">
+              <a:buNone/>
+            </a:pPr>
+            <a:endParaRPr lang="ru-RU" dirty="0" smtClean="0"/>
+          </a:p>
+          <a:p>
+            <a:pPr marL="0" indent="0">
+              <a:buNone/>
+            </a:pPr>
             <a:r>
               <a:rPr lang="ru-RU" dirty="0" smtClean="0"/>
-              <a:t>но реализация сильно отличается</a:t>
-            </a:r>
-          </a:p>
-          <a:p>
-            <a:endParaRPr lang="ru-RU" dirty="0"/>
-          </a:p>
-          <a:p>
+              <a:t>Ограничения</a:t>
+            </a:r>
+            <a:endParaRPr lang="ru-RU" dirty="0" smtClean="0"/>
+          </a:p>
+          <a:p>
+            <a:pPr>
+              <a:buFont typeface="Arial" panose="020B0604020202020204" pitchFamily="34" charset="0"/>
+              <a:buChar char="•"/>
+            </a:pPr>
             <a:r>
               <a:rPr lang="ru-RU" dirty="0" smtClean="0"/>
-              <a:t>Ограничения на целостность данных (</a:t>
-            </a:r>
-            <a:r>
-              <a:rPr lang="en-US" dirty="0" smtClean="0"/>
-              <a:t>Integrity Constraint)</a:t>
+              <a:t>Не-</a:t>
+            </a:r>
+            <a:r>
+              <a:rPr lang="en-US" dirty="0" smtClean="0"/>
+              <a:t>null </a:t>
+            </a:r>
+            <a:r>
+              <a:rPr lang="ru-RU" dirty="0" smtClean="0"/>
+              <a:t>ограничения</a:t>
+            </a:r>
+          </a:p>
+          <a:p>
+            <a:pPr>
+              <a:buFont typeface="Arial" panose="020B0604020202020204" pitchFamily="34" charset="0"/>
+              <a:buChar char="•"/>
+            </a:pPr>
+            <a:r>
+              <a:rPr lang="ru-RU" dirty="0" smtClean="0"/>
+              <a:t>Ограничения ключа</a:t>
+            </a:r>
+          </a:p>
+          <a:p>
+            <a:pPr>
+              <a:buFont typeface="Arial" panose="020B0604020202020204" pitchFamily="34" charset="0"/>
+              <a:buChar char="•"/>
+            </a:pPr>
+            <a:r>
+              <a:rPr lang="ru-RU" dirty="0" smtClean="0"/>
+              <a:t>Ограничения значений атрибутов и кортежей</a:t>
+            </a:r>
+          </a:p>
+          <a:p>
+            <a:pPr>
+              <a:buFont typeface="Arial" panose="020B0604020202020204" pitchFamily="34" charset="0"/>
+              <a:buChar char="•"/>
+            </a:pPr>
+            <a:r>
+              <a:rPr lang="ru-RU" dirty="0" smtClean="0"/>
+              <a:t>Общие ограничения на базу (не реализованы ни в одной базе данных)</a:t>
             </a:r>
             <a:endParaRPr lang="ru-RU" dirty="0" smtClean="0"/>
-          </a:p>
-          <a:p>
-            <a:pPr lvl="1"/>
-            <a:r>
-              <a:rPr lang="ru-RU" dirty="0"/>
-              <a:t>Ограничивают множество состояний базы </a:t>
-            </a:r>
-            <a:r>
-              <a:rPr lang="ru-RU" dirty="0" smtClean="0"/>
-              <a:t>данных</a:t>
-            </a:r>
-          </a:p>
-          <a:p>
-            <a:r>
-              <a:rPr lang="ru-RU" dirty="0" smtClean="0"/>
-              <a:t>Триггеры</a:t>
-            </a:r>
-            <a:endParaRPr lang="en-US" dirty="0" smtClean="0"/>
-          </a:p>
-          <a:p>
-            <a:pPr lvl="1"/>
-            <a:r>
-              <a:rPr lang="ru-RU" dirty="0" smtClean="0"/>
-              <a:t>Отслеживают изменения в базе данных</a:t>
-            </a:r>
-          </a:p>
-          <a:p>
-            <a:pPr lvl="1"/>
-            <a:r>
-              <a:rPr lang="ru-RU" dirty="0" smtClean="0"/>
-              <a:t>Проверяют условия и предпринимают какие-либо действия</a:t>
-            </a:r>
           </a:p>
         </p:txBody>
       </p:sp>
     </p:spTree>
     <p:extLst>
       <p:ext uri="{BB962C8B-B14F-4D97-AF65-F5344CB8AC3E}">
-        <p14:creationId xmlns:p14="http://schemas.microsoft.com/office/powerpoint/2010/main" val="2405950092"/>
+        <p14:creationId xmlns:p14="http://schemas.microsoft.com/office/powerpoint/2010/main" xmlns="" val="2523498874"/>
       </p:ext>
     </p:extLst>
   </p:cSld>
   <p:clrMapOvr>
     <a:masterClrMapping/>
   </p:clrMapOvr>
+  <p:timing>
+    <p:tnLst>
+      <p:par>
+        <p:cTn id="1" dur="indefinite" restart="never" nodeType="tmRoot"/>
+      </p:par>
+    </p:tnLst>
+  </p:timing>
 </p:sld>
 </file>
 
@@ -6901,7 +8665,7 @@
       </p:grpSpPr>
       <p:sp>
         <p:nvSpPr>
-          <p:cNvPr id="2" name="Title 1"/>
+          <p:cNvPr id="2" name="Заголовок 1"/>
           <p:cNvSpPr>
             <a:spLocks noGrp="1"/>
           </p:cNvSpPr>
@@ -6916,15 +8680,15 @@
           <a:p>
             <a:r>
               <a:rPr lang="ru-RU" dirty="0" smtClean="0"/>
-              <a:t>Ограничения и триггеры</a:t>
-            </a:r>
-            <a:endParaRPr lang="en-US" dirty="0"/>
-          </a:p>
-        </p:txBody>
-      </p:sp>
-      <p:sp>
-        <p:nvSpPr>
-          <p:cNvPr id="3" name="Content Placeholder 2"/>
+              <a:t>Пример ограничений</a:t>
+            </a:r>
+            <a:endParaRPr lang="ru-RU" dirty="0"/>
+          </a:p>
+        </p:txBody>
+      </p:sp>
+      <p:sp>
+        <p:nvSpPr>
+          <p:cNvPr id="3" name="Содержимое 2"/>
           <p:cNvSpPr>
             <a:spLocks noGrp="1"/>
           </p:cNvSpPr>
@@ -6932,120 +8696,145 @@
             <p:ph idx="1"/>
           </p:nvPr>
         </p:nvSpPr>
-        <p:spPr>
-          <a:xfrm>
-            <a:off x="593124" y="2060898"/>
-            <a:ext cx="8316098" cy="4041162"/>
-          </a:xfrm>
-        </p:spPr>
+        <p:spPr/>
         <p:txBody>
           <a:bodyPr/>
           <a:lstStyle/>
           <a:p>
+            <a:pPr>
+              <a:buNone/>
+            </a:pPr>
             <a:r>
               <a:rPr lang="ru-RU" dirty="0" smtClean="0"/>
-              <a:t>Для реляционных баз</a:t>
-            </a:r>
-          </a:p>
-          <a:p>
+              <a:t>База данных абитуриентов</a:t>
+            </a:r>
+          </a:p>
+          <a:p>
+            <a:pPr>
+              <a:buNone/>
+            </a:pPr>
             <a:r>
               <a:rPr lang="ru-RU" dirty="0" smtClean="0"/>
-              <a:t>Входят в стандарт </a:t>
-            </a:r>
-            <a:r>
-              <a:rPr lang="en-US" dirty="0" smtClean="0"/>
-              <a:t>SQL, </a:t>
-            </a:r>
-            <a:r>
-              <a:rPr lang="ru-RU" dirty="0" smtClean="0"/>
-              <a:t>но реализация сильно отличается</a:t>
-            </a:r>
-          </a:p>
-          <a:p>
+              <a:t>	</a:t>
+            </a:r>
+            <a:r>
+              <a:rPr lang="en-US" dirty="0" smtClean="0">
+                <a:solidFill>
+                  <a:srgbClr val="00B0F0"/>
+                </a:solidFill>
+              </a:rPr>
+              <a:t>University</a:t>
+            </a:r>
+            <a:r>
+              <a:rPr lang="en-US" dirty="0" smtClean="0"/>
+              <a:t>(</a:t>
+            </a:r>
+            <a:r>
+              <a:rPr lang="en-US" dirty="0" err="1" smtClean="0"/>
+              <a:t>uName</a:t>
+            </a:r>
+            <a:r>
+              <a:rPr lang="en-US" dirty="0" smtClean="0"/>
+              <a:t>, region, enrollment)</a:t>
+            </a:r>
+          </a:p>
+          <a:p>
+            <a:pPr>
+              <a:buNone/>
+            </a:pPr>
+            <a:r>
+              <a:rPr lang="en-US" dirty="0" smtClean="0"/>
+              <a:t>	</a:t>
+            </a:r>
+            <a:r>
+              <a:rPr lang="en-US" dirty="0" smtClean="0">
+                <a:solidFill>
+                  <a:srgbClr val="00B0F0"/>
+                </a:solidFill>
+              </a:rPr>
+              <a:t>Student</a:t>
+            </a:r>
+            <a:r>
+              <a:rPr lang="en-US" dirty="0" smtClean="0"/>
+              <a:t>(</a:t>
+            </a:r>
+            <a:r>
+              <a:rPr lang="en-US" dirty="0" err="1" smtClean="0"/>
+              <a:t>sID</a:t>
+            </a:r>
+            <a:r>
+              <a:rPr lang="en-US" dirty="0" smtClean="0"/>
+              <a:t>, </a:t>
+            </a:r>
+            <a:r>
+              <a:rPr lang="en-US" dirty="0" err="1" smtClean="0"/>
+              <a:t>sName</a:t>
+            </a:r>
+            <a:r>
+              <a:rPr lang="en-US" dirty="0" smtClean="0"/>
+              <a:t>, GPA, </a:t>
+            </a:r>
+            <a:r>
+              <a:rPr lang="en-US" dirty="0" err="1" smtClean="0"/>
+              <a:t>sizeHS</a:t>
+            </a:r>
+            <a:r>
+              <a:rPr lang="en-US" dirty="0" smtClean="0"/>
+              <a:t>)</a:t>
+            </a:r>
+          </a:p>
+          <a:p>
+            <a:pPr>
+              <a:buNone/>
+            </a:pPr>
+            <a:r>
+              <a:rPr lang="en-US" dirty="0" smtClean="0"/>
+              <a:t>	</a:t>
+            </a:r>
+            <a:r>
+              <a:rPr lang="en-US" dirty="0" smtClean="0">
+                <a:solidFill>
+                  <a:srgbClr val="00B0F0"/>
+                </a:solidFill>
+              </a:rPr>
+              <a:t>Apply</a:t>
+            </a:r>
+            <a:r>
+              <a:rPr lang="en-US" dirty="0" smtClean="0"/>
+              <a:t>(</a:t>
+            </a:r>
+            <a:r>
+              <a:rPr lang="en-US" dirty="0" err="1" smtClean="0"/>
+              <a:t>sID</a:t>
+            </a:r>
+            <a:r>
+              <a:rPr lang="en-US" dirty="0" smtClean="0"/>
+              <a:t>, </a:t>
+            </a:r>
+            <a:r>
+              <a:rPr lang="en-US" dirty="0" err="1" smtClean="0"/>
+              <a:t>uName</a:t>
+            </a:r>
+            <a:r>
+              <a:rPr lang="en-US" dirty="0" smtClean="0"/>
+              <a:t>, major, decision)</a:t>
+            </a:r>
             <a:endParaRPr lang="ru-RU" dirty="0"/>
           </a:p>
-          <a:p>
-            <a:r>
-              <a:rPr lang="ru-RU" dirty="0" smtClean="0"/>
-              <a:t>Ограничения на целостность данных (</a:t>
-            </a:r>
-            <a:r>
-              <a:rPr lang="en-US" dirty="0" smtClean="0"/>
-              <a:t>Integrity Constraint)</a:t>
-            </a:r>
-            <a:r>
-              <a:rPr lang="ru-RU" dirty="0" smtClean="0"/>
-              <a:t> (</a:t>
-            </a:r>
-            <a:r>
-              <a:rPr lang="ru-RU" dirty="0" smtClean="0">
-                <a:solidFill>
-                  <a:srgbClr val="FF0000"/>
-                </a:solidFill>
-              </a:rPr>
-              <a:t>Статические</a:t>
-            </a:r>
-            <a:r>
-              <a:rPr lang="ru-RU" dirty="0" smtClean="0"/>
-              <a:t>)</a:t>
-            </a:r>
-          </a:p>
-          <a:p>
-            <a:pPr lvl="1"/>
-            <a:r>
-              <a:rPr lang="ru-RU" dirty="0"/>
-              <a:t>Ограничивают множество состояний базы </a:t>
-            </a:r>
-            <a:r>
-              <a:rPr lang="ru-RU" dirty="0" smtClean="0"/>
-              <a:t>данных</a:t>
-            </a:r>
-          </a:p>
-          <a:p>
-            <a:r>
-              <a:rPr lang="ru-RU" dirty="0" smtClean="0"/>
-              <a:t>Триггеры (</a:t>
-            </a:r>
-            <a:r>
-              <a:rPr lang="ru-RU" dirty="0" smtClean="0">
-                <a:solidFill>
-                  <a:srgbClr val="FF0000"/>
-                </a:solidFill>
-              </a:rPr>
-              <a:t>Динамические</a:t>
-            </a:r>
-            <a:r>
-              <a:rPr lang="ru-RU" dirty="0" smtClean="0"/>
-              <a:t>)</a:t>
-            </a:r>
-            <a:endParaRPr lang="en-US" dirty="0" smtClean="0"/>
-          </a:p>
-          <a:p>
-            <a:pPr lvl="1"/>
-            <a:r>
-              <a:rPr lang="ru-RU" dirty="0" smtClean="0"/>
-              <a:t>Отслеживают изменения в базе данных</a:t>
-            </a:r>
-          </a:p>
-          <a:p>
-            <a:pPr lvl="1"/>
-            <a:r>
-              <a:rPr lang="ru-RU" dirty="0" smtClean="0"/>
-              <a:t>Проверяют условия и предпринимают какие-либо действия</a:t>
-            </a:r>
-          </a:p>
         </p:txBody>
       </p:sp>
     </p:spTree>
-    <p:extLst>
-      <p:ext uri="{BB962C8B-B14F-4D97-AF65-F5344CB8AC3E}">
-        <p14:creationId xmlns:p14="http://schemas.microsoft.com/office/powerpoint/2010/main" val="668727691"/>
-      </p:ext>
-    </p:extLst>
   </p:cSld>
   <p:clrMapOvr>
     <a:masterClrMapping/>
   </p:clrMapOvr>
+  <p:timing>
+    <p:tnLst>
+      <p:par>
+        <p:cTn id="1" dur="indefinite" restart="never" nodeType="tmRoot"/>
+      </p:par>
+    </p:tnLst>
+  </p:timing>
 </p:sld>
 </file>
 
@@ -7068,7 +8857,7 @@
       </p:grpSpPr>
       <p:sp>
         <p:nvSpPr>
-          <p:cNvPr id="2" name="Title 1"/>
+          <p:cNvPr id="2" name="Заголовок 1"/>
           <p:cNvSpPr>
             <a:spLocks noGrp="1"/>
           </p:cNvSpPr>
@@ -7083,23 +8872,19 @@
           <a:p>
             <a:r>
               <a:rPr lang="ru-RU" dirty="0" smtClean="0"/>
-              <a:t>Ограничения </a:t>
-            </a:r>
-            <a:r>
-              <a:rPr lang="ru-RU" dirty="0" err="1" smtClean="0"/>
-              <a:t>целостност</a:t>
-            </a:r>
-            <a:r>
-              <a:rPr lang="ru-RU" dirty="0" err="1"/>
-              <a:t>И</a:t>
-            </a:r>
-            <a:endParaRPr lang="en-US" dirty="0"/>
-          </a:p>
-        </p:txBody>
-      </p:sp>
-      <p:sp>
-        <p:nvSpPr>
-          <p:cNvPr id="3" name="Content Placeholder 2"/>
+              <a:t>Пример</a:t>
+            </a:r>
+            <a:r>
+              <a:rPr lang="en-US" dirty="0" smtClean="0"/>
+              <a:t> 1</a:t>
+            </a:r>
+            <a:endParaRPr lang="ru-RU" dirty="0"/>
+          </a:p>
+        </p:txBody>
+      </p:sp>
+      <p:sp>
+        <p:nvSpPr>
+          <p:cNvPr id="3" name="Содержимое 2"/>
           <p:cNvSpPr>
             <a:spLocks noGrp="1"/>
           </p:cNvSpPr>
@@ -7107,80 +8892,428 @@
             <p:ph idx="1"/>
           </p:nvPr>
         </p:nvSpPr>
-        <p:spPr/>
+        <p:spPr>
+          <a:xfrm>
+            <a:off x="818347" y="2060898"/>
+            <a:ext cx="8012501" cy="4041162"/>
+          </a:xfrm>
+        </p:spPr>
         <p:txBody>
           <a:bodyPr/>
           <a:lstStyle/>
           <a:p>
-            <a:pPr marL="0" indent="0">
+            <a:pPr>
               <a:buNone/>
             </a:pPr>
             <a:r>
-              <a:rPr lang="ru-RU" dirty="0" smtClean="0"/>
-              <a:t>Накладывают ограничения на данные, в дополнение к тем, что уже подразумеваются структурой и типами данных</a:t>
-            </a:r>
-          </a:p>
-          <a:p>
-            <a:pPr marL="0" indent="0">
+              <a:rPr lang="en-US" dirty="0" smtClean="0">
+                <a:solidFill>
+                  <a:srgbClr val="00B0F0"/>
+                </a:solidFill>
+              </a:rPr>
+              <a:t>CREATE TABLE </a:t>
+            </a:r>
+            <a:r>
+              <a:rPr lang="en-US" dirty="0" smtClean="0"/>
+              <a:t>Student(</a:t>
+            </a:r>
+            <a:r>
+              <a:rPr lang="en-US" dirty="0" err="1" smtClean="0"/>
+              <a:t>sID</a:t>
+            </a:r>
+            <a:r>
+              <a:rPr lang="en-US" dirty="0" smtClean="0"/>
+              <a:t> </a:t>
+            </a:r>
+            <a:r>
+              <a:rPr lang="en-US" dirty="0" err="1" smtClean="0">
+                <a:solidFill>
+                  <a:srgbClr val="00B0F0"/>
+                </a:solidFill>
+              </a:rPr>
+              <a:t>int</a:t>
+            </a:r>
+            <a:r>
+              <a:rPr lang="en-US" dirty="0" smtClean="0"/>
+              <a:t>, </a:t>
+            </a:r>
+            <a:r>
+              <a:rPr lang="en-US" dirty="0" err="1" smtClean="0"/>
+              <a:t>uName</a:t>
+            </a:r>
+            <a:r>
+              <a:rPr lang="en-US" dirty="0" smtClean="0"/>
+              <a:t> </a:t>
+            </a:r>
+            <a:r>
+              <a:rPr lang="en-US" dirty="0" smtClean="0">
+                <a:solidFill>
+                  <a:srgbClr val="00B0F0"/>
+                </a:solidFill>
+              </a:rPr>
+              <a:t>text</a:t>
+            </a:r>
+            <a:r>
+              <a:rPr lang="en-US" dirty="0" smtClean="0"/>
+              <a:t>, GPA </a:t>
+            </a:r>
+            <a:r>
+              <a:rPr lang="en-US" dirty="0" smtClean="0">
+                <a:solidFill>
+                  <a:srgbClr val="00B0F0"/>
+                </a:solidFill>
+              </a:rPr>
+              <a:t>real</a:t>
+            </a:r>
+            <a:r>
+              <a:rPr lang="en-US" dirty="0" smtClean="0">
+                <a:solidFill>
+                  <a:srgbClr val="FF0000"/>
+                </a:solidFill>
+              </a:rPr>
+              <a:t> NOT NULL</a:t>
+            </a:r>
+            <a:r>
+              <a:rPr lang="en-US" dirty="0" smtClean="0"/>
+              <a:t>, </a:t>
+            </a:r>
+            <a:r>
+              <a:rPr lang="en-US" dirty="0" err="1" smtClean="0"/>
+              <a:t>sizeHS</a:t>
+            </a:r>
+            <a:r>
+              <a:rPr lang="en-US" dirty="0" smtClean="0"/>
+              <a:t> </a:t>
+            </a:r>
+            <a:r>
+              <a:rPr lang="en-US" dirty="0" err="1" smtClean="0">
+                <a:solidFill>
+                  <a:srgbClr val="00B0F0"/>
+                </a:solidFill>
+              </a:rPr>
+              <a:t>int</a:t>
+            </a:r>
+            <a:r>
+              <a:rPr lang="en-US" dirty="0" smtClean="0"/>
+              <a:t>)</a:t>
+            </a:r>
+          </a:p>
+          <a:p>
+            <a:pPr>
               <a:buNone/>
             </a:pPr>
-            <a:r>
-              <a:rPr lang="ru-RU" dirty="0" smtClean="0"/>
-              <a:t>Пример:</a:t>
-            </a:r>
-          </a:p>
-          <a:p>
-            <a:pPr marL="0" indent="0">
+            <a:endParaRPr lang="en-US" dirty="0" smtClean="0"/>
+          </a:p>
+          <a:p>
+            <a:pPr>
               <a:buNone/>
             </a:pPr>
             <a:r>
-              <a:rPr lang="ru-RU" dirty="0" smtClean="0"/>
-              <a:t>0.0 </a:t>
-            </a:r>
-            <a:r>
-              <a:rPr lang="en-US" dirty="0" smtClean="0"/>
-              <a:t>&lt; GPA &lt;= 4.0</a:t>
-            </a:r>
-          </a:p>
-          <a:p>
-            <a:pPr marL="0" indent="0">
+              <a:rPr lang="en-US" dirty="0" smtClean="0">
+                <a:solidFill>
+                  <a:srgbClr val="00B0F0"/>
+                </a:solidFill>
+              </a:rPr>
+              <a:t>INSERT</a:t>
+            </a:r>
+            <a:r>
+              <a:rPr lang="en-US" dirty="0" smtClean="0"/>
+              <a:t> </a:t>
+            </a:r>
+            <a:r>
+              <a:rPr lang="en-US" dirty="0" smtClean="0">
+                <a:solidFill>
+                  <a:srgbClr val="00B0F0"/>
+                </a:solidFill>
+              </a:rPr>
+              <a:t>INTO</a:t>
+            </a:r>
+            <a:r>
+              <a:rPr lang="en-US" dirty="0" smtClean="0"/>
+              <a:t> Student </a:t>
+            </a:r>
+            <a:r>
+              <a:rPr lang="en-US" dirty="0" smtClean="0">
+                <a:solidFill>
+                  <a:srgbClr val="00B0F0"/>
+                </a:solidFill>
+              </a:rPr>
+              <a:t>VALUES</a:t>
+            </a:r>
+            <a:r>
+              <a:rPr lang="en-US" dirty="0" smtClean="0"/>
+              <a:t> (123, </a:t>
+            </a:r>
+            <a:r>
+              <a:rPr lang="en-US" dirty="0" smtClean="0">
+                <a:solidFill>
+                  <a:srgbClr val="FF0000"/>
+                </a:solidFill>
+              </a:rPr>
+              <a:t>‘Ivan’</a:t>
+            </a:r>
+            <a:r>
+              <a:rPr lang="en-US" dirty="0" smtClean="0"/>
+              <a:t>, 3.9, 1000);</a:t>
+            </a:r>
+          </a:p>
+          <a:p>
+            <a:pPr>
               <a:buNone/>
             </a:pPr>
             <a:r>
-              <a:rPr lang="en-US" dirty="0" smtClean="0"/>
-              <a:t>Enrollment &lt; 50000</a:t>
-            </a:r>
-          </a:p>
-          <a:p>
-            <a:pPr marL="0" indent="0">
+              <a:rPr lang="en-US" dirty="0" smtClean="0">
+                <a:solidFill>
+                  <a:srgbClr val="00B0F0"/>
+                </a:solidFill>
+              </a:rPr>
+              <a:t>INSERT</a:t>
+            </a:r>
+            <a:r>
+              <a:rPr lang="en-US" dirty="0" smtClean="0"/>
+              <a:t> </a:t>
+            </a:r>
+            <a:r>
+              <a:rPr lang="en-US" dirty="0" smtClean="0">
+                <a:solidFill>
+                  <a:srgbClr val="00B0F0"/>
+                </a:solidFill>
+              </a:rPr>
+              <a:t>INTO</a:t>
+            </a:r>
+            <a:r>
+              <a:rPr lang="en-US" dirty="0" smtClean="0"/>
+              <a:t> Student </a:t>
+            </a:r>
+            <a:r>
+              <a:rPr lang="en-US" dirty="0" smtClean="0">
+                <a:solidFill>
+                  <a:srgbClr val="00B0F0"/>
+                </a:solidFill>
+              </a:rPr>
+              <a:t>VALUES</a:t>
+            </a:r>
+            <a:r>
+              <a:rPr lang="en-US" dirty="0" smtClean="0"/>
+              <a:t> (456, </a:t>
+            </a:r>
+            <a:r>
+              <a:rPr lang="en-US" dirty="0" smtClean="0">
+                <a:solidFill>
+                  <a:srgbClr val="FF0000"/>
+                </a:solidFill>
+              </a:rPr>
+              <a:t>‘Valera’</a:t>
+            </a:r>
+            <a:r>
+              <a:rPr lang="en-US" dirty="0" smtClean="0"/>
+              <a:t>, 3.6, </a:t>
+            </a:r>
+            <a:r>
+              <a:rPr lang="en-US" dirty="0" smtClean="0">
+                <a:solidFill>
+                  <a:schemeClr val="tx1">
+                    <a:lumMod val="65000"/>
+                  </a:schemeClr>
+                </a:solidFill>
+              </a:rPr>
+              <a:t>NULL</a:t>
+            </a:r>
+            <a:r>
+              <a:rPr lang="en-US" dirty="0" smtClean="0"/>
+              <a:t>);</a:t>
+            </a:r>
+          </a:p>
+          <a:p>
+            <a:pPr>
               <a:buNone/>
             </a:pPr>
             <a:r>
-              <a:rPr lang="en-US" dirty="0" smtClean="0"/>
-              <a:t>Decision: ‘y’ ‘n’ null</a:t>
-            </a:r>
-          </a:p>
-          <a:p>
-            <a:pPr marL="0" indent="0">
+              <a:rPr lang="en-US" dirty="0" smtClean="0">
+                <a:solidFill>
+                  <a:srgbClr val="00B0F0"/>
+                </a:solidFill>
+              </a:rPr>
+              <a:t>INSERT</a:t>
+            </a:r>
+            <a:r>
+              <a:rPr lang="en-US" dirty="0" smtClean="0"/>
+              <a:t> </a:t>
+            </a:r>
+            <a:r>
+              <a:rPr lang="en-US" dirty="0" smtClean="0">
+                <a:solidFill>
+                  <a:srgbClr val="00B0F0"/>
+                </a:solidFill>
+              </a:rPr>
+              <a:t>INTO</a:t>
+            </a:r>
+            <a:r>
+              <a:rPr lang="en-US" dirty="0" smtClean="0"/>
+              <a:t> Student </a:t>
+            </a:r>
+            <a:r>
+              <a:rPr lang="en-US" dirty="0" smtClean="0">
+                <a:solidFill>
+                  <a:srgbClr val="00B0F0"/>
+                </a:solidFill>
+              </a:rPr>
+              <a:t>VALUES</a:t>
+            </a:r>
+            <a:r>
+              <a:rPr lang="en-US" dirty="0" smtClean="0"/>
+              <a:t> (234, </a:t>
+            </a:r>
+            <a:r>
+              <a:rPr lang="en-US" dirty="0" smtClean="0">
+                <a:solidFill>
+                  <a:srgbClr val="FF0000"/>
+                </a:solidFill>
+              </a:rPr>
+              <a:t>‘Inna’</a:t>
+            </a:r>
+            <a:r>
+              <a:rPr lang="en-US" dirty="0" smtClean="0"/>
+              <a:t>, </a:t>
+            </a:r>
+            <a:r>
+              <a:rPr lang="en-US" dirty="0" smtClean="0">
+                <a:solidFill>
+                  <a:schemeClr val="tx1">
+                    <a:lumMod val="65000"/>
+                  </a:schemeClr>
+                </a:solidFill>
+              </a:rPr>
+              <a:t>NULL</a:t>
+            </a:r>
+            <a:r>
+              <a:rPr lang="en-US" dirty="0" smtClean="0"/>
+              <a:t>, 500);</a:t>
+            </a:r>
+          </a:p>
+          <a:p>
+            <a:pPr>
               <a:buNone/>
             </a:pPr>
-            <a:r>
-              <a:rPr lang="en-US" dirty="0" smtClean="0"/>
-              <a:t>Major=‘CS’ =&gt; Decision=null</a:t>
-            </a:r>
+            <a:endParaRPr lang="en-US" dirty="0" smtClean="0"/>
+          </a:p>
+          <a:p>
+            <a:pPr>
+              <a:buNone/>
+            </a:pPr>
+            <a:r>
+              <a:rPr lang="en-US" dirty="0" smtClean="0">
+                <a:solidFill>
+                  <a:srgbClr val="00B0F0"/>
+                </a:solidFill>
+              </a:rPr>
+              <a:t>UPDATE</a:t>
+            </a:r>
+            <a:r>
+              <a:rPr lang="en-US" dirty="0" smtClean="0"/>
+              <a:t> Student </a:t>
+            </a:r>
+            <a:r>
+              <a:rPr lang="en-US" dirty="0" smtClean="0">
+                <a:solidFill>
+                  <a:srgbClr val="00B0F0"/>
+                </a:solidFill>
+              </a:rPr>
+              <a:t>SET</a:t>
+            </a:r>
+            <a:r>
+              <a:rPr lang="en-US" dirty="0" smtClean="0"/>
+              <a:t> GPA=</a:t>
+            </a:r>
+            <a:r>
+              <a:rPr lang="en-US" dirty="0" smtClean="0">
+                <a:solidFill>
+                  <a:schemeClr val="tx1">
+                    <a:lumMod val="65000"/>
+                  </a:schemeClr>
+                </a:solidFill>
+              </a:rPr>
+              <a:t>NULL</a:t>
+            </a:r>
+            <a:r>
+              <a:rPr lang="en-US" dirty="0" smtClean="0"/>
+              <a:t> WHERE </a:t>
+            </a:r>
+            <a:r>
+              <a:rPr lang="en-US" dirty="0" err="1" smtClean="0"/>
+              <a:t>sID</a:t>
+            </a:r>
+            <a:r>
+              <a:rPr lang="en-US" dirty="0" smtClean="0"/>
+              <a:t>=123;</a:t>
+            </a:r>
+          </a:p>
+          <a:p>
+            <a:pPr>
+              <a:buNone/>
+            </a:pPr>
+            <a:r>
+              <a:rPr lang="en-US" dirty="0" smtClean="0">
+                <a:solidFill>
+                  <a:srgbClr val="00B0F0"/>
+                </a:solidFill>
+              </a:rPr>
+              <a:t>UPDATE</a:t>
+            </a:r>
+            <a:r>
+              <a:rPr lang="en-US" dirty="0" smtClean="0"/>
+              <a:t> Student </a:t>
+            </a:r>
+            <a:r>
+              <a:rPr lang="en-US" dirty="0" smtClean="0">
+                <a:solidFill>
+                  <a:srgbClr val="00B0F0"/>
+                </a:solidFill>
+              </a:rPr>
+              <a:t>SET</a:t>
+            </a:r>
+            <a:r>
+              <a:rPr lang="en-US" dirty="0" smtClean="0"/>
+              <a:t> GPA=</a:t>
+            </a:r>
+            <a:r>
+              <a:rPr lang="en-US" dirty="0" smtClean="0">
+                <a:solidFill>
+                  <a:schemeClr val="tx1">
+                    <a:lumMod val="65000"/>
+                  </a:schemeClr>
+                </a:solidFill>
+              </a:rPr>
+              <a:t>NULL</a:t>
+            </a:r>
+            <a:r>
+              <a:rPr lang="en-US" dirty="0" smtClean="0"/>
+              <a:t> WHERE </a:t>
+            </a:r>
+            <a:r>
+              <a:rPr lang="en-US" dirty="0" err="1" smtClean="0"/>
+              <a:t>sID</a:t>
+            </a:r>
+            <a:r>
+              <a:rPr lang="en-US" dirty="0" smtClean="0"/>
+              <a:t>=456;</a:t>
+            </a:r>
+            <a:endParaRPr lang="ru-RU" dirty="0"/>
           </a:p>
         </p:txBody>
       </p:sp>
     </p:spTree>
-    <p:extLst>
-      <p:ext uri="{BB962C8B-B14F-4D97-AF65-F5344CB8AC3E}">
-        <p14:creationId xmlns:p14="http://schemas.microsoft.com/office/powerpoint/2010/main" val="704756487"/>
-      </p:ext>
-    </p:extLst>
   </p:cSld>
   <p:clrMapOvr>
     <a:masterClrMapping/>
   </p:clrMapOvr>
+  <p:timing>
+    <p:tnLst>
+      <p:par>
+        <p:cTn id="1" dur="indefinite" restart="never" nodeType="tmRoot"/>
+      </p:par>
+    </p:tnLst>
+  </p:timing>
 </p:sld>
 </file>
 
@@ -7203,7 +9336,7 @@
       </p:grpSpPr>
       <p:sp>
         <p:nvSpPr>
-          <p:cNvPr id="2" name="Title 1"/>
+          <p:cNvPr id="2" name="Заголовок 1"/>
           <p:cNvSpPr>
             <a:spLocks noGrp="1"/>
           </p:cNvSpPr>
@@ -7218,23 +9351,19 @@
           <a:p>
             <a:r>
               <a:rPr lang="ru-RU" dirty="0" smtClean="0"/>
-              <a:t>Ограничения </a:t>
-            </a:r>
-            <a:r>
-              <a:rPr lang="ru-RU" dirty="0" err="1" smtClean="0"/>
-              <a:t>целостност</a:t>
-            </a:r>
-            <a:r>
-              <a:rPr lang="ru-RU" dirty="0" err="1"/>
-              <a:t>И</a:t>
-            </a:r>
-            <a:endParaRPr lang="en-US" dirty="0"/>
-          </a:p>
-        </p:txBody>
-      </p:sp>
-      <p:sp>
-        <p:nvSpPr>
-          <p:cNvPr id="3" name="Content Placeholder 2"/>
+              <a:t>ПРИМЕР</a:t>
+            </a:r>
+            <a:r>
+              <a:rPr lang="en-US" dirty="0" smtClean="0"/>
+              <a:t> 2</a:t>
+            </a:r>
+            <a:endParaRPr lang="ru-RU" dirty="0"/>
+          </a:p>
+        </p:txBody>
+      </p:sp>
+      <p:sp>
+        <p:nvSpPr>
+          <p:cNvPr id="3" name="Содержимое 2"/>
           <p:cNvSpPr>
             <a:spLocks noGrp="1"/>
           </p:cNvSpPr>
@@ -7242,100 +9371,482 @@
             <p:ph idx="1"/>
           </p:nvPr>
         </p:nvSpPr>
-        <p:spPr/>
+        <p:spPr>
+          <a:xfrm>
+            <a:off x="818348" y="2060898"/>
+            <a:ext cx="7511472" cy="4327376"/>
+          </a:xfrm>
+        </p:spPr>
         <p:txBody>
           <a:bodyPr/>
           <a:lstStyle/>
           <a:p>
-            <a:pPr marL="0" indent="0">
+            <a:pPr>
               <a:buNone/>
             </a:pPr>
             <a:r>
-              <a:rPr lang="ru-RU" dirty="0" smtClean="0"/>
-              <a:t>Накладывают ограничения на данные, в дополнение к тем, что уже подразумеваются структурой и типами данных</a:t>
-            </a:r>
-          </a:p>
-          <a:p>
-            <a:pPr marL="0" indent="0">
+              <a:rPr lang="en-US" dirty="0" smtClean="0">
+                <a:solidFill>
+                  <a:srgbClr val="00B0F0"/>
+                </a:solidFill>
+              </a:rPr>
+              <a:t>CREATE</a:t>
+            </a:r>
+            <a:r>
+              <a:rPr lang="en-US" dirty="0" smtClean="0"/>
+              <a:t> </a:t>
+            </a:r>
+            <a:r>
+              <a:rPr lang="en-US" dirty="0" smtClean="0">
+                <a:solidFill>
+                  <a:srgbClr val="00B0F0"/>
+                </a:solidFill>
+              </a:rPr>
+              <a:t>TABLE</a:t>
+            </a:r>
+            <a:r>
+              <a:rPr lang="en-US" dirty="0" smtClean="0"/>
+              <a:t> Student(</a:t>
+            </a:r>
+            <a:r>
+              <a:rPr lang="en-US" dirty="0" err="1" smtClean="0"/>
+              <a:t>sID</a:t>
+            </a:r>
+            <a:r>
+              <a:rPr lang="en-US" dirty="0" smtClean="0"/>
+              <a:t> </a:t>
+            </a:r>
+            <a:r>
+              <a:rPr lang="en-US" dirty="0" smtClean="0">
+                <a:solidFill>
+                  <a:srgbClr val="00B0F0"/>
+                </a:solidFill>
+              </a:rPr>
+              <a:t>INT PRIMARY KEY</a:t>
+            </a:r>
+            <a:r>
+              <a:rPr lang="en-US" dirty="0" smtClean="0"/>
+              <a:t>, </a:t>
+            </a:r>
+            <a:r>
+              <a:rPr lang="en-US" dirty="0" err="1" smtClean="0"/>
+              <a:t>sName</a:t>
+            </a:r>
+            <a:r>
+              <a:rPr lang="en-US" dirty="0" smtClean="0"/>
+              <a:t> </a:t>
+            </a:r>
+            <a:r>
+              <a:rPr lang="en-US" dirty="0" smtClean="0">
+                <a:solidFill>
+                  <a:srgbClr val="00B0F0"/>
+                </a:solidFill>
+              </a:rPr>
+              <a:t>TEXT</a:t>
+            </a:r>
+            <a:r>
+              <a:rPr lang="en-US" dirty="0" smtClean="0"/>
+              <a:t>, GPA </a:t>
+            </a:r>
+            <a:r>
+              <a:rPr lang="en-US" dirty="0" smtClean="0">
+                <a:solidFill>
+                  <a:srgbClr val="00B0F0"/>
+                </a:solidFill>
+              </a:rPr>
+              <a:t>REAL</a:t>
+            </a:r>
+            <a:r>
+              <a:rPr lang="en-US" dirty="0" smtClean="0"/>
+              <a:t>, </a:t>
+            </a:r>
+            <a:r>
+              <a:rPr lang="en-US" dirty="0" err="1" smtClean="0"/>
+              <a:t>sizeHS</a:t>
+            </a:r>
+            <a:r>
+              <a:rPr lang="en-US" dirty="0" smtClean="0"/>
+              <a:t> </a:t>
+            </a:r>
+            <a:r>
+              <a:rPr lang="en-US" dirty="0" smtClean="0">
+                <a:solidFill>
+                  <a:srgbClr val="00B0F0"/>
+                </a:solidFill>
+              </a:rPr>
+              <a:t>INT</a:t>
+            </a:r>
+            <a:r>
+              <a:rPr lang="en-US" dirty="0" smtClean="0"/>
+              <a:t>);</a:t>
+            </a:r>
+          </a:p>
+          <a:p>
+            <a:pPr>
               <a:buNone/>
             </a:pPr>
-            <a:r>
-              <a:rPr lang="ru-RU" dirty="0" smtClean="0"/>
-              <a:t>Зачем использовать?</a:t>
-            </a:r>
+            <a:endParaRPr lang="en-US" dirty="0" smtClean="0"/>
           </a:p>
           <a:p>
             <a:pPr>
-              <a:buFont typeface="Arial" panose="020B0604020202020204" pitchFamily="34" charset="0"/>
-              <a:buChar char="•"/>
+              <a:buNone/>
             </a:pPr>
             <a:r>
-              <a:rPr lang="ru-RU" dirty="0" smtClean="0"/>
-              <a:t>Выявлять ошибки во входных данных (</a:t>
-            </a:r>
-            <a:r>
-              <a:rPr lang="en-US" dirty="0" smtClean="0"/>
-              <a:t>insert)</a:t>
+              <a:rPr lang="en-US" dirty="0" smtClean="0">
+                <a:solidFill>
+                  <a:srgbClr val="00B0F0"/>
+                </a:solidFill>
+              </a:rPr>
+              <a:t>INSERT</a:t>
+            </a:r>
+            <a:r>
+              <a:rPr lang="en-US" dirty="0" smtClean="0"/>
+              <a:t> </a:t>
+            </a:r>
+            <a:r>
+              <a:rPr lang="en-US" dirty="0" smtClean="0">
+                <a:solidFill>
+                  <a:srgbClr val="00B0F0"/>
+                </a:solidFill>
+              </a:rPr>
+              <a:t>INTO</a:t>
+            </a:r>
+            <a:r>
+              <a:rPr lang="en-US" dirty="0" smtClean="0"/>
+              <a:t> Student </a:t>
+            </a:r>
+            <a:r>
+              <a:rPr lang="en-US" dirty="0" smtClean="0">
+                <a:solidFill>
+                  <a:srgbClr val="00B0F0"/>
+                </a:solidFill>
+              </a:rPr>
+              <a:t>VALUES</a:t>
+            </a:r>
+            <a:r>
+              <a:rPr lang="en-US" dirty="0" smtClean="0"/>
+              <a:t>(123, </a:t>
+            </a:r>
+            <a:r>
+              <a:rPr lang="en-US" dirty="0" smtClean="0">
+                <a:solidFill>
+                  <a:srgbClr val="FF0000"/>
+                </a:solidFill>
+              </a:rPr>
+              <a:t>‘Ivan’</a:t>
+            </a:r>
+            <a:r>
+              <a:rPr lang="en-US" dirty="0" smtClean="0"/>
+              <a:t>, 3.9, 1000);</a:t>
             </a:r>
           </a:p>
           <a:p>
             <a:pPr>
-              <a:buFont typeface="Arial" panose="020B0604020202020204" pitchFamily="34" charset="0"/>
-              <a:buChar char="•"/>
+              <a:buNone/>
             </a:pPr>
             <a:r>
-              <a:rPr lang="ru-RU" dirty="0" smtClean="0"/>
-              <a:t>Проверять корректность данных в обновлении (</a:t>
-            </a:r>
-            <a:r>
-              <a:rPr lang="en-US" dirty="0" smtClean="0"/>
-              <a:t>update)</a:t>
+              <a:rPr lang="en-US" dirty="0" smtClean="0">
+                <a:solidFill>
+                  <a:srgbClr val="00B0F0"/>
+                </a:solidFill>
+              </a:rPr>
+              <a:t>INSERT</a:t>
+            </a:r>
+            <a:r>
+              <a:rPr lang="en-US" dirty="0" smtClean="0"/>
+              <a:t> </a:t>
+            </a:r>
+            <a:r>
+              <a:rPr lang="en-US" dirty="0" smtClean="0">
+                <a:solidFill>
+                  <a:srgbClr val="00B0F0"/>
+                </a:solidFill>
+              </a:rPr>
+              <a:t>INTO</a:t>
+            </a:r>
+            <a:r>
+              <a:rPr lang="en-US" dirty="0" smtClean="0"/>
+              <a:t> Student </a:t>
+            </a:r>
+            <a:r>
+              <a:rPr lang="en-US" dirty="0" smtClean="0">
+                <a:solidFill>
+                  <a:srgbClr val="00B0F0"/>
+                </a:solidFill>
+              </a:rPr>
+              <a:t>VALUES</a:t>
+            </a:r>
+            <a:r>
+              <a:rPr lang="en-US" dirty="0" smtClean="0"/>
+              <a:t>(234, </a:t>
+            </a:r>
+            <a:r>
+              <a:rPr lang="en-US" dirty="0" smtClean="0">
+                <a:solidFill>
+                  <a:srgbClr val="FF0000"/>
+                </a:solidFill>
+              </a:rPr>
+              <a:t>‘Valera’</a:t>
+            </a:r>
+            <a:r>
+              <a:rPr lang="en-US" dirty="0" smtClean="0"/>
+              <a:t>, 3.6, 1500);</a:t>
             </a:r>
           </a:p>
           <a:p>
             <a:pPr>
-              <a:buFont typeface="Arial" panose="020B0604020202020204" pitchFamily="34" charset="0"/>
-              <a:buChar char="•"/>
+              <a:buNone/>
             </a:pPr>
             <a:r>
-              <a:rPr lang="ru-RU" dirty="0" smtClean="0"/>
-              <a:t>Поддержание </a:t>
-            </a:r>
-            <a:r>
-              <a:rPr lang="ru-RU" dirty="0" err="1" smtClean="0"/>
-              <a:t>консистентности</a:t>
-            </a:r>
-            <a:r>
-              <a:rPr lang="ru-RU" dirty="0" smtClean="0"/>
-              <a:t> данных (копирование данных откуда-то, или куда-то)</a:t>
+              <a:rPr lang="en-US" dirty="0" smtClean="0">
+                <a:solidFill>
+                  <a:srgbClr val="00B0F0"/>
+                </a:solidFill>
+              </a:rPr>
+              <a:t>INSERT</a:t>
+            </a:r>
+            <a:r>
+              <a:rPr lang="en-US" dirty="0" smtClean="0"/>
+              <a:t> </a:t>
+            </a:r>
+            <a:r>
+              <a:rPr lang="en-US" dirty="0" smtClean="0">
+                <a:solidFill>
+                  <a:srgbClr val="00B0F0"/>
+                </a:solidFill>
+              </a:rPr>
+              <a:t>INTO</a:t>
+            </a:r>
+            <a:r>
+              <a:rPr lang="en-US" dirty="0" smtClean="0"/>
+              <a:t> Student </a:t>
+            </a:r>
+            <a:r>
+              <a:rPr lang="en-US" dirty="0" smtClean="0">
+                <a:solidFill>
+                  <a:srgbClr val="00B0F0"/>
+                </a:solidFill>
+              </a:rPr>
+              <a:t>VALUES</a:t>
+            </a:r>
+            <a:r>
+              <a:rPr lang="en-US" dirty="0" smtClean="0"/>
+              <a:t>(123, </a:t>
+            </a:r>
+            <a:r>
+              <a:rPr lang="en-US" dirty="0" smtClean="0">
+                <a:solidFill>
+                  <a:srgbClr val="FF0000"/>
+                </a:solidFill>
+              </a:rPr>
+              <a:t>‘Inna’</a:t>
+            </a:r>
+            <a:r>
+              <a:rPr lang="en-US" dirty="0" smtClean="0"/>
+              <a:t>,</a:t>
+            </a:r>
+            <a:r>
+              <a:rPr lang="en-US" dirty="0" smtClean="0"/>
+              <a:t> </a:t>
+            </a:r>
+            <a:r>
+              <a:rPr lang="en-US" dirty="0" smtClean="0"/>
+              <a:t>3.5, 500);</a:t>
             </a:r>
           </a:p>
           <a:p>
             <a:pPr>
-              <a:buFont typeface="Arial" panose="020B0604020202020204" pitchFamily="34" charset="0"/>
-              <a:buChar char="•"/>
+              <a:buNone/>
             </a:pPr>
-            <a:r>
-              <a:rPr lang="ru-RU" dirty="0" err="1" smtClean="0"/>
-              <a:t>Соощать</a:t>
-            </a:r>
-            <a:r>
-              <a:rPr lang="ru-RU" dirty="0" smtClean="0"/>
-              <a:t> системе информацию о данных (сохранять типы запросов)</a:t>
-            </a:r>
+            <a:endParaRPr lang="en-US" dirty="0" smtClean="0"/>
+          </a:p>
+          <a:p>
+            <a:pPr>
+              <a:buNone/>
+            </a:pPr>
+            <a:r>
+              <a:rPr lang="en-US" dirty="0" smtClean="0">
+                <a:solidFill>
+                  <a:srgbClr val="00B0F0"/>
+                </a:solidFill>
+              </a:rPr>
+              <a:t>UPDATE</a:t>
+            </a:r>
+            <a:r>
+              <a:rPr lang="en-US" dirty="0" smtClean="0"/>
+              <a:t> Student </a:t>
+            </a:r>
+            <a:r>
+              <a:rPr lang="en-US" dirty="0" smtClean="0">
+                <a:solidFill>
+                  <a:srgbClr val="00B0F0"/>
+                </a:solidFill>
+              </a:rPr>
+              <a:t>SET</a:t>
+            </a:r>
+            <a:r>
+              <a:rPr lang="en-US" dirty="0" smtClean="0"/>
+              <a:t> </a:t>
+            </a:r>
+            <a:r>
+              <a:rPr lang="en-US" dirty="0" err="1" smtClean="0"/>
+              <a:t>sID</a:t>
+            </a:r>
+            <a:r>
+              <a:rPr lang="en-US" dirty="0" smtClean="0"/>
+              <a:t>=123 </a:t>
+            </a:r>
+            <a:r>
+              <a:rPr lang="en-US" dirty="0" smtClean="0">
+                <a:solidFill>
+                  <a:srgbClr val="00B0F0"/>
+                </a:solidFill>
+              </a:rPr>
+              <a:t>WHERE</a:t>
+            </a:r>
+            <a:r>
+              <a:rPr lang="en-US" dirty="0" smtClean="0"/>
+              <a:t> </a:t>
+            </a:r>
+            <a:r>
+              <a:rPr lang="en-US" dirty="0" err="1" smtClean="0"/>
+              <a:t>sName</a:t>
+            </a:r>
+            <a:r>
+              <a:rPr lang="en-US" dirty="0" smtClean="0"/>
+              <a:t>=</a:t>
+            </a:r>
+            <a:r>
+              <a:rPr lang="en-US" dirty="0" smtClean="0">
+                <a:solidFill>
+                  <a:srgbClr val="FF0000"/>
+                </a:solidFill>
+              </a:rPr>
+              <a:t>‘Valera’</a:t>
+            </a:r>
+            <a:r>
+              <a:rPr lang="en-US" dirty="0" smtClean="0"/>
+              <a:t>;</a:t>
+            </a:r>
+          </a:p>
+          <a:p>
+            <a:pPr>
+              <a:buNone/>
+            </a:pPr>
+            <a:r>
+              <a:rPr lang="en-US" dirty="0" smtClean="0">
+                <a:solidFill>
+                  <a:srgbClr val="00B0F0"/>
+                </a:solidFill>
+              </a:rPr>
+              <a:t>UPDATE</a:t>
+            </a:r>
+            <a:r>
+              <a:rPr lang="en-US" dirty="0" smtClean="0"/>
+              <a:t> Student </a:t>
+            </a:r>
+            <a:r>
+              <a:rPr lang="en-US" dirty="0" smtClean="0">
+                <a:solidFill>
+                  <a:srgbClr val="00B0F0"/>
+                </a:solidFill>
+              </a:rPr>
+              <a:t>SET</a:t>
+            </a:r>
+            <a:r>
+              <a:rPr lang="en-US" dirty="0" smtClean="0"/>
+              <a:t> </a:t>
+            </a:r>
+            <a:r>
+              <a:rPr lang="en-US" dirty="0" err="1" smtClean="0"/>
+              <a:t>sID</a:t>
+            </a:r>
+            <a:r>
+              <a:rPr lang="en-US" dirty="0" smtClean="0"/>
+              <a:t>=</a:t>
+            </a:r>
+            <a:r>
+              <a:rPr lang="en-US" dirty="0" err="1" smtClean="0"/>
+              <a:t>sID</a:t>
+            </a:r>
+            <a:r>
+              <a:rPr lang="en-US" dirty="0" smtClean="0"/>
+              <a:t> - 111;</a:t>
+            </a:r>
+          </a:p>
+          <a:p>
+            <a:pPr>
+              <a:buNone/>
+            </a:pPr>
+            <a:r>
+              <a:rPr lang="en-US" dirty="0" smtClean="0">
+                <a:solidFill>
+                  <a:srgbClr val="00B0F0"/>
+                </a:solidFill>
+              </a:rPr>
+              <a:t>UPDATE</a:t>
+            </a:r>
+            <a:r>
+              <a:rPr lang="en-US" dirty="0" smtClean="0"/>
+              <a:t> Student </a:t>
+            </a:r>
+            <a:r>
+              <a:rPr lang="en-US" dirty="0" smtClean="0">
+                <a:solidFill>
+                  <a:srgbClr val="00B0F0"/>
+                </a:solidFill>
+              </a:rPr>
+              <a:t>SET</a:t>
+            </a:r>
+            <a:r>
+              <a:rPr lang="en-US" dirty="0" smtClean="0"/>
+              <a:t> </a:t>
+            </a:r>
+            <a:r>
+              <a:rPr lang="en-US" dirty="0" err="1" smtClean="0"/>
+              <a:t>sID</a:t>
+            </a:r>
+            <a:r>
+              <a:rPr lang="en-US" dirty="0" smtClean="0"/>
+              <a:t>=</a:t>
+            </a:r>
+            <a:r>
+              <a:rPr lang="en-US" dirty="0" err="1" smtClean="0"/>
+              <a:t>sID</a:t>
+            </a:r>
+            <a:r>
+              <a:rPr lang="en-US" dirty="0" smtClean="0"/>
+              <a:t> </a:t>
+            </a:r>
+            <a:r>
+              <a:rPr lang="en-US" dirty="0" smtClean="0"/>
+              <a:t>+ </a:t>
+            </a:r>
+            <a:r>
+              <a:rPr lang="en-US" dirty="0" smtClean="0"/>
+              <a:t>111;</a:t>
+            </a:r>
+          </a:p>
+          <a:p>
+            <a:pPr>
+              <a:buNone/>
+            </a:pPr>
+            <a:endParaRPr lang="en-US" dirty="0" smtClean="0"/>
           </a:p>
         </p:txBody>
       </p:sp>
     </p:spTree>
-    <p:extLst>
-      <p:ext uri="{BB962C8B-B14F-4D97-AF65-F5344CB8AC3E}">
-        <p14:creationId xmlns:p14="http://schemas.microsoft.com/office/powerpoint/2010/main" val="581285389"/>
-      </p:ext>
-    </p:extLst>
   </p:cSld>
   <p:clrMapOvr>
     <a:masterClrMapping/>
   </p:clrMapOvr>
+  <p:timing>
+    <p:tnLst>
+      <p:par>
+        <p:cTn id="1" dur="indefinite" restart="never" nodeType="tmRoot"/>
+      </p:par>
+    </p:tnLst>
+  </p:timing>
 </p:sld>
 </file>
 
@@ -7358,7 +9869,7 @@
       </p:grpSpPr>
       <p:sp>
         <p:nvSpPr>
-          <p:cNvPr id="2" name="Title 1"/>
+          <p:cNvPr id="2" name="Заголовок 1"/>
           <p:cNvSpPr>
             <a:spLocks noGrp="1"/>
           </p:cNvSpPr>
@@ -7373,23 +9884,15 @@
           <a:p>
             <a:r>
               <a:rPr lang="ru-RU" dirty="0" smtClean="0"/>
-              <a:t>Ограничения </a:t>
-            </a:r>
-            <a:r>
-              <a:rPr lang="ru-RU" dirty="0" err="1" smtClean="0"/>
-              <a:t>целостност</a:t>
-            </a:r>
-            <a:r>
-              <a:rPr lang="ru-RU" dirty="0" err="1"/>
-              <a:t>И</a:t>
-            </a:r>
-            <a:endParaRPr lang="en-US" dirty="0"/>
-          </a:p>
-        </p:txBody>
-      </p:sp>
-      <p:sp>
-        <p:nvSpPr>
-          <p:cNvPr id="3" name="Content Placeholder 2"/>
+              <a:t>ПРИМЕР 3</a:t>
+            </a:r>
+            <a:endParaRPr lang="ru-RU" dirty="0"/>
+          </a:p>
+        </p:txBody>
+      </p:sp>
+      <p:sp>
+        <p:nvSpPr>
+          <p:cNvPr id="3" name="Содержимое 2"/>
           <p:cNvSpPr>
             <a:spLocks noGrp="1"/>
           </p:cNvSpPr>
@@ -7402,136 +9905,125 @@
           <a:bodyPr/>
           <a:lstStyle/>
           <a:p>
-            <a:pPr marL="0" indent="0">
+            <a:pPr>
               <a:buNone/>
             </a:pPr>
             <a:r>
-              <a:rPr lang="ru-RU" dirty="0" smtClean="0"/>
-              <a:t>Накладывают ограничения на данные, в дополнение к тем, что уже подразумеваются структурой и типами данных</a:t>
-            </a:r>
-          </a:p>
-          <a:p>
-            <a:pPr marL="0" indent="0">
-              <a:buNone/>
-            </a:pPr>
-            <a:r>
-              <a:rPr lang="ru-RU" dirty="0" smtClean="0"/>
-              <a:t>Классификация</a:t>
+              <a:rPr lang="en-US" dirty="0" smtClean="0">
+                <a:solidFill>
+                  <a:srgbClr val="00B0F0"/>
+                </a:solidFill>
+              </a:rPr>
+              <a:t>CREATE TABLE </a:t>
+            </a:r>
+            <a:r>
+              <a:rPr lang="en-US" dirty="0" smtClean="0"/>
+              <a:t>Student(</a:t>
+            </a:r>
+            <a:r>
+              <a:rPr lang="en-US" dirty="0" err="1" smtClean="0"/>
+              <a:t>sID</a:t>
             </a:r>
             <a:r>
               <a:rPr lang="en-US" dirty="0" smtClean="0"/>
               <a:t> </a:t>
             </a:r>
             <a:r>
-              <a:rPr lang="ru-RU" dirty="0" smtClean="0"/>
-              <a:t>ограничений</a:t>
-            </a:r>
-          </a:p>
-          <a:p>
-            <a:pPr>
-              <a:buFont typeface="Arial" panose="020B0604020202020204" pitchFamily="34" charset="0"/>
-              <a:buChar char="•"/>
-            </a:pPr>
-            <a:r>
-              <a:rPr lang="ru-RU" dirty="0" smtClean="0"/>
-              <a:t>Не </a:t>
-            </a:r>
-            <a:r>
-              <a:rPr lang="en-US" dirty="0" smtClean="0"/>
-              <a:t>null</a:t>
-            </a:r>
-            <a:r>
-              <a:rPr lang="ru-RU" dirty="0" smtClean="0"/>
-              <a:t> (значение не может принимать значение </a:t>
-            </a:r>
-            <a:r>
-              <a:rPr lang="en-US" dirty="0" smtClean="0"/>
-              <a:t>null)</a:t>
-            </a:r>
-          </a:p>
-          <a:p>
-            <a:pPr>
-              <a:buFont typeface="Arial" panose="020B0604020202020204" pitchFamily="34" charset="0"/>
-              <a:buChar char="•"/>
-            </a:pPr>
-            <a:r>
-              <a:rPr lang="en-US" dirty="0" smtClean="0"/>
-              <a:t>Key (</a:t>
-            </a:r>
-            <a:r>
-              <a:rPr lang="ru-RU" dirty="0" smtClean="0"/>
-              <a:t>атрибут должен иметь только уникальные значения)</a:t>
-            </a:r>
-            <a:endParaRPr lang="en-US" dirty="0" smtClean="0"/>
-          </a:p>
-          <a:p>
-            <a:pPr>
-              <a:buFont typeface="Arial" panose="020B0604020202020204" pitchFamily="34" charset="0"/>
-              <a:buChar char="•"/>
-            </a:pPr>
-            <a:r>
-              <a:rPr lang="en-US" dirty="0" smtClean="0"/>
-              <a:t>Referential integrity (foreign key)</a:t>
-            </a:r>
-          </a:p>
-          <a:p>
-            <a:pPr>
-              <a:buFont typeface="Arial" panose="020B0604020202020204" pitchFamily="34" charset="0"/>
-              <a:buChar char="•"/>
-            </a:pPr>
-            <a:r>
-              <a:rPr lang="en-US" dirty="0" smtClean="0"/>
-              <a:t>Attribute-based (</a:t>
-            </a:r>
-            <a:r>
-              <a:rPr lang="ru-RU" dirty="0" smtClean="0"/>
-              <a:t>ограничение на значение конкретного атрибута)</a:t>
-            </a:r>
-          </a:p>
-          <a:p>
-            <a:pPr>
-              <a:buFont typeface="Arial" panose="020B0604020202020204" pitchFamily="34" charset="0"/>
-              <a:buChar char="•"/>
-            </a:pPr>
-            <a:r>
-              <a:rPr lang="en-US" dirty="0" smtClean="0"/>
-              <a:t>Tuple-based (</a:t>
-            </a:r>
-            <a:r>
-              <a:rPr lang="ru-RU" dirty="0" smtClean="0"/>
-              <a:t>ограничение на кортеж, отношение атрибутов)</a:t>
-            </a:r>
-          </a:p>
-          <a:p>
-            <a:pPr>
-              <a:buFont typeface="Arial" panose="020B0604020202020204" pitchFamily="34" charset="0"/>
-              <a:buChar char="•"/>
-            </a:pPr>
-            <a:r>
-              <a:rPr lang="en-US" dirty="0" smtClean="0"/>
-              <a:t>General assertions</a:t>
-            </a:r>
-            <a:r>
-              <a:rPr lang="ru-RU" dirty="0" smtClean="0"/>
-              <a:t> (</a:t>
-            </a:r>
-            <a:r>
-              <a:rPr lang="en-US" dirty="0" smtClean="0"/>
-              <a:t>SQL </a:t>
-            </a:r>
-            <a:r>
-              <a:rPr lang="ru-RU" dirty="0" smtClean="0"/>
-              <a:t>скрипт)</a:t>
+              <a:rPr lang="en-US" dirty="0" smtClean="0">
+                <a:solidFill>
+                  <a:srgbClr val="00B0F0"/>
+                </a:solidFill>
+              </a:rPr>
+              <a:t>INT</a:t>
+            </a:r>
+            <a:r>
+              <a:rPr lang="en-US" dirty="0" smtClean="0"/>
+              <a:t> </a:t>
+            </a:r>
+            <a:r>
+              <a:rPr lang="en-US" dirty="0" smtClean="0">
+                <a:solidFill>
+                  <a:srgbClr val="00B0F0"/>
+                </a:solidFill>
+              </a:rPr>
+              <a:t>PRIMARY</a:t>
+            </a:r>
+            <a:r>
+              <a:rPr lang="en-US" dirty="0" smtClean="0"/>
+              <a:t> </a:t>
+            </a:r>
+            <a:r>
+              <a:rPr lang="en-US" dirty="0" smtClean="0">
+                <a:solidFill>
+                  <a:srgbClr val="00B0F0"/>
+                </a:solidFill>
+              </a:rPr>
+              <a:t>KEY</a:t>
+            </a:r>
+            <a:r>
+              <a:rPr lang="en-US" dirty="0" smtClean="0"/>
+              <a:t>, </a:t>
+            </a:r>
+            <a:r>
+              <a:rPr lang="en-US" dirty="0" err="1" smtClean="0"/>
+              <a:t>sName</a:t>
+            </a:r>
+            <a:r>
+              <a:rPr lang="en-US" dirty="0" smtClean="0"/>
+              <a:t> </a:t>
+            </a:r>
+            <a:r>
+              <a:rPr lang="en-US" dirty="0" smtClean="0"/>
+              <a:t>TEXT </a:t>
+            </a:r>
+            <a:r>
+              <a:rPr lang="en-US" dirty="0" smtClean="0">
+                <a:solidFill>
+                  <a:srgbClr val="00B0F0"/>
+                </a:solidFill>
+              </a:rPr>
+              <a:t>PRIMARY</a:t>
+            </a:r>
+            <a:r>
+              <a:rPr lang="en-US" dirty="0" smtClean="0"/>
+              <a:t> </a:t>
+            </a:r>
+            <a:r>
+              <a:rPr lang="en-US" dirty="0" smtClean="0">
+                <a:solidFill>
+                  <a:srgbClr val="00B0F0"/>
+                </a:solidFill>
+              </a:rPr>
+              <a:t>KEY</a:t>
+            </a:r>
+            <a:r>
+              <a:rPr lang="en-US" dirty="0" smtClean="0"/>
+              <a:t>, GPA REAL, </a:t>
+            </a:r>
+            <a:r>
+              <a:rPr lang="en-US" dirty="0" err="1" smtClean="0"/>
+              <a:t>sizeHS</a:t>
+            </a:r>
+            <a:r>
+              <a:rPr lang="en-US" dirty="0" smtClean="0"/>
+              <a:t> </a:t>
+            </a:r>
+            <a:r>
+              <a:rPr lang="en-US" dirty="0" smtClean="0">
+                <a:solidFill>
+                  <a:srgbClr val="00B0F0"/>
+                </a:solidFill>
+              </a:rPr>
+              <a:t>INT</a:t>
+            </a:r>
+            <a:r>
+              <a:rPr lang="en-US" dirty="0" smtClean="0"/>
+              <a:t>);</a:t>
             </a:r>
           </a:p>
         </p:txBody>
       </p:sp>
     </p:spTree>
-    <p:extLst>
-      <p:ext uri="{BB962C8B-B14F-4D97-AF65-F5344CB8AC3E}">
-        <p14:creationId xmlns:p14="http://schemas.microsoft.com/office/powerpoint/2010/main" val="2737321581"/>
-      </p:ext>
-    </p:extLst>
   </p:cSld>
   <p:clrMapOvr>
     <a:masterClrMapping/>
@@ -7558,7 +10050,7 @@
       </p:grpSpPr>
       <p:sp>
         <p:nvSpPr>
-          <p:cNvPr id="2" name="Title 1"/>
+          <p:cNvPr id="2" name="Заголовок 1"/>
           <p:cNvSpPr>
             <a:spLocks noGrp="1"/>
           </p:cNvSpPr>
@@ -7573,15 +10065,15 @@
           <a:p>
             <a:r>
               <a:rPr lang="ru-RU" dirty="0" smtClean="0"/>
-              <a:t>Объявление и использование ограничений</a:t>
-            </a:r>
-            <a:endParaRPr lang="en-US" dirty="0"/>
-          </a:p>
-        </p:txBody>
-      </p:sp>
-      <p:sp>
-        <p:nvSpPr>
-          <p:cNvPr id="3" name="Content Placeholder 2"/>
+              <a:t>ПРИМЕР 3</a:t>
+            </a:r>
+            <a:endParaRPr lang="ru-RU" dirty="0"/>
+          </a:p>
+        </p:txBody>
+      </p:sp>
+      <p:sp>
+        <p:nvSpPr>
+          <p:cNvPr id="3" name="Содержимое 2"/>
           <p:cNvSpPr>
             <a:spLocks noGrp="1"/>
           </p:cNvSpPr>
@@ -7594,82 +10086,238 @@
           <a:bodyPr/>
           <a:lstStyle/>
           <a:p>
-            <a:pPr marL="0" indent="0">
+            <a:pPr>
               <a:buNone/>
             </a:pPr>
             <a:r>
-              <a:rPr lang="ru-RU" dirty="0" smtClean="0"/>
-              <a:t>Объявление</a:t>
-            </a:r>
-          </a:p>
-          <a:p>
-            <a:r>
-              <a:rPr lang="ru-RU" dirty="0" smtClean="0"/>
-              <a:t>С изначальной схемой – проверяется после </a:t>
-            </a:r>
-            <a:r>
-              <a:rPr lang="en-US" dirty="0" smtClean="0"/>
-              <a:t>bulk load</a:t>
-            </a:r>
-          </a:p>
-          <a:p>
-            <a:r>
-              <a:rPr lang="ru-RU" dirty="0" smtClean="0"/>
-              <a:t>Позже – проверяется на существующей базе</a:t>
-            </a:r>
-          </a:p>
-          <a:p>
-            <a:pPr marL="0" indent="0">
+              <a:rPr lang="en-US" dirty="0" smtClean="0">
+                <a:solidFill>
+                  <a:srgbClr val="00B0F0"/>
+                </a:solidFill>
+              </a:rPr>
+              <a:t>CREATE TABLE </a:t>
+            </a:r>
+            <a:r>
+              <a:rPr lang="en-US" dirty="0" smtClean="0"/>
+              <a:t>Student(</a:t>
+            </a:r>
+            <a:r>
+              <a:rPr lang="en-US" dirty="0" err="1" smtClean="0"/>
+              <a:t>sID</a:t>
+            </a:r>
+            <a:r>
+              <a:rPr lang="en-US" dirty="0" smtClean="0"/>
+              <a:t> </a:t>
+            </a:r>
+            <a:r>
+              <a:rPr lang="en-US" dirty="0" smtClean="0">
+                <a:solidFill>
+                  <a:srgbClr val="00B0F0"/>
+                </a:solidFill>
+              </a:rPr>
+              <a:t>INT</a:t>
+            </a:r>
+            <a:r>
+              <a:rPr lang="en-US" dirty="0" smtClean="0"/>
+              <a:t> </a:t>
+            </a:r>
+            <a:r>
+              <a:rPr lang="en-US" dirty="0" smtClean="0">
+                <a:solidFill>
+                  <a:srgbClr val="00B0F0"/>
+                </a:solidFill>
+              </a:rPr>
+              <a:t>PRIMARY</a:t>
+            </a:r>
+            <a:r>
+              <a:rPr lang="en-US" dirty="0" smtClean="0"/>
+              <a:t> </a:t>
+            </a:r>
+            <a:r>
+              <a:rPr lang="en-US" dirty="0" smtClean="0">
+                <a:solidFill>
+                  <a:srgbClr val="00B0F0"/>
+                </a:solidFill>
+              </a:rPr>
+              <a:t>KEY</a:t>
+            </a:r>
+            <a:r>
+              <a:rPr lang="en-US" dirty="0" smtClean="0"/>
+              <a:t>, </a:t>
+            </a:r>
+            <a:r>
+              <a:rPr lang="en-US" dirty="0" err="1" smtClean="0"/>
+              <a:t>sName</a:t>
+            </a:r>
+            <a:r>
+              <a:rPr lang="en-US" dirty="0" smtClean="0"/>
+              <a:t> </a:t>
+            </a:r>
+            <a:r>
+              <a:rPr lang="en-US" dirty="0" smtClean="0"/>
+              <a:t>TEXT </a:t>
+            </a:r>
+            <a:r>
+              <a:rPr lang="en-US" dirty="0" smtClean="0">
+                <a:solidFill>
+                  <a:srgbClr val="00B0F0"/>
+                </a:solidFill>
+              </a:rPr>
+              <a:t>PRIMARY</a:t>
+            </a:r>
+            <a:r>
+              <a:rPr lang="en-US" dirty="0" smtClean="0"/>
+              <a:t> </a:t>
+            </a:r>
+            <a:r>
+              <a:rPr lang="en-US" dirty="0" smtClean="0">
+                <a:solidFill>
+                  <a:srgbClr val="00B0F0"/>
+                </a:solidFill>
+              </a:rPr>
+              <a:t>KEY</a:t>
+            </a:r>
+            <a:r>
+              <a:rPr lang="en-US" dirty="0" smtClean="0"/>
+              <a:t>, GPA REAL, </a:t>
+            </a:r>
+            <a:r>
+              <a:rPr lang="en-US" dirty="0" err="1" smtClean="0"/>
+              <a:t>sizeHS</a:t>
+            </a:r>
+            <a:r>
+              <a:rPr lang="en-US" dirty="0" smtClean="0"/>
+              <a:t> </a:t>
+            </a:r>
+            <a:r>
+              <a:rPr lang="en-US" dirty="0" smtClean="0">
+                <a:solidFill>
+                  <a:srgbClr val="00B0F0"/>
+                </a:solidFill>
+              </a:rPr>
+              <a:t>INT</a:t>
+            </a:r>
+            <a:r>
+              <a:rPr lang="en-US" dirty="0" smtClean="0"/>
+              <a:t>);</a:t>
+            </a:r>
+          </a:p>
+          <a:p>
+            <a:pPr>
               <a:buNone/>
             </a:pPr>
-            <a:endParaRPr lang="ru-RU" dirty="0" smtClean="0"/>
-          </a:p>
-          <a:p>
-            <a:pPr marL="0" indent="0">
+            <a:endParaRPr lang="en-US" dirty="0" smtClean="0"/>
+          </a:p>
+          <a:p>
+            <a:pPr>
               <a:buNone/>
             </a:pPr>
             <a:r>
-              <a:rPr lang="ru-RU" dirty="0" smtClean="0"/>
-              <a:t>Использование</a:t>
-            </a:r>
-          </a:p>
-          <a:p>
-            <a:r>
-              <a:rPr lang="ru-RU" dirty="0" smtClean="0"/>
-              <a:t>Проверяется после каждой </a:t>
-            </a:r>
-            <a:r>
-              <a:rPr lang="en-US" dirty="0" smtClean="0"/>
-              <a:t>“</a:t>
-            </a:r>
-            <a:r>
-              <a:rPr lang="ru-RU" dirty="0" smtClean="0"/>
-              <a:t>опасной</a:t>
-            </a:r>
-            <a:r>
-              <a:rPr lang="en-US" dirty="0" smtClean="0"/>
-              <a:t>”</a:t>
-            </a:r>
-            <a:r>
-              <a:rPr lang="ru-RU" dirty="0" smtClean="0"/>
-              <a:t> модификации</a:t>
-            </a:r>
-          </a:p>
-          <a:p>
-            <a:r>
-              <a:rPr lang="ru-RU" dirty="0" smtClean="0"/>
-              <a:t>Отложенная проверка в пределах одной транзакции (отдельные изменения могут не удовлетворять ограничению)</a:t>
-            </a:r>
-            <a:endParaRPr lang="en-US" dirty="0"/>
+              <a:rPr lang="en-US" dirty="0" smtClean="0">
+                <a:solidFill>
+                  <a:srgbClr val="00B0F0"/>
+                </a:solidFill>
+              </a:rPr>
+              <a:t>CREATE TABLE </a:t>
+            </a:r>
+            <a:r>
+              <a:rPr lang="en-US" dirty="0" smtClean="0"/>
+              <a:t>Student(</a:t>
+            </a:r>
+            <a:r>
+              <a:rPr lang="en-US" dirty="0" err="1" smtClean="0"/>
+              <a:t>sID</a:t>
+            </a:r>
+            <a:r>
+              <a:rPr lang="en-US" dirty="0" smtClean="0"/>
+              <a:t> </a:t>
+            </a:r>
+            <a:r>
+              <a:rPr lang="en-US" dirty="0" smtClean="0">
+                <a:solidFill>
+                  <a:srgbClr val="00B0F0"/>
+                </a:solidFill>
+              </a:rPr>
+              <a:t>INT</a:t>
+            </a:r>
+            <a:r>
+              <a:rPr lang="en-US" dirty="0" smtClean="0"/>
+              <a:t> </a:t>
+            </a:r>
+            <a:r>
+              <a:rPr lang="en-US" dirty="0" smtClean="0">
+                <a:solidFill>
+                  <a:srgbClr val="00B0F0"/>
+                </a:solidFill>
+              </a:rPr>
+              <a:t>PRIMARY</a:t>
+            </a:r>
+            <a:r>
+              <a:rPr lang="en-US" dirty="0" smtClean="0"/>
+              <a:t> </a:t>
+            </a:r>
+            <a:r>
+              <a:rPr lang="en-US" dirty="0" smtClean="0">
+                <a:solidFill>
+                  <a:srgbClr val="00B0F0"/>
+                </a:solidFill>
+              </a:rPr>
+              <a:t>KEY</a:t>
+            </a:r>
+            <a:r>
+              <a:rPr lang="en-US" dirty="0" smtClean="0"/>
+              <a:t>, </a:t>
+            </a:r>
+            <a:r>
+              <a:rPr lang="en-US" dirty="0" err="1" smtClean="0"/>
+              <a:t>sName</a:t>
+            </a:r>
+            <a:r>
+              <a:rPr lang="en-US" dirty="0" smtClean="0"/>
+              <a:t> TEXT </a:t>
+            </a:r>
+            <a:r>
+              <a:rPr lang="en-US" dirty="0" smtClean="0">
+                <a:solidFill>
+                  <a:srgbClr val="00B0F0"/>
+                </a:solidFill>
+              </a:rPr>
+              <a:t>UNIQUE</a:t>
+            </a:r>
+            <a:r>
+              <a:rPr lang="en-US" dirty="0" smtClean="0"/>
+              <a:t>, GPA REAL, </a:t>
+            </a:r>
+            <a:r>
+              <a:rPr lang="en-US" dirty="0" err="1" smtClean="0"/>
+              <a:t>sizeHS</a:t>
+            </a:r>
+            <a:r>
+              <a:rPr lang="en-US" dirty="0" smtClean="0"/>
+              <a:t> </a:t>
+            </a:r>
+            <a:r>
+              <a:rPr lang="en-US" dirty="0" smtClean="0">
+                <a:solidFill>
+                  <a:srgbClr val="00B0F0"/>
+                </a:solidFill>
+              </a:rPr>
+              <a:t>INT</a:t>
+            </a:r>
+            <a:r>
+              <a:rPr lang="en-US" dirty="0" smtClean="0"/>
+              <a:t>);</a:t>
+            </a:r>
+          </a:p>
+          <a:p>
+            <a:pPr>
+              <a:buNone/>
+            </a:pPr>
+            <a:endParaRPr lang="en-US" dirty="0" smtClean="0"/>
           </a:p>
         </p:txBody>
       </p:sp>
     </p:spTree>
-    <p:extLst>
-      <p:ext uri="{BB962C8B-B14F-4D97-AF65-F5344CB8AC3E}">
-        <p14:creationId xmlns:p14="http://schemas.microsoft.com/office/powerpoint/2010/main" val="831279089"/>
-      </p:ext>
-    </p:extLst>
   </p:cSld>
   <p:clrMapOvr>
     <a:masterClrMapping/>
@@ -7696,7 +10344,7 @@
       </p:grpSpPr>
       <p:sp>
         <p:nvSpPr>
-          <p:cNvPr id="2" name="Title 1"/>
+          <p:cNvPr id="2" name="Заголовок 1"/>
           <p:cNvSpPr>
             <a:spLocks noGrp="1"/>
           </p:cNvSpPr>
@@ -7711,15 +10359,15 @@
           <a:p>
             <a:r>
               <a:rPr lang="ru-RU" dirty="0" smtClean="0"/>
-              <a:t>триггеры</a:t>
-            </a:r>
-            <a:endParaRPr lang="en-US" dirty="0"/>
-          </a:p>
-        </p:txBody>
-      </p:sp>
-      <p:sp>
-        <p:nvSpPr>
-          <p:cNvPr id="3" name="Content Placeholder 2"/>
+              <a:t>ПРИМЕР 3</a:t>
+            </a:r>
+            <a:endParaRPr lang="ru-RU" dirty="0"/>
+          </a:p>
+        </p:txBody>
+      </p:sp>
+      <p:sp>
+        <p:nvSpPr>
+          <p:cNvPr id="3" name="Содержимое 2"/>
           <p:cNvSpPr>
             <a:spLocks noGrp="1"/>
           </p:cNvSpPr>
@@ -7729,187 +10377,473 @@
         </p:nvSpPr>
         <p:spPr/>
         <p:txBody>
-          <a:bodyPr>
-            <a:normAutofit/>
-          </a:bodyPr>
+          <a:bodyPr/>
           <a:lstStyle/>
           <a:p>
-            <a:pPr marL="0" indent="0">
+            <a:pPr>
               <a:buNone/>
             </a:pPr>
             <a:r>
-              <a:rPr lang="ru-RU" dirty="0" smtClean="0"/>
-              <a:t>Правила </a:t>
-            </a:r>
-            <a:r>
-              <a:rPr lang="en-US" dirty="0" smtClean="0"/>
-              <a:t>“</a:t>
-            </a:r>
-            <a:r>
-              <a:rPr lang="ru-RU" dirty="0" smtClean="0"/>
-              <a:t>Событие-Условие-Действие</a:t>
-            </a:r>
-            <a:r>
-              <a:rPr lang="en-US" dirty="0" smtClean="0"/>
-              <a:t>”</a:t>
-            </a:r>
-          </a:p>
-          <a:p>
-            <a:pPr marL="0" indent="0">
+              <a:rPr lang="en-US" dirty="0" smtClean="0">
+                <a:solidFill>
+                  <a:srgbClr val="00B0F0"/>
+                </a:solidFill>
+              </a:rPr>
+              <a:t>INSERT INTO </a:t>
+            </a:r>
+            <a:r>
+              <a:rPr lang="en-US" dirty="0" smtClean="0"/>
+              <a:t>Student </a:t>
+            </a:r>
+            <a:r>
+              <a:rPr lang="en-US" dirty="0" smtClean="0">
+                <a:solidFill>
+                  <a:srgbClr val="00B0F0"/>
+                </a:solidFill>
+              </a:rPr>
+              <a:t>VALUES</a:t>
+            </a:r>
+            <a:r>
+              <a:rPr lang="en-US" dirty="0" smtClean="0">
+                <a:solidFill>
+                  <a:srgbClr val="00B050"/>
+                </a:solidFill>
+              </a:rPr>
+              <a:t>(</a:t>
+            </a:r>
+            <a:r>
+              <a:rPr lang="en-US" dirty="0" smtClean="0"/>
+              <a:t>123</a:t>
+            </a:r>
+            <a:r>
+              <a:rPr lang="en-US" dirty="0" smtClean="0">
+                <a:solidFill>
+                  <a:srgbClr val="00B050"/>
+                </a:solidFill>
+              </a:rPr>
+              <a:t>,</a:t>
+            </a:r>
+            <a:r>
+              <a:rPr lang="en-US" dirty="0" smtClean="0"/>
+              <a:t> </a:t>
+            </a:r>
+            <a:r>
+              <a:rPr lang="en-US" dirty="0" smtClean="0">
+                <a:solidFill>
+                  <a:srgbClr val="FF0000"/>
+                </a:solidFill>
+              </a:rPr>
+              <a:t>‘Ivan’</a:t>
+            </a:r>
+            <a:r>
+              <a:rPr lang="en-US" dirty="0" smtClean="0">
+                <a:solidFill>
+                  <a:srgbClr val="00B050"/>
+                </a:solidFill>
+              </a:rPr>
+              <a:t>,</a:t>
+            </a:r>
+            <a:r>
+              <a:rPr lang="en-US" dirty="0" smtClean="0"/>
+              <a:t> 3.9</a:t>
+            </a:r>
+            <a:r>
+              <a:rPr lang="en-US" dirty="0" smtClean="0">
+                <a:solidFill>
+                  <a:srgbClr val="00B050"/>
+                </a:solidFill>
+              </a:rPr>
+              <a:t>,</a:t>
+            </a:r>
+            <a:r>
+              <a:rPr lang="en-US" dirty="0" smtClean="0"/>
+              <a:t> 1000</a:t>
+            </a:r>
+            <a:r>
+              <a:rPr lang="en-US" dirty="0" smtClean="0">
+                <a:solidFill>
+                  <a:srgbClr val="00B050"/>
+                </a:solidFill>
+              </a:rPr>
+              <a:t>);</a:t>
+            </a:r>
+          </a:p>
+          <a:p>
+            <a:pPr>
               <a:buNone/>
             </a:pPr>
             <a:r>
-              <a:rPr lang="ru-RU" dirty="0" smtClean="0"/>
-              <a:t>Когда случается </a:t>
-            </a:r>
-            <a:r>
-              <a:rPr lang="ru-RU" dirty="0" smtClean="0">
-                <a:solidFill>
-                  <a:srgbClr val="00B0F0"/>
-                </a:solidFill>
-              </a:rPr>
-              <a:t>событие</a:t>
-            </a:r>
-            <a:r>
-              <a:rPr lang="ru-RU" dirty="0" smtClean="0"/>
-              <a:t>, проверить </a:t>
-            </a:r>
-            <a:r>
-              <a:rPr lang="ru-RU" dirty="0" smtClean="0">
-                <a:solidFill>
-                  <a:srgbClr val="00B0F0"/>
-                </a:solidFill>
-              </a:rPr>
-              <a:t>условие</a:t>
-            </a:r>
-            <a:r>
-              <a:rPr lang="ru-RU" dirty="0" smtClean="0"/>
-              <a:t>, если </a:t>
-            </a:r>
-            <a:r>
-              <a:rPr lang="en-US" dirty="0" smtClean="0"/>
-              <a:t>true, </a:t>
-            </a:r>
-            <a:r>
-              <a:rPr lang="ru-RU" dirty="0" smtClean="0"/>
-              <a:t>выполнить </a:t>
-            </a:r>
-            <a:r>
-              <a:rPr lang="ru-RU" dirty="0" smtClean="0">
-                <a:solidFill>
-                  <a:srgbClr val="00B0F0"/>
-                </a:solidFill>
-              </a:rPr>
-              <a:t>действие</a:t>
-            </a:r>
-          </a:p>
-          <a:p>
-            <a:endParaRPr lang="ru-RU" dirty="0"/>
-          </a:p>
-          <a:p>
-            <a:pPr marL="0" indent="0">
+              <a:rPr lang="en-US" dirty="0" smtClean="0">
+                <a:solidFill>
+                  <a:srgbClr val="00B0F0"/>
+                </a:solidFill>
+              </a:rPr>
+              <a:t>INSERT INTO </a:t>
+            </a:r>
+            <a:r>
+              <a:rPr lang="en-US" dirty="0" smtClean="0"/>
+              <a:t>Student </a:t>
+            </a:r>
+            <a:r>
+              <a:rPr lang="en-US" dirty="0" smtClean="0">
+                <a:solidFill>
+                  <a:srgbClr val="00B0F0"/>
+                </a:solidFill>
+              </a:rPr>
+              <a:t>VALUES</a:t>
+            </a:r>
+            <a:r>
+              <a:rPr lang="en-US" dirty="0" smtClean="0">
+                <a:solidFill>
+                  <a:srgbClr val="00B050"/>
+                </a:solidFill>
+              </a:rPr>
+              <a:t>(</a:t>
+            </a:r>
+            <a:r>
+              <a:rPr lang="en-US" dirty="0" smtClean="0"/>
+              <a:t>234</a:t>
+            </a:r>
+            <a:r>
+              <a:rPr lang="en-US" dirty="0" smtClean="0">
+                <a:solidFill>
+                  <a:srgbClr val="00B050"/>
+                </a:solidFill>
+              </a:rPr>
+              <a:t>,</a:t>
+            </a:r>
+            <a:r>
+              <a:rPr lang="en-US" dirty="0" smtClean="0"/>
+              <a:t> </a:t>
+            </a:r>
+            <a:r>
+              <a:rPr lang="en-US" dirty="0" smtClean="0">
+                <a:solidFill>
+                  <a:srgbClr val="FF0000"/>
+                </a:solidFill>
+              </a:rPr>
+              <a:t>‘Valera</a:t>
+            </a:r>
+            <a:r>
+              <a:rPr lang="en-US" dirty="0" smtClean="0">
+                <a:solidFill>
+                  <a:srgbClr val="00B050"/>
+                </a:solidFill>
+              </a:rPr>
+              <a:t>,</a:t>
+            </a:r>
+            <a:r>
+              <a:rPr lang="en-US" dirty="0" smtClean="0"/>
+              <a:t> 3.6</a:t>
+            </a:r>
+            <a:r>
+              <a:rPr lang="en-US" dirty="0" smtClean="0">
+                <a:solidFill>
+                  <a:srgbClr val="00B050"/>
+                </a:solidFill>
+              </a:rPr>
+              <a:t>,</a:t>
+            </a:r>
+            <a:r>
+              <a:rPr lang="en-US" dirty="0" smtClean="0"/>
+              <a:t> 1500</a:t>
+            </a:r>
+            <a:r>
+              <a:rPr lang="en-US" dirty="0" smtClean="0">
+                <a:solidFill>
+                  <a:srgbClr val="00B050"/>
+                </a:solidFill>
+              </a:rPr>
+              <a:t>);</a:t>
+            </a:r>
+          </a:p>
+          <a:p>
+            <a:pPr>
               <a:buNone/>
             </a:pPr>
             <a:r>
-              <a:rPr lang="ru-RU" b="1" dirty="0" smtClean="0"/>
-              <a:t>Примеры</a:t>
+              <a:rPr lang="en-US" dirty="0" smtClean="0">
+                <a:solidFill>
+                  <a:srgbClr val="00B0F0"/>
+                </a:solidFill>
+              </a:rPr>
+              <a:t>INSERT INTO </a:t>
+            </a:r>
+            <a:r>
+              <a:rPr lang="en-US" dirty="0" smtClean="0"/>
+              <a:t>Student </a:t>
+            </a:r>
+            <a:r>
+              <a:rPr lang="en-US" dirty="0" smtClean="0">
+                <a:solidFill>
+                  <a:srgbClr val="00B0F0"/>
+                </a:solidFill>
+              </a:rPr>
+              <a:t>VALUES</a:t>
+            </a:r>
+            <a:r>
+              <a:rPr lang="en-US" dirty="0" smtClean="0">
+                <a:solidFill>
+                  <a:srgbClr val="00B050"/>
+                </a:solidFill>
+              </a:rPr>
+              <a:t>(</a:t>
+            </a:r>
+            <a:r>
+              <a:rPr lang="en-US" dirty="0" smtClean="0"/>
+              <a:t>345</a:t>
+            </a:r>
+            <a:r>
+              <a:rPr lang="en-US" dirty="0" smtClean="0">
+                <a:solidFill>
+                  <a:srgbClr val="00B050"/>
+                </a:solidFill>
+              </a:rPr>
+              <a:t>,</a:t>
+            </a:r>
+            <a:r>
+              <a:rPr lang="en-US" dirty="0" smtClean="0"/>
+              <a:t> </a:t>
+            </a:r>
+            <a:r>
+              <a:rPr lang="en-US" dirty="0" smtClean="0">
+                <a:solidFill>
+                  <a:srgbClr val="FF0000"/>
+                </a:solidFill>
+              </a:rPr>
+              <a:t>‘Ivan’</a:t>
+            </a:r>
+            <a:r>
+              <a:rPr lang="en-US" dirty="0" smtClean="0">
+                <a:solidFill>
+                  <a:srgbClr val="00B050"/>
+                </a:solidFill>
+              </a:rPr>
+              <a:t>,</a:t>
+            </a:r>
+            <a:r>
+              <a:rPr lang="en-US" dirty="0" smtClean="0"/>
+              <a:t> </a:t>
+            </a:r>
+            <a:r>
+              <a:rPr lang="en-US" dirty="0" smtClean="0"/>
+              <a:t>3.5</a:t>
+            </a:r>
+            <a:r>
+              <a:rPr lang="en-US" dirty="0" smtClean="0">
+                <a:solidFill>
+                  <a:srgbClr val="00B050"/>
+                </a:solidFill>
+              </a:rPr>
+              <a:t>,</a:t>
+            </a:r>
+            <a:r>
+              <a:rPr lang="en-US" dirty="0" smtClean="0"/>
+              <a:t> 500</a:t>
+            </a:r>
+            <a:r>
+              <a:rPr lang="en-US" dirty="0" smtClean="0">
+                <a:solidFill>
+                  <a:srgbClr val="00B050"/>
+                </a:solidFill>
+              </a:rPr>
+              <a:t>);</a:t>
             </a:r>
           </a:p>
           <a:p>
             <a:pPr>
-              <a:buFont typeface="Arial" panose="020B0604020202020204" pitchFamily="34" charset="0"/>
-              <a:buChar char="•"/>
+              <a:buNone/>
             </a:pPr>
             <a:r>
-              <a:rPr lang="en-US" dirty="0" smtClean="0"/>
-              <a:t>Enrollment &gt; 35000 =&gt; </a:t>
-            </a:r>
-            <a:r>
-              <a:rPr lang="ru-RU" dirty="0" smtClean="0"/>
-              <a:t>удалить всех подавших заявление</a:t>
+              <a:rPr lang="en-US" dirty="0" smtClean="0">
+                <a:solidFill>
+                  <a:srgbClr val="00B0F0"/>
+                </a:solidFill>
+              </a:rPr>
+              <a:t>INSERT INTO </a:t>
+            </a:r>
+            <a:r>
+              <a:rPr lang="en-US" dirty="0" smtClean="0"/>
+              <a:t>Student </a:t>
+            </a:r>
+            <a:r>
+              <a:rPr lang="en-US" dirty="0" smtClean="0">
+                <a:solidFill>
+                  <a:srgbClr val="00B0F0"/>
+                </a:solidFill>
+              </a:rPr>
+              <a:t>VALUES</a:t>
+            </a:r>
+            <a:r>
+              <a:rPr lang="en-US" dirty="0" smtClean="0">
+                <a:solidFill>
+                  <a:srgbClr val="00B050"/>
+                </a:solidFill>
+              </a:rPr>
+              <a:t>(</a:t>
+            </a:r>
+            <a:r>
+              <a:rPr lang="en-US" dirty="0" smtClean="0"/>
+              <a:t>456</a:t>
+            </a:r>
+            <a:r>
+              <a:rPr lang="en-US" dirty="0" smtClean="0">
+                <a:solidFill>
+                  <a:srgbClr val="00B050"/>
+                </a:solidFill>
+              </a:rPr>
+              <a:t>,</a:t>
+            </a:r>
+            <a:r>
+              <a:rPr lang="en-US" dirty="0" smtClean="0"/>
+              <a:t> </a:t>
+            </a:r>
+            <a:r>
+              <a:rPr lang="en-US" dirty="0" smtClean="0">
+                <a:solidFill>
+                  <a:srgbClr val="FF0000"/>
+                </a:solidFill>
+              </a:rPr>
+              <a:t>‘Anna’</a:t>
+            </a:r>
+            <a:r>
+              <a:rPr lang="en-US" dirty="0" smtClean="0">
+                <a:solidFill>
+                  <a:srgbClr val="00B050"/>
+                </a:solidFill>
+              </a:rPr>
+              <a:t>,</a:t>
+            </a:r>
+            <a:r>
+              <a:rPr lang="en-US" dirty="0" smtClean="0"/>
+              <a:t> </a:t>
+            </a:r>
+            <a:r>
+              <a:rPr lang="en-US" dirty="0" smtClean="0"/>
+              <a:t>3.9</a:t>
+            </a:r>
+            <a:r>
+              <a:rPr lang="en-US" dirty="0" smtClean="0">
+                <a:solidFill>
+                  <a:srgbClr val="00B050"/>
+                </a:solidFill>
+              </a:rPr>
+              <a:t>,</a:t>
+            </a:r>
+            <a:r>
+              <a:rPr lang="en-US" dirty="0" smtClean="0"/>
+              <a:t> 1000</a:t>
+            </a:r>
+            <a:r>
+              <a:rPr lang="en-US" dirty="0" smtClean="0">
+                <a:solidFill>
+                  <a:srgbClr val="00B050"/>
+                </a:solidFill>
+              </a:rPr>
+              <a:t>);</a:t>
             </a:r>
           </a:p>
           <a:p>
             <a:pPr>
-              <a:buFont typeface="Arial" panose="020B0604020202020204" pitchFamily="34" charset="0"/>
-              <a:buChar char="•"/>
+              <a:buNone/>
             </a:pPr>
             <a:r>
-              <a:rPr lang="ru-RU" dirty="0"/>
-              <a:t>Внесение</a:t>
-            </a:r>
-            <a:r>
-              <a:rPr lang="en-US" dirty="0"/>
+              <a:rPr lang="en-US" dirty="0" smtClean="0">
+                <a:solidFill>
+                  <a:srgbClr val="00B0F0"/>
+                </a:solidFill>
+              </a:rPr>
+              <a:t>INSERT INTO </a:t>
+            </a:r>
+            <a:r>
+              <a:rPr lang="en-US" dirty="0" smtClean="0"/>
+              <a:t>Student </a:t>
+            </a:r>
+            <a:r>
+              <a:rPr lang="en-US" dirty="0" smtClean="0">
+                <a:solidFill>
+                  <a:srgbClr val="00B0F0"/>
+                </a:solidFill>
+              </a:rPr>
+              <a:t>VALUES</a:t>
+            </a:r>
+            <a:r>
+              <a:rPr lang="en-US" dirty="0" smtClean="0">
+                <a:solidFill>
+                  <a:srgbClr val="00B050"/>
+                </a:solidFill>
+              </a:rPr>
+              <a:t>(</a:t>
+            </a:r>
+            <a:r>
+              <a:rPr lang="en-US" dirty="0" smtClean="0"/>
+              <a:t>567</a:t>
+            </a:r>
+            <a:r>
+              <a:rPr lang="en-US" dirty="0" smtClean="0">
+                <a:solidFill>
+                  <a:srgbClr val="00B050"/>
+                </a:solidFill>
+              </a:rPr>
+              <a:t>,</a:t>
+            </a:r>
+            <a:r>
+              <a:rPr lang="en-US" dirty="0" smtClean="0"/>
               <a:t> </a:t>
             </a:r>
             <a:r>
-              <a:rPr lang="ru-RU" dirty="0"/>
-              <a:t>записи об абитуриенте</a:t>
-            </a:r>
-            <a:r>
-              <a:rPr lang="en-US" dirty="0"/>
+              <a:rPr lang="en-US" dirty="0" smtClean="0">
+                <a:solidFill>
+                  <a:srgbClr val="FF0000"/>
+                </a:solidFill>
+              </a:rPr>
+              <a:t>‘Ivan’</a:t>
+            </a:r>
+            <a:r>
+              <a:rPr lang="en-US" dirty="0" smtClean="0">
+                <a:solidFill>
+                  <a:srgbClr val="00B050"/>
+                </a:solidFill>
+              </a:rPr>
+              <a:t>,</a:t>
+            </a:r>
+            <a:r>
+              <a:rPr lang="en-US" dirty="0" smtClean="0"/>
               <a:t> </a:t>
             </a:r>
             <a:r>
-              <a:rPr lang="ru-RU" dirty="0"/>
-              <a:t>с</a:t>
-            </a:r>
-            <a:r>
-              <a:rPr lang="en-US" dirty="0"/>
-              <a:t> GPA&gt;3.95</a:t>
-            </a:r>
-            <a:r>
-              <a:rPr lang="ru-RU" dirty="0"/>
-              <a:t> </a:t>
-            </a:r>
-            <a:r>
-              <a:rPr lang="en-US" dirty="0"/>
-              <a:t>=&gt; </a:t>
-            </a:r>
-            <a:r>
-              <a:rPr lang="ru-RU" dirty="0"/>
-              <a:t>автоматически </a:t>
-            </a:r>
-            <a:r>
-              <a:rPr lang="ru-RU" dirty="0" smtClean="0"/>
-              <a:t>зачислять</a:t>
-            </a:r>
-          </a:p>
-          <a:p>
-            <a:pPr>
-              <a:buFont typeface="Arial" panose="020B0604020202020204" pitchFamily="34" charset="0"/>
-              <a:buChar char="•"/>
-            </a:pPr>
-            <a:r>
-              <a:rPr lang="ru-RU" dirty="0"/>
-              <a:t>Обновление </a:t>
-            </a:r>
-            <a:r>
-              <a:rPr lang="en-US" dirty="0" err="1"/>
-              <a:t>sizeHS</a:t>
-            </a:r>
-            <a:r>
-              <a:rPr lang="en-US" dirty="0"/>
-              <a:t> &gt; 7000 =&gt; </a:t>
-            </a:r>
-            <a:r>
-              <a:rPr lang="ru-RU" dirty="0"/>
-              <a:t>выдать </a:t>
-            </a:r>
-            <a:r>
-              <a:rPr lang="ru-RU" dirty="0" smtClean="0"/>
-              <a:t>ошибку</a:t>
-            </a:r>
-            <a:endParaRPr lang="en-US" dirty="0"/>
+              <a:rPr lang="en-US" dirty="0" smtClean="0"/>
+              <a:t>3.8</a:t>
+            </a:r>
+            <a:r>
+              <a:rPr lang="en-US" dirty="0" smtClean="0">
+                <a:solidFill>
+                  <a:srgbClr val="00B050"/>
+                </a:solidFill>
+              </a:rPr>
+              <a:t>,</a:t>
+            </a:r>
+            <a:r>
+              <a:rPr lang="en-US" dirty="0" smtClean="0"/>
+              <a:t> 1500</a:t>
+            </a:r>
+            <a:r>
+              <a:rPr lang="en-US" dirty="0" smtClean="0">
+                <a:solidFill>
+                  <a:srgbClr val="00B050"/>
+                </a:solidFill>
+              </a:rPr>
+              <a:t>);</a:t>
+            </a:r>
+            <a:endParaRPr lang="en-US" dirty="0" smtClean="0">
+              <a:solidFill>
+                <a:srgbClr val="00B050"/>
+              </a:solidFill>
+            </a:endParaRPr>
           </a:p>
         </p:txBody>
       </p:sp>
     </p:spTree>
-    <p:extLst>
-      <p:ext uri="{BB962C8B-B14F-4D97-AF65-F5344CB8AC3E}">
-        <p14:creationId xmlns:p14="http://schemas.microsoft.com/office/powerpoint/2010/main" val="343785775"/>
-      </p:ext>
-    </p:extLst>
   </p:cSld>
   <p:clrMapOvr>
     <a:masterClrMapping/>
@@ -7936,7 +10870,7 @@
       </p:grpSpPr>
       <p:sp>
         <p:nvSpPr>
-          <p:cNvPr id="2" name="Title 1"/>
+          <p:cNvPr id="2" name="Заголовок 1"/>
           <p:cNvSpPr>
             <a:spLocks noGrp="1"/>
           </p:cNvSpPr>
@@ -7951,15 +10885,15 @@
           <a:p>
             <a:r>
               <a:rPr lang="ru-RU" dirty="0" smtClean="0"/>
-              <a:t>триггеры</a:t>
-            </a:r>
-            <a:endParaRPr lang="en-US" dirty="0"/>
-          </a:p>
-        </p:txBody>
-      </p:sp>
-      <p:sp>
-        <p:nvSpPr>
-          <p:cNvPr id="3" name="Content Placeholder 2"/>
+              <a:t>Пример 4</a:t>
+            </a:r>
+            <a:endParaRPr lang="ru-RU" dirty="0"/>
+          </a:p>
+        </p:txBody>
+      </p:sp>
+      <p:sp>
+        <p:nvSpPr>
+          <p:cNvPr id="3" name="Содержимое 2"/>
           <p:cNvSpPr>
             <a:spLocks noGrp="1"/>
           </p:cNvSpPr>
@@ -7967,171 +10901,169 @@
             <p:ph idx="1"/>
           </p:nvPr>
         </p:nvSpPr>
-        <p:spPr>
-          <a:xfrm>
-            <a:off x="818348" y="2060898"/>
-            <a:ext cx="7511472" cy="4797102"/>
-          </a:xfrm>
-        </p:spPr>
-        <p:txBody>
-          <a:bodyPr>
-            <a:normAutofit/>
-          </a:bodyPr>
+        <p:spPr/>
+        <p:txBody>
+          <a:bodyPr/>
           <a:lstStyle/>
           <a:p>
-            <a:pPr marL="0" indent="0">
+            <a:pPr>
               <a:buNone/>
             </a:pPr>
             <a:r>
-              <a:rPr lang="ru-RU" dirty="0" smtClean="0"/>
-              <a:t>Правила </a:t>
-            </a:r>
-            <a:r>
-              <a:rPr lang="en-US" dirty="0" smtClean="0"/>
-              <a:t>“</a:t>
-            </a:r>
-            <a:r>
-              <a:rPr lang="ru-RU" dirty="0" smtClean="0"/>
-              <a:t>Событие-Условие-Действие</a:t>
-            </a:r>
-            <a:r>
-              <a:rPr lang="en-US" dirty="0" smtClean="0"/>
-              <a:t>”</a:t>
-            </a:r>
-          </a:p>
-          <a:p>
-            <a:pPr marL="0" indent="0">
-              <a:buNone/>
-            </a:pPr>
-            <a:r>
-              <a:rPr lang="ru-RU" dirty="0" smtClean="0"/>
-              <a:t>Когда случается </a:t>
-            </a:r>
-            <a:r>
-              <a:rPr lang="ru-RU" dirty="0" smtClean="0">
-                <a:solidFill>
-                  <a:srgbClr val="00B0F0"/>
-                </a:solidFill>
-              </a:rPr>
-              <a:t>событие</a:t>
-            </a:r>
-            <a:r>
-              <a:rPr lang="ru-RU" dirty="0" smtClean="0"/>
-              <a:t>, проверить </a:t>
-            </a:r>
-            <a:r>
-              <a:rPr lang="ru-RU" dirty="0" smtClean="0">
-                <a:solidFill>
-                  <a:srgbClr val="00B0F0"/>
-                </a:solidFill>
-              </a:rPr>
-              <a:t>условие</a:t>
-            </a:r>
-            <a:r>
-              <a:rPr lang="ru-RU" dirty="0" smtClean="0"/>
-              <a:t>, если </a:t>
-            </a:r>
-            <a:r>
-              <a:rPr lang="en-US" dirty="0" smtClean="0"/>
-              <a:t>true, </a:t>
-            </a:r>
-            <a:r>
-              <a:rPr lang="ru-RU" dirty="0" smtClean="0"/>
-              <a:t>выполнить </a:t>
-            </a:r>
-            <a:r>
-              <a:rPr lang="ru-RU" dirty="0" smtClean="0">
-                <a:solidFill>
-                  <a:srgbClr val="00B0F0"/>
-                </a:solidFill>
-              </a:rPr>
-              <a:t>действие</a:t>
-            </a:r>
-          </a:p>
-          <a:p>
-            <a:endParaRPr lang="ru-RU" dirty="0"/>
-          </a:p>
-          <a:p>
-            <a:pPr marL="0" indent="0">
-              <a:buNone/>
-            </a:pPr>
-            <a:r>
-              <a:rPr lang="ru-RU" b="1" dirty="0" smtClean="0"/>
-              <a:t>Зачем использовать?</a:t>
-            </a:r>
-          </a:p>
-          <a:p>
-            <a:pPr>
-              <a:buFont typeface="Arial" panose="020B0604020202020204" pitchFamily="34" charset="0"/>
-              <a:buChar char="•"/>
-            </a:pPr>
-            <a:r>
-              <a:rPr lang="ru-RU" dirty="0" smtClean="0"/>
-              <a:t>Переместить логику из приложения в </a:t>
-            </a:r>
-            <a:r>
-              <a:rPr lang="en-US" dirty="0" smtClean="0"/>
-              <a:t>DBMS</a:t>
-            </a:r>
-          </a:p>
-          <a:p>
-            <a:pPr>
-              <a:buFont typeface="Arial" panose="020B0604020202020204" pitchFamily="34" charset="0"/>
-              <a:buChar char="•"/>
-            </a:pPr>
-            <a:r>
-              <a:rPr lang="ru-RU" dirty="0" smtClean="0"/>
-              <a:t>Проверять ограничения (почему не использовать </a:t>
-            </a:r>
-            <a:r>
-              <a:rPr lang="en-US" dirty="0" smtClean="0"/>
-              <a:t>constraint)</a:t>
-            </a:r>
-            <a:endParaRPr lang="ru-RU" dirty="0" smtClean="0"/>
-          </a:p>
-          <a:p>
-            <a:pPr lvl="1">
-              <a:buFont typeface="Arial" panose="020B0604020202020204" pitchFamily="34" charset="0"/>
-              <a:buChar char="•"/>
-            </a:pPr>
-            <a:r>
-              <a:rPr lang="ru-RU" dirty="0" smtClean="0"/>
-              <a:t>Ни одна база данных не поддерживает стандарт полностью</a:t>
-            </a:r>
-          </a:p>
-          <a:p>
-            <a:pPr lvl="1">
-              <a:buFont typeface="Arial" panose="020B0604020202020204" pitchFamily="34" charset="0"/>
-              <a:buChar char="•"/>
-            </a:pPr>
-            <a:r>
-              <a:rPr lang="ru-RU" dirty="0" smtClean="0"/>
-              <a:t>Некоторые виды ограничений слишком сложны</a:t>
-            </a:r>
-            <a:endParaRPr lang="en-US" dirty="0" smtClean="0"/>
-          </a:p>
-          <a:p>
-            <a:pPr lvl="1">
-              <a:buFont typeface="Arial" panose="020B0604020202020204" pitchFamily="34" charset="0"/>
-              <a:buChar char="•"/>
-            </a:pPr>
-            <a:r>
-              <a:rPr lang="ru-RU" dirty="0" smtClean="0"/>
-              <a:t>Требуется выполнять какие-либо действия, если ограничение не выполняется</a:t>
+              <a:rPr lang="en-US" dirty="0" smtClean="0">
+                <a:solidFill>
+                  <a:srgbClr val="00B0F0"/>
+                </a:solidFill>
+              </a:rPr>
+              <a:t>CREATE</a:t>
+            </a:r>
+            <a:r>
+              <a:rPr lang="en-US" dirty="0" smtClean="0"/>
+              <a:t> </a:t>
+            </a:r>
+            <a:r>
+              <a:rPr lang="en-US" dirty="0" smtClean="0">
+                <a:solidFill>
+                  <a:srgbClr val="00B0F0"/>
+                </a:solidFill>
+              </a:rPr>
+              <a:t>TABLE</a:t>
+            </a:r>
+            <a:r>
+              <a:rPr lang="en-US" dirty="0" smtClean="0"/>
+              <a:t> University</a:t>
+            </a:r>
+            <a:r>
+              <a:rPr lang="en-US" dirty="0" smtClean="0">
+                <a:solidFill>
+                  <a:srgbClr val="00B050"/>
+                </a:solidFill>
+              </a:rPr>
+              <a:t>(</a:t>
+            </a:r>
+            <a:r>
+              <a:rPr lang="en-US" dirty="0" err="1" smtClean="0"/>
+              <a:t>uName</a:t>
+            </a:r>
+            <a:r>
+              <a:rPr lang="en-US" dirty="0" smtClean="0"/>
+              <a:t> </a:t>
+            </a:r>
+            <a:r>
+              <a:rPr lang="en-US" dirty="0" smtClean="0">
+                <a:solidFill>
+                  <a:srgbClr val="00B0F0"/>
+                </a:solidFill>
+              </a:rPr>
+              <a:t>TEXT</a:t>
+            </a:r>
+            <a:r>
+              <a:rPr lang="en-US" dirty="0" smtClean="0">
+                <a:solidFill>
+                  <a:srgbClr val="00B050"/>
+                </a:solidFill>
+              </a:rPr>
+              <a:t>,</a:t>
+            </a:r>
+            <a:r>
+              <a:rPr lang="en-US" dirty="0" smtClean="0"/>
+              <a:t> region </a:t>
+            </a:r>
+            <a:r>
+              <a:rPr lang="en-US" dirty="0" smtClean="0">
+                <a:solidFill>
+                  <a:srgbClr val="00B0F0"/>
+                </a:solidFill>
+              </a:rPr>
+              <a:t>TEXT</a:t>
+            </a:r>
+            <a:r>
+              <a:rPr lang="en-US" dirty="0" smtClean="0">
+                <a:solidFill>
+                  <a:srgbClr val="00B050"/>
+                </a:solidFill>
+              </a:rPr>
+              <a:t>,</a:t>
+            </a:r>
+            <a:r>
+              <a:rPr lang="en-US" dirty="0" smtClean="0"/>
+              <a:t> enrollment </a:t>
+            </a:r>
+            <a:r>
+              <a:rPr lang="en-US" dirty="0" smtClean="0">
+                <a:solidFill>
+                  <a:srgbClr val="00B0F0"/>
+                </a:solidFill>
+              </a:rPr>
+              <a:t>INT</a:t>
+            </a:r>
+            <a:r>
+              <a:rPr lang="en-US" dirty="0" smtClean="0">
+                <a:solidFill>
+                  <a:srgbClr val="00B050"/>
+                </a:solidFill>
+              </a:rPr>
+              <a:t>,</a:t>
+            </a:r>
+            <a:r>
+              <a:rPr lang="en-US" dirty="0" smtClean="0"/>
+              <a:t> </a:t>
+            </a:r>
+            <a:r>
+              <a:rPr lang="en-US" dirty="0" smtClean="0">
+                <a:solidFill>
+                  <a:srgbClr val="00B0F0"/>
+                </a:solidFill>
+              </a:rPr>
+              <a:t>PRIMARY KEY </a:t>
+            </a:r>
+            <a:r>
+              <a:rPr lang="en-US" dirty="0" smtClean="0">
+                <a:solidFill>
+                  <a:srgbClr val="00B050"/>
+                </a:solidFill>
+              </a:rPr>
+              <a:t>(</a:t>
+            </a:r>
+            <a:r>
+              <a:rPr lang="en-US" dirty="0" err="1" smtClean="0"/>
+              <a:t>uName</a:t>
+            </a:r>
+            <a:r>
+              <a:rPr lang="en-US" dirty="0" smtClean="0">
+                <a:solidFill>
+                  <a:srgbClr val="00B050"/>
+                </a:solidFill>
+              </a:rPr>
+              <a:t>,</a:t>
+            </a:r>
+            <a:r>
+              <a:rPr lang="en-US" dirty="0" smtClean="0"/>
+              <a:t> region</a:t>
+            </a:r>
+            <a:r>
+              <a:rPr lang="en-US" dirty="0" smtClean="0">
+                <a:solidFill>
+                  <a:srgbClr val="00B050"/>
+                </a:solidFill>
+              </a:rPr>
+              <a:t>));</a:t>
             </a:r>
           </a:p>
         </p:txBody>
       </p:sp>
     </p:spTree>
-    <p:extLst>
-      <p:ext uri="{BB962C8B-B14F-4D97-AF65-F5344CB8AC3E}">
-        <p14:creationId xmlns:p14="http://schemas.microsoft.com/office/powerpoint/2010/main" val="2354843736"/>
-      </p:ext>
-    </p:extLst>
   </p:cSld>
   <p:clrMapOvr>
     <a:masterClrMapping/>
   </p:clrMapOvr>
+  <p:timing>
+    <p:tnLst>
+      <p:par>
+        <p:cTn id="1" dur="indefinite" restart="never" nodeType="tmRoot"/>
+      </p:par>
+    </p:tnLst>
+  </p:timing>
 </p:sld>
 </file>
 
@@ -8385,7 +11317,7 @@
   <a:extraClrSchemeLst/>
   <a:extLst>
     <a:ext uri="{05A4C25C-085E-4340-85A3-A5531E510DB2}">
-      <thm15:themeFamily xmlns:thm15="http://schemas.microsoft.com/office/thememl/2012/main" name="Mesh" id="{789EC3FE-34FD-429C-9918-760025E6C145}" vid="{B8BE45C0-8141-4D58-8C71-A009BC26FBBB}"/>
+      <thm15:themeFamily xmlns:thm15="http://schemas.microsoft.com/office/thememl/2012/main" xmlns="" name="Mesh" id="{789EC3FE-34FD-429C-9918-760025E6C145}" vid="{B8BE45C0-8141-4D58-8C71-A009BC26FBBB}"/>
     </a:ext>
   </a:extLst>
 </a:theme>
@@ -8646,7 +11578,7 @@
   <a:extraClrSchemeLst/>
   <a:extLst>
     <a:ext uri="{05A4C25C-085E-4340-85A3-A5531E510DB2}">
-      <thm15:themeFamily xmlns:thm15="http://schemas.microsoft.com/office/thememl/2012/main" name="Office Theme" id="{62F939B6-93AF-4DB8-9C6B-D6C7DFDC589F}" vid="{4A3C46E8-61CC-4603-A589-7422A47A8E4A}"/>
+      <thm15:themeFamily xmlns:thm15="http://schemas.microsoft.com/office/thememl/2012/main" xmlns="" name="Office Theme" id="{62F939B6-93AF-4DB8-9C6B-D6C7DFDC589F}" vid="{4A3C46E8-61CC-4603-A589-7422A47A8E4A}"/>
     </a:ext>
   </a:extLst>
 </a:theme>
